--- a/Lectures/Lecture 09.1 NHST.pptx
+++ b/Lectures/Lecture 09.1 NHST.pptx
@@ -5,48 +5,46 @@
     <p:sldMasterId id="2147483660" r:id="rId1"/>
   </p:sldMasterIdLst>
   <p:notesMasterIdLst>
-    <p:notesMasterId r:id="rId41"/>
+    <p:notesMasterId r:id="rId39"/>
   </p:notesMasterIdLst>
   <p:sldIdLst>
     <p:sldId id="256" r:id="rId2"/>
-    <p:sldId id="307" r:id="rId3"/>
-    <p:sldId id="311" r:id="rId4"/>
-    <p:sldId id="308" r:id="rId5"/>
-    <p:sldId id="318" r:id="rId6"/>
-    <p:sldId id="331" r:id="rId7"/>
-    <p:sldId id="309" r:id="rId8"/>
-    <p:sldId id="310" r:id="rId9"/>
-    <p:sldId id="319" r:id="rId10"/>
-    <p:sldId id="330" r:id="rId11"/>
-    <p:sldId id="312" r:id="rId12"/>
-    <p:sldId id="321" r:id="rId13"/>
-    <p:sldId id="323" r:id="rId14"/>
-    <p:sldId id="322" r:id="rId15"/>
-    <p:sldId id="324" r:id="rId16"/>
-    <p:sldId id="326" r:id="rId17"/>
-    <p:sldId id="329" r:id="rId18"/>
-    <p:sldId id="313" r:id="rId19"/>
-    <p:sldId id="327" r:id="rId20"/>
-    <p:sldId id="314" r:id="rId21"/>
-    <p:sldId id="332" r:id="rId22"/>
-    <p:sldId id="328" r:id="rId23"/>
-    <p:sldId id="320" r:id="rId24"/>
-    <p:sldId id="333" r:id="rId25"/>
-    <p:sldId id="334" r:id="rId26"/>
-    <p:sldId id="335" r:id="rId27"/>
-    <p:sldId id="336" r:id="rId28"/>
-    <p:sldId id="337" r:id="rId29"/>
-    <p:sldId id="338" r:id="rId30"/>
-    <p:sldId id="339" r:id="rId31"/>
-    <p:sldId id="342" r:id="rId32"/>
-    <p:sldId id="344" r:id="rId33"/>
-    <p:sldId id="341" r:id="rId34"/>
-    <p:sldId id="345" r:id="rId35"/>
-    <p:sldId id="346" r:id="rId36"/>
+    <p:sldId id="308" r:id="rId3"/>
+    <p:sldId id="318" r:id="rId4"/>
+    <p:sldId id="331" r:id="rId5"/>
+    <p:sldId id="309" r:id="rId6"/>
+    <p:sldId id="310" r:id="rId7"/>
+    <p:sldId id="319" r:id="rId8"/>
+    <p:sldId id="330" r:id="rId9"/>
+    <p:sldId id="312" r:id="rId10"/>
+    <p:sldId id="321" r:id="rId11"/>
+    <p:sldId id="323" r:id="rId12"/>
+    <p:sldId id="322" r:id="rId13"/>
+    <p:sldId id="324" r:id="rId14"/>
+    <p:sldId id="326" r:id="rId15"/>
+    <p:sldId id="329" r:id="rId16"/>
+    <p:sldId id="313" r:id="rId17"/>
+    <p:sldId id="327" r:id="rId18"/>
+    <p:sldId id="314" r:id="rId19"/>
+    <p:sldId id="332" r:id="rId20"/>
+    <p:sldId id="328" r:id="rId21"/>
+    <p:sldId id="320" r:id="rId22"/>
+    <p:sldId id="333" r:id="rId23"/>
+    <p:sldId id="334" r:id="rId24"/>
+    <p:sldId id="335" r:id="rId25"/>
+    <p:sldId id="336" r:id="rId26"/>
+    <p:sldId id="337" r:id="rId27"/>
+    <p:sldId id="338" r:id="rId28"/>
+    <p:sldId id="339" r:id="rId29"/>
+    <p:sldId id="342" r:id="rId30"/>
+    <p:sldId id="344" r:id="rId31"/>
+    <p:sldId id="341" r:id="rId32"/>
+    <p:sldId id="345" r:id="rId33"/>
+    <p:sldId id="350" r:id="rId34"/>
+    <p:sldId id="346" r:id="rId35"/>
+    <p:sldId id="340" r:id="rId36"/>
     <p:sldId id="347" r:id="rId37"/>
-    <p:sldId id="348" r:id="rId38"/>
-    <p:sldId id="340" r:id="rId39"/>
-    <p:sldId id="349" r:id="rId40"/>
+    <p:sldId id="349" r:id="rId38"/>
   </p:sldIdLst>
   <p:sldSz cx="12192000" cy="6858000"/>
   <p:notesSz cx="6858000" cy="9144000"/>
@@ -235,7 +233,7 @@
           <a:p>
             <a:fld id="{9FB01288-9136-467D-9DC0-9664A6086215}" type="datetimeFigureOut">
               <a:rPr lang="en-GB" smtClean="0"/>
-              <a:t>07/08/2024</a:t>
+              <a:t>08/08/2024</a:t>
             </a:fld>
             <a:endParaRPr lang="en-GB"/>
           </a:p>
@@ -844,7 +842,7 @@
           <a:p>
             <a:fld id="{5D4BFC96-C5AD-4B8C-B2E4-AF6E6CF7ECBA}" type="datetimeFigureOut">
               <a:rPr lang="en-GB" smtClean="0"/>
-              <a:t>07/08/2024</a:t>
+              <a:t>08/08/2024</a:t>
             </a:fld>
             <a:endParaRPr lang="en-GB"/>
           </a:p>
@@ -1054,7 +1052,7 @@
           <a:p>
             <a:fld id="{5D4BFC96-C5AD-4B8C-B2E4-AF6E6CF7ECBA}" type="datetimeFigureOut">
               <a:rPr lang="en-GB" smtClean="0"/>
-              <a:t>07/08/2024</a:t>
+              <a:t>08/08/2024</a:t>
             </a:fld>
             <a:endParaRPr lang="en-GB"/>
           </a:p>
@@ -1276,7 +1274,7 @@
           <a:p>
             <a:fld id="{5D4BFC96-C5AD-4B8C-B2E4-AF6E6CF7ECBA}" type="datetimeFigureOut">
               <a:rPr lang="en-GB" smtClean="0"/>
-              <a:t>07/08/2024</a:t>
+              <a:t>08/08/2024</a:t>
             </a:fld>
             <a:endParaRPr lang="en-GB"/>
           </a:p>
@@ -2215,7 +2213,7 @@
           <a:p>
             <a:fld id="{5D4BFC96-C5AD-4B8C-B2E4-AF6E6CF7ECBA}" type="datetimeFigureOut">
               <a:rPr lang="en-GB" smtClean="0"/>
-              <a:t>07/08/2024</a:t>
+              <a:t>08/08/2024</a:t>
             </a:fld>
             <a:endParaRPr lang="en-GB"/>
           </a:p>
@@ -2357,7 +2355,7 @@
           <a:p>
             <a:fld id="{5D4BFC96-C5AD-4B8C-B2E4-AF6E6CF7ECBA}" type="datetimeFigureOut">
               <a:rPr lang="en-GB" smtClean="0"/>
-              <a:t>07/08/2024</a:t>
+              <a:t>08/08/2024</a:t>
             </a:fld>
             <a:endParaRPr lang="en-GB"/>
           </a:p>
@@ -2470,7 +2468,7 @@
           <a:p>
             <a:fld id="{5D4BFC96-C5AD-4B8C-B2E4-AF6E6CF7ECBA}" type="datetimeFigureOut">
               <a:rPr lang="en-GB" smtClean="0"/>
-              <a:t>07/08/2024</a:t>
+              <a:t>08/08/2024</a:t>
             </a:fld>
             <a:endParaRPr lang="en-GB"/>
           </a:p>
@@ -2783,7 +2781,7 @@
           <a:p>
             <a:fld id="{5D4BFC96-C5AD-4B8C-B2E4-AF6E6CF7ECBA}" type="datetimeFigureOut">
               <a:rPr lang="en-GB" smtClean="0"/>
-              <a:t>07/08/2024</a:t>
+              <a:t>08/08/2024</a:t>
             </a:fld>
             <a:endParaRPr lang="en-GB"/>
           </a:p>
@@ -3076,7 +3074,7 @@
           <a:p>
             <a:fld id="{5D4BFC96-C5AD-4B8C-B2E4-AF6E6CF7ECBA}" type="datetimeFigureOut">
               <a:rPr lang="en-GB" smtClean="0"/>
-              <a:t>07/08/2024</a:t>
+              <a:t>08/08/2024</a:t>
             </a:fld>
             <a:endParaRPr lang="en-GB"/>
           </a:p>
@@ -3319,7 +3317,7 @@
           <a:p>
             <a:fld id="{5D4BFC96-C5AD-4B8C-B2E4-AF6E6CF7ECBA}" type="datetimeFigureOut">
               <a:rPr lang="en-GB" smtClean="0"/>
-              <a:t>07/08/2024</a:t>
+              <a:t>08/08/2024</a:t>
             </a:fld>
             <a:endParaRPr lang="en-GB"/>
           </a:p>
@@ -3760,7 +3758,7 @@
           <a:p>
             <a:r>
               <a:rPr lang="en-GB" dirty="0"/>
-              <a:t>AIC &amp; NHST</a:t>
+              <a:t>Null Hypothesis Significance Testing</a:t>
             </a:r>
           </a:p>
         </p:txBody>
@@ -3828,7 +3826,7 @@
           <p:cNvPr id="2" name="Title 1">
             <a:extLst>
               <a:ext uri="{FF2B5EF4-FFF2-40B4-BE49-F238E27FC236}">
-                <a16:creationId xmlns:a16="http://schemas.microsoft.com/office/drawing/2014/main" id="{6764EA13-FE06-B285-FA0C-362784FD6A06}"/>
+                <a16:creationId xmlns:a16="http://schemas.microsoft.com/office/drawing/2014/main" id="{28679F4B-775A-E412-6C18-3D3DA5BF4A9A}"/>
               </a:ext>
             </a:extLst>
           </p:cNvPr>
@@ -3846,21 +3844,351 @@
           <a:p>
             <a:r>
               <a:rPr lang="en-GB" dirty="0"/>
-              <a:t>P-values</a:t>
+              <a:t>Just by chance?</a:t>
             </a:r>
           </a:p>
         </p:txBody>
       </p:sp>
+      <p:sp>
+        <p:nvSpPr>
+          <p:cNvPr id="3" name="Content Placeholder 2">
+            <a:extLst>
+              <a:ext uri="{FF2B5EF4-FFF2-40B4-BE49-F238E27FC236}">
+                <a16:creationId xmlns:a16="http://schemas.microsoft.com/office/drawing/2014/main" id="{4419D5C1-58B5-F925-9848-96E2BB222736}"/>
+              </a:ext>
+            </a:extLst>
+          </p:cNvPr>
+          <p:cNvSpPr>
+            <a:spLocks noGrp="1"/>
+          </p:cNvSpPr>
+          <p:nvPr>
+            <p:ph idx="1"/>
+          </p:nvPr>
+        </p:nvSpPr>
+        <p:spPr/>
+        <p:txBody>
+          <a:bodyPr/>
+          <a:lstStyle/>
+          <a:p>
+            <a:r>
+              <a:rPr lang="en-GB" dirty="0"/>
+              <a:t>It’s not </a:t>
+            </a:r>
+            <a:r>
+              <a:rPr lang="en-GB" i="1" dirty="0"/>
+              <a:t>impossible</a:t>
+            </a:r>
+            <a:r>
+              <a:rPr lang="en-GB" dirty="0"/>
+              <a:t> that we would observe a 1.7 m tall penguin</a:t>
+            </a:r>
+          </a:p>
+          <a:p>
+            <a:r>
+              <a:rPr lang="en-GB" dirty="0"/>
+              <a:t>But doesn’t seem very likely</a:t>
+            </a:r>
+          </a:p>
+          <a:p>
+            <a:r>
+              <a:rPr lang="en-GB" dirty="0"/>
+              <a:t>What’s the probability of seeing a very big or very small penguin?</a:t>
+            </a:r>
+          </a:p>
+        </p:txBody>
+      </p:sp>
+      <p:pic>
+        <p:nvPicPr>
+          <p:cNvPr id="28" name="Picture Placeholder 27" descr="A graph of a penguin&#10;&#10;Description automatically generated">
+            <a:extLst>
+              <a:ext uri="{FF2B5EF4-FFF2-40B4-BE49-F238E27FC236}">
+                <a16:creationId xmlns:a16="http://schemas.microsoft.com/office/drawing/2014/main" id="{41EEF88A-D43C-92CC-E85C-8C1ED804645C}"/>
+              </a:ext>
+            </a:extLst>
+          </p:cNvPr>
+          <p:cNvPicPr>
+            <a:picLocks noGrp="1" noChangeAspect="1"/>
+          </p:cNvPicPr>
+          <p:nvPr>
+            <p:ph type="pic" sz="quarter" idx="10"/>
+          </p:nvPr>
+        </p:nvPicPr>
+        <p:blipFill>
+          <a:blip r:embed="rId2">
+            <a:extLst>
+              <a:ext uri="{28A0092B-C50C-407E-A947-70E740481C1C}">
+                <a14:useLocalDpi xmlns:a14="http://schemas.microsoft.com/office/drawing/2010/main" val="0"/>
+              </a:ext>
+            </a:extLst>
+          </a:blip>
+          <a:srcRect t="691" b="691"/>
+          <a:stretch>
+            <a:fillRect/>
+          </a:stretch>
+        </p:blipFill>
+        <p:spPr/>
+      </p:pic>
     </p:spTree>
     <p:extLst>
       <p:ext uri="{BB962C8B-B14F-4D97-AF65-F5344CB8AC3E}">
-        <p14:creationId xmlns:p14="http://schemas.microsoft.com/office/powerpoint/2010/main" val="1159134408"/>
+        <p14:creationId xmlns:p14="http://schemas.microsoft.com/office/powerpoint/2010/main" val="3866256360"/>
       </p:ext>
     </p:extLst>
   </p:cSld>
   <p:clrMapOvr>
     <a:masterClrMapping/>
   </p:clrMapOvr>
+  <p:timing>
+    <p:tnLst>
+      <p:par>
+        <p:cTn id="1" dur="indefinite" restart="never" nodeType="tmRoot">
+          <p:childTnLst>
+            <p:seq concurrent="1" nextAc="seek">
+              <p:cTn id="2" dur="indefinite" nodeType="mainSeq">
+                <p:childTnLst>
+                  <p:par>
+                    <p:cTn id="3" fill="hold">
+                      <p:stCondLst>
+                        <p:cond delay="indefinite"/>
+                      </p:stCondLst>
+                      <p:childTnLst>
+                        <p:par>
+                          <p:cTn id="4" fill="hold">
+                            <p:stCondLst>
+                              <p:cond delay="0"/>
+                            </p:stCondLst>
+                            <p:childTnLst>
+                              <p:par>
+                                <p:cTn id="5" presetID="10" presetClass="entr" presetSubtype="0" fill="hold" grpId="0" nodeType="clickEffect">
+                                  <p:stCondLst>
+                                    <p:cond delay="0"/>
+                                  </p:stCondLst>
+                                  <p:childTnLst>
+                                    <p:set>
+                                      <p:cBhvr>
+                                        <p:cTn id="6" dur="1" fill="hold">
+                                          <p:stCondLst>
+                                            <p:cond delay="0"/>
+                                          </p:stCondLst>
+                                        </p:cTn>
+                                        <p:tgtEl>
+                                          <p:spTgt spid="3">
+                                            <p:txEl>
+                                              <p:pRg st="0" end="0"/>
+                                            </p:txEl>
+                                          </p:spTgt>
+                                        </p:tgtEl>
+                                        <p:attrNameLst>
+                                          <p:attrName>style.visibility</p:attrName>
+                                        </p:attrNameLst>
+                                      </p:cBhvr>
+                                      <p:to>
+                                        <p:strVal val="visible"/>
+                                      </p:to>
+                                    </p:set>
+                                    <p:animEffect transition="in" filter="fade">
+                                      <p:cBhvr>
+                                        <p:cTn id="7" dur="500"/>
+                                        <p:tgtEl>
+                                          <p:spTgt spid="3">
+                                            <p:txEl>
+                                              <p:pRg st="0" end="0"/>
+                                            </p:txEl>
+                                          </p:spTgt>
+                                        </p:tgtEl>
+                                      </p:cBhvr>
+                                    </p:animEffect>
+                                  </p:childTnLst>
+                                </p:cTn>
+                              </p:par>
+                              <p:par>
+                                <p:cTn id="8" presetID="10" presetClass="entr" presetSubtype="0" fill="hold" nodeType="withEffect">
+                                  <p:stCondLst>
+                                    <p:cond delay="0"/>
+                                  </p:stCondLst>
+                                  <p:childTnLst>
+                                    <p:set>
+                                      <p:cBhvr>
+                                        <p:cTn id="9" dur="1" fill="hold">
+                                          <p:stCondLst>
+                                            <p:cond delay="0"/>
+                                          </p:stCondLst>
+                                        </p:cTn>
+                                        <p:tgtEl>
+                                          <p:spTgt spid="28"/>
+                                        </p:tgtEl>
+                                        <p:attrNameLst>
+                                          <p:attrName>style.visibility</p:attrName>
+                                        </p:attrNameLst>
+                                      </p:cBhvr>
+                                      <p:to>
+                                        <p:strVal val="visible"/>
+                                      </p:to>
+                                    </p:set>
+                                    <p:animEffect transition="in" filter="fade">
+                                      <p:cBhvr>
+                                        <p:cTn id="10" dur="500"/>
+                                        <p:tgtEl>
+                                          <p:spTgt spid="28"/>
+                                        </p:tgtEl>
+                                      </p:cBhvr>
+                                    </p:animEffect>
+                                  </p:childTnLst>
+                                </p:cTn>
+                              </p:par>
+                            </p:childTnLst>
+                          </p:cTn>
+                        </p:par>
+                      </p:childTnLst>
+                    </p:cTn>
+                  </p:par>
+                  <p:par>
+                    <p:cTn id="11" fill="hold">
+                      <p:stCondLst>
+                        <p:cond delay="indefinite"/>
+                      </p:stCondLst>
+                      <p:childTnLst>
+                        <p:par>
+                          <p:cTn id="12" fill="hold">
+                            <p:stCondLst>
+                              <p:cond delay="0"/>
+                            </p:stCondLst>
+                            <p:childTnLst>
+                              <p:par>
+                                <p:cTn id="13" presetID="10" presetClass="entr" presetSubtype="0" fill="hold" grpId="0" nodeType="clickEffect">
+                                  <p:stCondLst>
+                                    <p:cond delay="0"/>
+                                  </p:stCondLst>
+                                  <p:childTnLst>
+                                    <p:set>
+                                      <p:cBhvr>
+                                        <p:cTn id="14" dur="1" fill="hold">
+                                          <p:stCondLst>
+                                            <p:cond delay="0"/>
+                                          </p:stCondLst>
+                                        </p:cTn>
+                                        <p:tgtEl>
+                                          <p:spTgt spid="3">
+                                            <p:txEl>
+                                              <p:pRg st="1" end="1"/>
+                                            </p:txEl>
+                                          </p:spTgt>
+                                        </p:tgtEl>
+                                        <p:attrNameLst>
+                                          <p:attrName>style.visibility</p:attrName>
+                                        </p:attrNameLst>
+                                      </p:cBhvr>
+                                      <p:to>
+                                        <p:strVal val="visible"/>
+                                      </p:to>
+                                    </p:set>
+                                    <p:animEffect transition="in" filter="fade">
+                                      <p:cBhvr>
+                                        <p:cTn id="15" dur="500"/>
+                                        <p:tgtEl>
+                                          <p:spTgt spid="3">
+                                            <p:txEl>
+                                              <p:pRg st="1" end="1"/>
+                                            </p:txEl>
+                                          </p:spTgt>
+                                        </p:tgtEl>
+                                      </p:cBhvr>
+                                    </p:animEffect>
+                                  </p:childTnLst>
+                                </p:cTn>
+                              </p:par>
+                            </p:childTnLst>
+                          </p:cTn>
+                        </p:par>
+                      </p:childTnLst>
+                    </p:cTn>
+                  </p:par>
+                  <p:par>
+                    <p:cTn id="16" fill="hold">
+                      <p:stCondLst>
+                        <p:cond delay="indefinite"/>
+                      </p:stCondLst>
+                      <p:childTnLst>
+                        <p:par>
+                          <p:cTn id="17" fill="hold">
+                            <p:stCondLst>
+                              <p:cond delay="0"/>
+                            </p:stCondLst>
+                            <p:childTnLst>
+                              <p:par>
+                                <p:cTn id="18" presetID="10" presetClass="entr" presetSubtype="0" fill="hold" grpId="0" nodeType="clickEffect">
+                                  <p:stCondLst>
+                                    <p:cond delay="0"/>
+                                  </p:stCondLst>
+                                  <p:childTnLst>
+                                    <p:set>
+                                      <p:cBhvr>
+                                        <p:cTn id="19" dur="1" fill="hold">
+                                          <p:stCondLst>
+                                            <p:cond delay="0"/>
+                                          </p:stCondLst>
+                                        </p:cTn>
+                                        <p:tgtEl>
+                                          <p:spTgt spid="3">
+                                            <p:txEl>
+                                              <p:pRg st="2" end="2"/>
+                                            </p:txEl>
+                                          </p:spTgt>
+                                        </p:tgtEl>
+                                        <p:attrNameLst>
+                                          <p:attrName>style.visibility</p:attrName>
+                                        </p:attrNameLst>
+                                      </p:cBhvr>
+                                      <p:to>
+                                        <p:strVal val="visible"/>
+                                      </p:to>
+                                    </p:set>
+                                    <p:animEffect transition="in" filter="fade">
+                                      <p:cBhvr>
+                                        <p:cTn id="20" dur="500"/>
+                                        <p:tgtEl>
+                                          <p:spTgt spid="3">
+                                            <p:txEl>
+                                              <p:pRg st="2" end="2"/>
+                                            </p:txEl>
+                                          </p:spTgt>
+                                        </p:tgtEl>
+                                      </p:cBhvr>
+                                    </p:animEffect>
+                                  </p:childTnLst>
+                                </p:cTn>
+                              </p:par>
+                            </p:childTnLst>
+                          </p:cTn>
+                        </p:par>
+                      </p:childTnLst>
+                    </p:cTn>
+                  </p:par>
+                </p:childTnLst>
+              </p:cTn>
+              <p:prevCondLst>
+                <p:cond evt="onPrev" delay="0">
+                  <p:tgtEl>
+                    <p:sldTgt/>
+                  </p:tgtEl>
+                </p:cond>
+              </p:prevCondLst>
+              <p:nextCondLst>
+                <p:cond evt="onNext" delay="0">
+                  <p:tgtEl>
+                    <p:sldTgt/>
+                  </p:tgtEl>
+                </p:cond>
+              </p:nextCondLst>
+            </p:seq>
+          </p:childTnLst>
+        </p:cTn>
+      </p:par>
+    </p:tnLst>
+    <p:bldLst>
+      <p:bldP spid="3" grpId="0" uiExpand="1" build="p"/>
+    </p:bldLst>
+  </p:timing>
 </p:sld>
 </file>
 
@@ -3886,7 +4214,7 @@
           <p:cNvPr id="2" name="Title 1">
             <a:extLst>
               <a:ext uri="{FF2B5EF4-FFF2-40B4-BE49-F238E27FC236}">
-                <a16:creationId xmlns:a16="http://schemas.microsoft.com/office/drawing/2014/main" id="{38145EB2-422E-8273-202C-3C5DAC6103EB}"/>
+                <a16:creationId xmlns:a16="http://schemas.microsoft.com/office/drawing/2014/main" id="{28679F4B-775A-E412-6C18-3D3DA5BF4A9A}"/>
               </a:ext>
             </a:extLst>
           </p:cNvPr>
@@ -3904,7 +4232,7 @@
           <a:p>
             <a:r>
               <a:rPr lang="en-GB" dirty="0"/>
-              <a:t>P-values</a:t>
+              <a:t>Just by chance?</a:t>
             </a:r>
           </a:p>
         </p:txBody>
@@ -3914,7 +4242,7 @@
           <p:cNvPr id="3" name="Content Placeholder 2">
             <a:extLst>
               <a:ext uri="{FF2B5EF4-FFF2-40B4-BE49-F238E27FC236}">
-                <a16:creationId xmlns:a16="http://schemas.microsoft.com/office/drawing/2014/main" id="{AD82DED4-73A4-3A8D-43CE-F31AE46782DB}"/>
+                <a16:creationId xmlns:a16="http://schemas.microsoft.com/office/drawing/2014/main" id="{4419D5C1-58B5-F925-9848-96E2BB222736}"/>
               </a:ext>
             </a:extLst>
           </p:cNvPr>
@@ -3932,37 +4260,37 @@
           <a:p>
             <a:r>
               <a:rPr lang="en-GB" dirty="0"/>
-              <a:t>Basically, P-values are:</a:t>
+              <a:t>The green area captures all possible heights we could measure of Emperor penguins</a:t>
             </a:r>
           </a:p>
           <a:p>
             <a:pPr lvl="1"/>
             <a:r>
               <a:rPr lang="en-GB" dirty="0"/>
-              <a:t>What is the probability that the thing you just observed could have happened just by pure chance</a:t>
+              <a:t>Given the average height of 1.1 m</a:t>
             </a:r>
           </a:p>
           <a:p>
             <a:pPr lvl="1"/>
             <a:r>
               <a:rPr lang="en-GB" dirty="0"/>
-              <a:t>I.e. How likely is it that “nothing happens”, given there is variation?</a:t>
+              <a:t>And a standard deviation of 15 cm</a:t>
             </a:r>
           </a:p>
           <a:p>
             <a:r>
               <a:rPr lang="en-GB" dirty="0"/>
-              <a:t>E.g. how likely is it to see a 1.7 m tall Emperor penguin, given the average is 1.1 m?</a:t>
+              <a:t>Area under the curve includes our 1.7 m tall penguin</a:t>
             </a:r>
           </a:p>
         </p:txBody>
       </p:sp>
       <p:pic>
         <p:nvPicPr>
-          <p:cNvPr id="6" name="Picture Placeholder 5" descr="A person standing next to a penguin&#10;&#10;Description automatically generated">
+          <p:cNvPr id="17" name="Picture Placeholder 16" descr="A graph of a penguin&#10;&#10;Description automatically generated with medium confidence">
             <a:extLst>
               <a:ext uri="{FF2B5EF4-FFF2-40B4-BE49-F238E27FC236}">
-                <a16:creationId xmlns:a16="http://schemas.microsoft.com/office/drawing/2014/main" id="{DB3CC2F4-7297-B269-85E2-1EA3B6E6ABA6}"/>
+                <a16:creationId xmlns:a16="http://schemas.microsoft.com/office/drawing/2014/main" id="{749BF699-BE0E-D1D0-DE5C-7361C51F4BC8}"/>
               </a:ext>
             </a:extLst>
           </p:cNvPr>
@@ -3981,7 +4309,7 @@
               </a:ext>
             </a:extLst>
           </a:blip>
-          <a:srcRect l="6001" r="6001"/>
+          <a:srcRect t="691" b="691"/>
           <a:stretch>
             <a:fillRect/>
           </a:stretch>
@@ -3991,7 +4319,7 @@
     </p:spTree>
     <p:extLst>
       <p:ext uri="{BB962C8B-B14F-4D97-AF65-F5344CB8AC3E}">
-        <p14:creationId xmlns:p14="http://schemas.microsoft.com/office/powerpoint/2010/main" val="1496607656"/>
+        <p14:creationId xmlns:p14="http://schemas.microsoft.com/office/powerpoint/2010/main" val="3779043744"/>
       </p:ext>
     </p:extLst>
   </p:cSld>
@@ -4346,950 +4674,6 @@
           <a:p>
             <a:r>
               <a:rPr lang="en-GB" dirty="0"/>
-              <a:t>It’s not </a:t>
-            </a:r>
-            <a:r>
-              <a:rPr lang="en-GB" i="1" dirty="0"/>
-              <a:t>impossible</a:t>
-            </a:r>
-            <a:r>
-              <a:rPr lang="en-GB" dirty="0"/>
-              <a:t> that we would observe a 1.7 m tall penguin</a:t>
-            </a:r>
-          </a:p>
-          <a:p>
-            <a:r>
-              <a:rPr lang="en-GB" dirty="0"/>
-              <a:t>But doesn’t seem very likely</a:t>
-            </a:r>
-          </a:p>
-          <a:p>
-            <a:r>
-              <a:rPr lang="en-GB" dirty="0"/>
-              <a:t>1.7 m is taller than 99.75 % of our  penguins</a:t>
-            </a:r>
-          </a:p>
-          <a:p>
-            <a:r>
-              <a:rPr lang="en-GB" dirty="0"/>
-              <a:t>99.75% of penguins are between </a:t>
-            </a:r>
-            <a:br>
-              <a:rPr lang="en-GB" dirty="0"/>
-            </a:br>
-            <a:r>
-              <a:rPr lang="en-GB" dirty="0"/>
-              <a:t>0.71 m and 1.56 m tall</a:t>
-            </a:r>
-          </a:p>
-          <a:p>
-            <a:pPr lvl="1"/>
-            <a:r>
-              <a:rPr lang="en-GB" dirty="0"/>
-              <a:t>So, a 99.75 % probability that if we measured a penguin, they’d be within that range</a:t>
-            </a:r>
-          </a:p>
-        </p:txBody>
-      </p:sp>
-      <p:pic>
-        <p:nvPicPr>
-          <p:cNvPr id="28" name="Picture Placeholder 27" descr="A graph of a penguin&#10;&#10;Description automatically generated">
-            <a:extLst>
-              <a:ext uri="{FF2B5EF4-FFF2-40B4-BE49-F238E27FC236}">
-                <a16:creationId xmlns:a16="http://schemas.microsoft.com/office/drawing/2014/main" id="{41EEF88A-D43C-92CC-E85C-8C1ED804645C}"/>
-              </a:ext>
-            </a:extLst>
-          </p:cNvPr>
-          <p:cNvPicPr>
-            <a:picLocks noGrp="1" noChangeAspect="1"/>
-          </p:cNvPicPr>
-          <p:nvPr>
-            <p:ph type="pic" sz="quarter" idx="10"/>
-          </p:nvPr>
-        </p:nvPicPr>
-        <p:blipFill>
-          <a:blip r:embed="rId2">
-            <a:extLst>
-              <a:ext uri="{28A0092B-C50C-407E-A947-70E740481C1C}">
-                <a14:useLocalDpi xmlns:a14="http://schemas.microsoft.com/office/drawing/2010/main" val="0"/>
-              </a:ext>
-            </a:extLst>
-          </a:blip>
-          <a:srcRect t="691" b="691"/>
-          <a:stretch>
-            <a:fillRect/>
-          </a:stretch>
-        </p:blipFill>
-        <p:spPr/>
-      </p:pic>
-    </p:spTree>
-    <p:extLst>
-      <p:ext uri="{BB962C8B-B14F-4D97-AF65-F5344CB8AC3E}">
-        <p14:creationId xmlns:p14="http://schemas.microsoft.com/office/powerpoint/2010/main" val="3866256360"/>
-      </p:ext>
-    </p:extLst>
-  </p:cSld>
-  <p:clrMapOvr>
-    <a:masterClrMapping/>
-  </p:clrMapOvr>
-  <p:timing>
-    <p:tnLst>
-      <p:par>
-        <p:cTn id="1" dur="indefinite" restart="never" nodeType="tmRoot">
-          <p:childTnLst>
-            <p:seq concurrent="1" nextAc="seek">
-              <p:cTn id="2" dur="indefinite" nodeType="mainSeq">
-                <p:childTnLst>
-                  <p:par>
-                    <p:cTn id="3" fill="hold">
-                      <p:stCondLst>
-                        <p:cond delay="indefinite"/>
-                      </p:stCondLst>
-                      <p:childTnLst>
-                        <p:par>
-                          <p:cTn id="4" fill="hold">
-                            <p:stCondLst>
-                              <p:cond delay="0"/>
-                            </p:stCondLst>
-                            <p:childTnLst>
-                              <p:par>
-                                <p:cTn id="5" presetID="10" presetClass="entr" presetSubtype="0" fill="hold" grpId="0" nodeType="clickEffect">
-                                  <p:stCondLst>
-                                    <p:cond delay="0"/>
-                                  </p:stCondLst>
-                                  <p:childTnLst>
-                                    <p:set>
-                                      <p:cBhvr>
-                                        <p:cTn id="6" dur="1" fill="hold">
-                                          <p:stCondLst>
-                                            <p:cond delay="0"/>
-                                          </p:stCondLst>
-                                        </p:cTn>
-                                        <p:tgtEl>
-                                          <p:spTgt spid="3">
-                                            <p:txEl>
-                                              <p:pRg st="0" end="0"/>
-                                            </p:txEl>
-                                          </p:spTgt>
-                                        </p:tgtEl>
-                                        <p:attrNameLst>
-                                          <p:attrName>style.visibility</p:attrName>
-                                        </p:attrNameLst>
-                                      </p:cBhvr>
-                                      <p:to>
-                                        <p:strVal val="visible"/>
-                                      </p:to>
-                                    </p:set>
-                                    <p:animEffect transition="in" filter="fade">
-                                      <p:cBhvr>
-                                        <p:cTn id="7" dur="500"/>
-                                        <p:tgtEl>
-                                          <p:spTgt spid="3">
-                                            <p:txEl>
-                                              <p:pRg st="0" end="0"/>
-                                            </p:txEl>
-                                          </p:spTgt>
-                                        </p:tgtEl>
-                                      </p:cBhvr>
-                                    </p:animEffect>
-                                  </p:childTnLst>
-                                </p:cTn>
-                              </p:par>
-                              <p:par>
-                                <p:cTn id="8" presetID="10" presetClass="entr" presetSubtype="0" fill="hold" nodeType="withEffect">
-                                  <p:stCondLst>
-                                    <p:cond delay="0"/>
-                                  </p:stCondLst>
-                                  <p:childTnLst>
-                                    <p:set>
-                                      <p:cBhvr>
-                                        <p:cTn id="9" dur="1" fill="hold">
-                                          <p:stCondLst>
-                                            <p:cond delay="0"/>
-                                          </p:stCondLst>
-                                        </p:cTn>
-                                        <p:tgtEl>
-                                          <p:spTgt spid="28"/>
-                                        </p:tgtEl>
-                                        <p:attrNameLst>
-                                          <p:attrName>style.visibility</p:attrName>
-                                        </p:attrNameLst>
-                                      </p:cBhvr>
-                                      <p:to>
-                                        <p:strVal val="visible"/>
-                                      </p:to>
-                                    </p:set>
-                                    <p:animEffect transition="in" filter="fade">
-                                      <p:cBhvr>
-                                        <p:cTn id="10" dur="500"/>
-                                        <p:tgtEl>
-                                          <p:spTgt spid="28"/>
-                                        </p:tgtEl>
-                                      </p:cBhvr>
-                                    </p:animEffect>
-                                  </p:childTnLst>
-                                </p:cTn>
-                              </p:par>
-                            </p:childTnLst>
-                          </p:cTn>
-                        </p:par>
-                      </p:childTnLst>
-                    </p:cTn>
-                  </p:par>
-                  <p:par>
-                    <p:cTn id="11" fill="hold">
-                      <p:stCondLst>
-                        <p:cond delay="indefinite"/>
-                      </p:stCondLst>
-                      <p:childTnLst>
-                        <p:par>
-                          <p:cTn id="12" fill="hold">
-                            <p:stCondLst>
-                              <p:cond delay="0"/>
-                            </p:stCondLst>
-                            <p:childTnLst>
-                              <p:par>
-                                <p:cTn id="13" presetID="10" presetClass="entr" presetSubtype="0" fill="hold" grpId="0" nodeType="clickEffect">
-                                  <p:stCondLst>
-                                    <p:cond delay="0"/>
-                                  </p:stCondLst>
-                                  <p:childTnLst>
-                                    <p:set>
-                                      <p:cBhvr>
-                                        <p:cTn id="14" dur="1" fill="hold">
-                                          <p:stCondLst>
-                                            <p:cond delay="0"/>
-                                          </p:stCondLst>
-                                        </p:cTn>
-                                        <p:tgtEl>
-                                          <p:spTgt spid="3">
-                                            <p:txEl>
-                                              <p:pRg st="1" end="1"/>
-                                            </p:txEl>
-                                          </p:spTgt>
-                                        </p:tgtEl>
-                                        <p:attrNameLst>
-                                          <p:attrName>style.visibility</p:attrName>
-                                        </p:attrNameLst>
-                                      </p:cBhvr>
-                                      <p:to>
-                                        <p:strVal val="visible"/>
-                                      </p:to>
-                                    </p:set>
-                                    <p:animEffect transition="in" filter="fade">
-                                      <p:cBhvr>
-                                        <p:cTn id="15" dur="500"/>
-                                        <p:tgtEl>
-                                          <p:spTgt spid="3">
-                                            <p:txEl>
-                                              <p:pRg st="1" end="1"/>
-                                            </p:txEl>
-                                          </p:spTgt>
-                                        </p:tgtEl>
-                                      </p:cBhvr>
-                                    </p:animEffect>
-                                  </p:childTnLst>
-                                </p:cTn>
-                              </p:par>
-                            </p:childTnLst>
-                          </p:cTn>
-                        </p:par>
-                      </p:childTnLst>
-                    </p:cTn>
-                  </p:par>
-                  <p:par>
-                    <p:cTn id="16" fill="hold">
-                      <p:stCondLst>
-                        <p:cond delay="indefinite"/>
-                      </p:stCondLst>
-                      <p:childTnLst>
-                        <p:par>
-                          <p:cTn id="17" fill="hold">
-                            <p:stCondLst>
-                              <p:cond delay="0"/>
-                            </p:stCondLst>
-                            <p:childTnLst>
-                              <p:par>
-                                <p:cTn id="18" presetID="10" presetClass="entr" presetSubtype="0" fill="hold" grpId="0" nodeType="clickEffect">
-                                  <p:stCondLst>
-                                    <p:cond delay="0"/>
-                                  </p:stCondLst>
-                                  <p:childTnLst>
-                                    <p:set>
-                                      <p:cBhvr>
-                                        <p:cTn id="19" dur="1" fill="hold">
-                                          <p:stCondLst>
-                                            <p:cond delay="0"/>
-                                          </p:stCondLst>
-                                        </p:cTn>
-                                        <p:tgtEl>
-                                          <p:spTgt spid="3">
-                                            <p:txEl>
-                                              <p:pRg st="2" end="2"/>
-                                            </p:txEl>
-                                          </p:spTgt>
-                                        </p:tgtEl>
-                                        <p:attrNameLst>
-                                          <p:attrName>style.visibility</p:attrName>
-                                        </p:attrNameLst>
-                                      </p:cBhvr>
-                                      <p:to>
-                                        <p:strVal val="visible"/>
-                                      </p:to>
-                                    </p:set>
-                                    <p:animEffect transition="in" filter="fade">
-                                      <p:cBhvr>
-                                        <p:cTn id="20" dur="500"/>
-                                        <p:tgtEl>
-                                          <p:spTgt spid="3">
-                                            <p:txEl>
-                                              <p:pRg st="2" end="2"/>
-                                            </p:txEl>
-                                          </p:spTgt>
-                                        </p:tgtEl>
-                                      </p:cBhvr>
-                                    </p:animEffect>
-                                  </p:childTnLst>
-                                </p:cTn>
-                              </p:par>
-                            </p:childTnLst>
-                          </p:cTn>
-                        </p:par>
-                      </p:childTnLst>
-                    </p:cTn>
-                  </p:par>
-                  <p:par>
-                    <p:cTn id="21" fill="hold">
-                      <p:stCondLst>
-                        <p:cond delay="indefinite"/>
-                      </p:stCondLst>
-                      <p:childTnLst>
-                        <p:par>
-                          <p:cTn id="22" fill="hold">
-                            <p:stCondLst>
-                              <p:cond delay="0"/>
-                            </p:stCondLst>
-                            <p:childTnLst>
-                              <p:par>
-                                <p:cTn id="23" presetID="10" presetClass="entr" presetSubtype="0" fill="hold" grpId="0" nodeType="clickEffect">
-                                  <p:stCondLst>
-                                    <p:cond delay="0"/>
-                                  </p:stCondLst>
-                                  <p:childTnLst>
-                                    <p:set>
-                                      <p:cBhvr>
-                                        <p:cTn id="24" dur="1" fill="hold">
-                                          <p:stCondLst>
-                                            <p:cond delay="0"/>
-                                          </p:stCondLst>
-                                        </p:cTn>
-                                        <p:tgtEl>
-                                          <p:spTgt spid="3">
-                                            <p:txEl>
-                                              <p:pRg st="3" end="3"/>
-                                            </p:txEl>
-                                          </p:spTgt>
-                                        </p:tgtEl>
-                                        <p:attrNameLst>
-                                          <p:attrName>style.visibility</p:attrName>
-                                        </p:attrNameLst>
-                                      </p:cBhvr>
-                                      <p:to>
-                                        <p:strVal val="visible"/>
-                                      </p:to>
-                                    </p:set>
-                                    <p:animEffect transition="in" filter="fade">
-                                      <p:cBhvr>
-                                        <p:cTn id="25" dur="500"/>
-                                        <p:tgtEl>
-                                          <p:spTgt spid="3">
-                                            <p:txEl>
-                                              <p:pRg st="3" end="3"/>
-                                            </p:txEl>
-                                          </p:spTgt>
-                                        </p:tgtEl>
-                                      </p:cBhvr>
-                                    </p:animEffect>
-                                  </p:childTnLst>
-                                </p:cTn>
-                              </p:par>
-                            </p:childTnLst>
-                          </p:cTn>
-                        </p:par>
-                      </p:childTnLst>
-                    </p:cTn>
-                  </p:par>
-                  <p:par>
-                    <p:cTn id="26" fill="hold">
-                      <p:stCondLst>
-                        <p:cond delay="indefinite"/>
-                      </p:stCondLst>
-                      <p:childTnLst>
-                        <p:par>
-                          <p:cTn id="27" fill="hold">
-                            <p:stCondLst>
-                              <p:cond delay="0"/>
-                            </p:stCondLst>
-                            <p:childTnLst>
-                              <p:par>
-                                <p:cTn id="28" presetID="10" presetClass="entr" presetSubtype="0" fill="hold" grpId="0" nodeType="clickEffect">
-                                  <p:stCondLst>
-                                    <p:cond delay="0"/>
-                                  </p:stCondLst>
-                                  <p:childTnLst>
-                                    <p:set>
-                                      <p:cBhvr>
-                                        <p:cTn id="29" dur="1" fill="hold">
-                                          <p:stCondLst>
-                                            <p:cond delay="0"/>
-                                          </p:stCondLst>
-                                        </p:cTn>
-                                        <p:tgtEl>
-                                          <p:spTgt spid="3">
-                                            <p:txEl>
-                                              <p:pRg st="4" end="4"/>
-                                            </p:txEl>
-                                          </p:spTgt>
-                                        </p:tgtEl>
-                                        <p:attrNameLst>
-                                          <p:attrName>style.visibility</p:attrName>
-                                        </p:attrNameLst>
-                                      </p:cBhvr>
-                                      <p:to>
-                                        <p:strVal val="visible"/>
-                                      </p:to>
-                                    </p:set>
-                                    <p:animEffect transition="in" filter="fade">
-                                      <p:cBhvr>
-                                        <p:cTn id="30" dur="500"/>
-                                        <p:tgtEl>
-                                          <p:spTgt spid="3">
-                                            <p:txEl>
-                                              <p:pRg st="4" end="4"/>
-                                            </p:txEl>
-                                          </p:spTgt>
-                                        </p:tgtEl>
-                                      </p:cBhvr>
-                                    </p:animEffect>
-                                  </p:childTnLst>
-                                </p:cTn>
-                              </p:par>
-                            </p:childTnLst>
-                          </p:cTn>
-                        </p:par>
-                      </p:childTnLst>
-                    </p:cTn>
-                  </p:par>
-                </p:childTnLst>
-              </p:cTn>
-              <p:prevCondLst>
-                <p:cond evt="onPrev" delay="0">
-                  <p:tgtEl>
-                    <p:sldTgt/>
-                  </p:tgtEl>
-                </p:cond>
-              </p:prevCondLst>
-              <p:nextCondLst>
-                <p:cond evt="onNext" delay="0">
-                  <p:tgtEl>
-                    <p:sldTgt/>
-                  </p:tgtEl>
-                </p:cond>
-              </p:nextCondLst>
-            </p:seq>
-          </p:childTnLst>
-        </p:cTn>
-      </p:par>
-    </p:tnLst>
-    <p:bldLst>
-      <p:bldP spid="3" grpId="0" uiExpand="1" build="p"/>
-    </p:bldLst>
-  </p:timing>
-</p:sld>
-</file>
-
-<file path=ppt/slides/slide13.xml><?xml version="1.0" encoding="utf-8"?>
-<p:sld xmlns:a="http://schemas.openxmlformats.org/drawingml/2006/main" xmlns:r="http://schemas.openxmlformats.org/officeDocument/2006/relationships" xmlns:p="http://schemas.openxmlformats.org/presentationml/2006/main">
-  <p:cSld>
-    <p:spTree>
-      <p:nvGrpSpPr>
-        <p:cNvPr id="1" name=""/>
-        <p:cNvGrpSpPr/>
-        <p:nvPr/>
-      </p:nvGrpSpPr>
-      <p:grpSpPr>
-        <a:xfrm>
-          <a:off x="0" y="0"/>
-          <a:ext cx="0" cy="0"/>
-          <a:chOff x="0" y="0"/>
-          <a:chExt cx="0" cy="0"/>
-        </a:xfrm>
-      </p:grpSpPr>
-      <p:sp>
-        <p:nvSpPr>
-          <p:cNvPr id="2" name="Title 1">
-            <a:extLst>
-              <a:ext uri="{FF2B5EF4-FFF2-40B4-BE49-F238E27FC236}">
-                <a16:creationId xmlns:a16="http://schemas.microsoft.com/office/drawing/2014/main" id="{28679F4B-775A-E412-6C18-3D3DA5BF4A9A}"/>
-              </a:ext>
-            </a:extLst>
-          </p:cNvPr>
-          <p:cNvSpPr>
-            <a:spLocks noGrp="1"/>
-          </p:cNvSpPr>
-          <p:nvPr>
-            <p:ph type="title"/>
-          </p:nvPr>
-        </p:nvSpPr>
-        <p:spPr/>
-        <p:txBody>
-          <a:bodyPr/>
-          <a:lstStyle/>
-          <a:p>
-            <a:r>
-              <a:rPr lang="en-GB" dirty="0"/>
-              <a:t>Just by chance?</a:t>
-            </a:r>
-          </a:p>
-        </p:txBody>
-      </p:sp>
-      <p:sp>
-        <p:nvSpPr>
-          <p:cNvPr id="3" name="Content Placeholder 2">
-            <a:extLst>
-              <a:ext uri="{FF2B5EF4-FFF2-40B4-BE49-F238E27FC236}">
-                <a16:creationId xmlns:a16="http://schemas.microsoft.com/office/drawing/2014/main" id="{4419D5C1-58B5-F925-9848-96E2BB222736}"/>
-              </a:ext>
-            </a:extLst>
-          </p:cNvPr>
-          <p:cNvSpPr>
-            <a:spLocks noGrp="1"/>
-          </p:cNvSpPr>
-          <p:nvPr>
-            <p:ph idx="1"/>
-          </p:nvPr>
-        </p:nvSpPr>
-        <p:spPr/>
-        <p:txBody>
-          <a:bodyPr/>
-          <a:lstStyle/>
-          <a:p>
-            <a:r>
-              <a:rPr lang="en-GB" dirty="0"/>
-              <a:t>The green area captures all possible heights we could measure of Emperor penguins</a:t>
-            </a:r>
-          </a:p>
-          <a:p>
-            <a:pPr lvl="1"/>
-            <a:r>
-              <a:rPr lang="en-GB" dirty="0"/>
-              <a:t>Given the average height of 1.1 m</a:t>
-            </a:r>
-          </a:p>
-          <a:p>
-            <a:pPr lvl="1"/>
-            <a:r>
-              <a:rPr lang="en-GB" dirty="0"/>
-              <a:t>And a standard deviation of 15 cm</a:t>
-            </a:r>
-          </a:p>
-          <a:p>
-            <a:r>
-              <a:rPr lang="en-GB" dirty="0"/>
-              <a:t>Area under the curve includes our 1.7 m tall penguin</a:t>
-            </a:r>
-          </a:p>
-        </p:txBody>
-      </p:sp>
-      <p:pic>
-        <p:nvPicPr>
-          <p:cNvPr id="17" name="Picture Placeholder 16" descr="A graph of a penguin&#10;&#10;Description automatically generated with medium confidence">
-            <a:extLst>
-              <a:ext uri="{FF2B5EF4-FFF2-40B4-BE49-F238E27FC236}">
-                <a16:creationId xmlns:a16="http://schemas.microsoft.com/office/drawing/2014/main" id="{749BF699-BE0E-D1D0-DE5C-7361C51F4BC8}"/>
-              </a:ext>
-            </a:extLst>
-          </p:cNvPr>
-          <p:cNvPicPr>
-            <a:picLocks noGrp="1" noChangeAspect="1"/>
-          </p:cNvPicPr>
-          <p:nvPr>
-            <p:ph type="pic" sz="quarter" idx="10"/>
-          </p:nvPr>
-        </p:nvPicPr>
-        <p:blipFill>
-          <a:blip r:embed="rId2">
-            <a:extLst>
-              <a:ext uri="{28A0092B-C50C-407E-A947-70E740481C1C}">
-                <a14:useLocalDpi xmlns:a14="http://schemas.microsoft.com/office/drawing/2010/main" val="0"/>
-              </a:ext>
-            </a:extLst>
-          </a:blip>
-          <a:srcRect t="691" b="691"/>
-          <a:stretch>
-            <a:fillRect/>
-          </a:stretch>
-        </p:blipFill>
-        <p:spPr/>
-      </p:pic>
-    </p:spTree>
-    <p:extLst>
-      <p:ext uri="{BB962C8B-B14F-4D97-AF65-F5344CB8AC3E}">
-        <p14:creationId xmlns:p14="http://schemas.microsoft.com/office/powerpoint/2010/main" val="3779043744"/>
-      </p:ext>
-    </p:extLst>
-  </p:cSld>
-  <p:clrMapOvr>
-    <a:masterClrMapping/>
-  </p:clrMapOvr>
-  <p:timing>
-    <p:tnLst>
-      <p:par>
-        <p:cTn id="1" dur="indefinite" restart="never" nodeType="tmRoot">
-          <p:childTnLst>
-            <p:seq concurrent="1" nextAc="seek">
-              <p:cTn id="2" dur="indefinite" nodeType="mainSeq">
-                <p:childTnLst>
-                  <p:par>
-                    <p:cTn id="3" fill="hold">
-                      <p:stCondLst>
-                        <p:cond delay="indefinite"/>
-                      </p:stCondLst>
-                      <p:childTnLst>
-                        <p:par>
-                          <p:cTn id="4" fill="hold">
-                            <p:stCondLst>
-                              <p:cond delay="0"/>
-                            </p:stCondLst>
-                            <p:childTnLst>
-                              <p:par>
-                                <p:cTn id="5" presetID="10" presetClass="entr" presetSubtype="0" fill="hold" grpId="0" nodeType="clickEffect">
-                                  <p:stCondLst>
-                                    <p:cond delay="0"/>
-                                  </p:stCondLst>
-                                  <p:childTnLst>
-                                    <p:set>
-                                      <p:cBhvr>
-                                        <p:cTn id="6" dur="1" fill="hold">
-                                          <p:stCondLst>
-                                            <p:cond delay="0"/>
-                                          </p:stCondLst>
-                                        </p:cTn>
-                                        <p:tgtEl>
-                                          <p:spTgt spid="3">
-                                            <p:txEl>
-                                              <p:pRg st="0" end="0"/>
-                                            </p:txEl>
-                                          </p:spTgt>
-                                        </p:tgtEl>
-                                        <p:attrNameLst>
-                                          <p:attrName>style.visibility</p:attrName>
-                                        </p:attrNameLst>
-                                      </p:cBhvr>
-                                      <p:to>
-                                        <p:strVal val="visible"/>
-                                      </p:to>
-                                    </p:set>
-                                    <p:animEffect transition="in" filter="fade">
-                                      <p:cBhvr>
-                                        <p:cTn id="7" dur="500"/>
-                                        <p:tgtEl>
-                                          <p:spTgt spid="3">
-                                            <p:txEl>
-                                              <p:pRg st="0" end="0"/>
-                                            </p:txEl>
-                                          </p:spTgt>
-                                        </p:tgtEl>
-                                      </p:cBhvr>
-                                    </p:animEffect>
-                                  </p:childTnLst>
-                                </p:cTn>
-                              </p:par>
-                            </p:childTnLst>
-                          </p:cTn>
-                        </p:par>
-                      </p:childTnLst>
-                    </p:cTn>
-                  </p:par>
-                  <p:par>
-                    <p:cTn id="8" fill="hold">
-                      <p:stCondLst>
-                        <p:cond delay="indefinite"/>
-                      </p:stCondLst>
-                      <p:childTnLst>
-                        <p:par>
-                          <p:cTn id="9" fill="hold">
-                            <p:stCondLst>
-                              <p:cond delay="0"/>
-                            </p:stCondLst>
-                            <p:childTnLst>
-                              <p:par>
-                                <p:cTn id="10" presetID="10" presetClass="entr" presetSubtype="0" fill="hold" grpId="0" nodeType="clickEffect">
-                                  <p:stCondLst>
-                                    <p:cond delay="0"/>
-                                  </p:stCondLst>
-                                  <p:childTnLst>
-                                    <p:set>
-                                      <p:cBhvr>
-                                        <p:cTn id="11" dur="1" fill="hold">
-                                          <p:stCondLst>
-                                            <p:cond delay="0"/>
-                                          </p:stCondLst>
-                                        </p:cTn>
-                                        <p:tgtEl>
-                                          <p:spTgt spid="3">
-                                            <p:txEl>
-                                              <p:pRg st="1" end="1"/>
-                                            </p:txEl>
-                                          </p:spTgt>
-                                        </p:tgtEl>
-                                        <p:attrNameLst>
-                                          <p:attrName>style.visibility</p:attrName>
-                                        </p:attrNameLst>
-                                      </p:cBhvr>
-                                      <p:to>
-                                        <p:strVal val="visible"/>
-                                      </p:to>
-                                    </p:set>
-                                    <p:animEffect transition="in" filter="fade">
-                                      <p:cBhvr>
-                                        <p:cTn id="12" dur="500"/>
-                                        <p:tgtEl>
-                                          <p:spTgt spid="3">
-                                            <p:txEl>
-                                              <p:pRg st="1" end="1"/>
-                                            </p:txEl>
-                                          </p:spTgt>
-                                        </p:tgtEl>
-                                      </p:cBhvr>
-                                    </p:animEffect>
-                                  </p:childTnLst>
-                                </p:cTn>
-                              </p:par>
-                            </p:childTnLst>
-                          </p:cTn>
-                        </p:par>
-                      </p:childTnLst>
-                    </p:cTn>
-                  </p:par>
-                  <p:par>
-                    <p:cTn id="13" fill="hold">
-                      <p:stCondLst>
-                        <p:cond delay="indefinite"/>
-                      </p:stCondLst>
-                      <p:childTnLst>
-                        <p:par>
-                          <p:cTn id="14" fill="hold">
-                            <p:stCondLst>
-                              <p:cond delay="0"/>
-                            </p:stCondLst>
-                            <p:childTnLst>
-                              <p:par>
-                                <p:cTn id="15" presetID="10" presetClass="entr" presetSubtype="0" fill="hold" grpId="0" nodeType="clickEffect">
-                                  <p:stCondLst>
-                                    <p:cond delay="0"/>
-                                  </p:stCondLst>
-                                  <p:childTnLst>
-                                    <p:set>
-                                      <p:cBhvr>
-                                        <p:cTn id="16" dur="1" fill="hold">
-                                          <p:stCondLst>
-                                            <p:cond delay="0"/>
-                                          </p:stCondLst>
-                                        </p:cTn>
-                                        <p:tgtEl>
-                                          <p:spTgt spid="3">
-                                            <p:txEl>
-                                              <p:pRg st="2" end="2"/>
-                                            </p:txEl>
-                                          </p:spTgt>
-                                        </p:tgtEl>
-                                        <p:attrNameLst>
-                                          <p:attrName>style.visibility</p:attrName>
-                                        </p:attrNameLst>
-                                      </p:cBhvr>
-                                      <p:to>
-                                        <p:strVal val="visible"/>
-                                      </p:to>
-                                    </p:set>
-                                    <p:animEffect transition="in" filter="fade">
-                                      <p:cBhvr>
-                                        <p:cTn id="17" dur="500"/>
-                                        <p:tgtEl>
-                                          <p:spTgt spid="3">
-                                            <p:txEl>
-                                              <p:pRg st="2" end="2"/>
-                                            </p:txEl>
-                                          </p:spTgt>
-                                        </p:tgtEl>
-                                      </p:cBhvr>
-                                    </p:animEffect>
-                                  </p:childTnLst>
-                                </p:cTn>
-                              </p:par>
-                            </p:childTnLst>
-                          </p:cTn>
-                        </p:par>
-                      </p:childTnLst>
-                    </p:cTn>
-                  </p:par>
-                  <p:par>
-                    <p:cTn id="18" fill="hold">
-                      <p:stCondLst>
-                        <p:cond delay="indefinite"/>
-                      </p:stCondLst>
-                      <p:childTnLst>
-                        <p:par>
-                          <p:cTn id="19" fill="hold">
-                            <p:stCondLst>
-                              <p:cond delay="0"/>
-                            </p:stCondLst>
-                            <p:childTnLst>
-                              <p:par>
-                                <p:cTn id="20" presetID="10" presetClass="entr" presetSubtype="0" fill="hold" grpId="0" nodeType="clickEffect">
-                                  <p:stCondLst>
-                                    <p:cond delay="0"/>
-                                  </p:stCondLst>
-                                  <p:childTnLst>
-                                    <p:set>
-                                      <p:cBhvr>
-                                        <p:cTn id="21" dur="1" fill="hold">
-                                          <p:stCondLst>
-                                            <p:cond delay="0"/>
-                                          </p:stCondLst>
-                                        </p:cTn>
-                                        <p:tgtEl>
-                                          <p:spTgt spid="3">
-                                            <p:txEl>
-                                              <p:pRg st="3" end="3"/>
-                                            </p:txEl>
-                                          </p:spTgt>
-                                        </p:tgtEl>
-                                        <p:attrNameLst>
-                                          <p:attrName>style.visibility</p:attrName>
-                                        </p:attrNameLst>
-                                      </p:cBhvr>
-                                      <p:to>
-                                        <p:strVal val="visible"/>
-                                      </p:to>
-                                    </p:set>
-                                    <p:animEffect transition="in" filter="fade">
-                                      <p:cBhvr>
-                                        <p:cTn id="22" dur="500"/>
-                                        <p:tgtEl>
-                                          <p:spTgt spid="3">
-                                            <p:txEl>
-                                              <p:pRg st="3" end="3"/>
-                                            </p:txEl>
-                                          </p:spTgt>
-                                        </p:tgtEl>
-                                      </p:cBhvr>
-                                    </p:animEffect>
-                                  </p:childTnLst>
-                                </p:cTn>
-                              </p:par>
-                            </p:childTnLst>
-                          </p:cTn>
-                        </p:par>
-                      </p:childTnLst>
-                    </p:cTn>
-                  </p:par>
-                </p:childTnLst>
-              </p:cTn>
-              <p:prevCondLst>
-                <p:cond evt="onPrev" delay="0">
-                  <p:tgtEl>
-                    <p:sldTgt/>
-                  </p:tgtEl>
-                </p:cond>
-              </p:prevCondLst>
-              <p:nextCondLst>
-                <p:cond evt="onNext" delay="0">
-                  <p:tgtEl>
-                    <p:sldTgt/>
-                  </p:tgtEl>
-                </p:cond>
-              </p:nextCondLst>
-            </p:seq>
-          </p:childTnLst>
-        </p:cTn>
-      </p:par>
-    </p:tnLst>
-    <p:bldLst>
-      <p:bldP spid="3" grpId="0" uiExpand="1" build="p"/>
-    </p:bldLst>
-  </p:timing>
-</p:sld>
-</file>
-
-<file path=ppt/slides/slide14.xml><?xml version="1.0" encoding="utf-8"?>
-<p:sld xmlns:a="http://schemas.openxmlformats.org/drawingml/2006/main" xmlns:r="http://schemas.openxmlformats.org/officeDocument/2006/relationships" xmlns:p="http://schemas.openxmlformats.org/presentationml/2006/main">
-  <p:cSld>
-    <p:spTree>
-      <p:nvGrpSpPr>
-        <p:cNvPr id="1" name=""/>
-        <p:cNvGrpSpPr/>
-        <p:nvPr/>
-      </p:nvGrpSpPr>
-      <p:grpSpPr>
-        <a:xfrm>
-          <a:off x="0" y="0"/>
-          <a:ext cx="0" cy="0"/>
-          <a:chOff x="0" y="0"/>
-          <a:chExt cx="0" cy="0"/>
-        </a:xfrm>
-      </p:grpSpPr>
-      <p:sp>
-        <p:nvSpPr>
-          <p:cNvPr id="2" name="Title 1">
-            <a:extLst>
-              <a:ext uri="{FF2B5EF4-FFF2-40B4-BE49-F238E27FC236}">
-                <a16:creationId xmlns:a16="http://schemas.microsoft.com/office/drawing/2014/main" id="{28679F4B-775A-E412-6C18-3D3DA5BF4A9A}"/>
-              </a:ext>
-            </a:extLst>
-          </p:cNvPr>
-          <p:cNvSpPr>
-            <a:spLocks noGrp="1"/>
-          </p:cNvSpPr>
-          <p:nvPr>
-            <p:ph type="title"/>
-          </p:nvPr>
-        </p:nvSpPr>
-        <p:spPr/>
-        <p:txBody>
-          <a:bodyPr/>
-          <a:lstStyle/>
-          <a:p>
-            <a:r>
-              <a:rPr lang="en-GB" dirty="0"/>
-              <a:t>Just by chance?</a:t>
-            </a:r>
-          </a:p>
-        </p:txBody>
-      </p:sp>
-      <p:sp>
-        <p:nvSpPr>
-          <p:cNvPr id="3" name="Content Placeholder 2">
-            <a:extLst>
-              <a:ext uri="{FF2B5EF4-FFF2-40B4-BE49-F238E27FC236}">
-                <a16:creationId xmlns:a16="http://schemas.microsoft.com/office/drawing/2014/main" id="{4419D5C1-58B5-F925-9848-96E2BB222736}"/>
-              </a:ext>
-            </a:extLst>
-          </p:cNvPr>
-          <p:cNvSpPr>
-            <a:spLocks noGrp="1"/>
-          </p:cNvSpPr>
-          <p:nvPr>
-            <p:ph idx="1"/>
-          </p:nvPr>
-        </p:nvSpPr>
-        <p:spPr/>
-        <p:txBody>
-          <a:bodyPr/>
-          <a:lstStyle/>
-          <a:p>
-            <a:r>
-              <a:rPr lang="en-GB" dirty="0"/>
               <a:t>99.75% of penguins between 0.71 m and 1.56 m tall</a:t>
             </a:r>
           </a:p>
@@ -5704,7 +5088,7 @@
 </p:sld>
 </file>
 
-<file path=ppt/slides/slide15.xml><?xml version="1.0" encoding="utf-8"?>
+<file path=ppt/slides/slide13.xml><?xml version="1.0" encoding="utf-8"?>
 <p:sld xmlns:a="http://schemas.openxmlformats.org/drawingml/2006/main" xmlns:r="http://schemas.openxmlformats.org/officeDocument/2006/relationships" xmlns:p="http://schemas.openxmlformats.org/presentationml/2006/main">
   <p:cSld>
     <p:spTree>
@@ -5810,7 +5194,7 @@
           <a:p>
             <a:r>
               <a:rPr lang="en-GB" dirty="0"/>
-              <a:t>What is the probability that it came from some other distribution?</a:t>
+              <a:t>P-values tell us what the probability is that it came from the white distribution</a:t>
             </a:r>
           </a:p>
         </p:txBody>
@@ -6269,7 +5653,7 @@
 </p:sld>
 </file>
 
-<file path=ppt/slides/slide16.xml><?xml version="1.0" encoding="utf-8"?>
+<file path=ppt/slides/slide14.xml><?xml version="1.0" encoding="utf-8"?>
 <p:sld xmlns:a="http://schemas.openxmlformats.org/drawingml/2006/main" xmlns:r="http://schemas.openxmlformats.org/officeDocument/2006/relationships" xmlns:p="http://schemas.openxmlformats.org/presentationml/2006/main">
   <p:cSld>
     <p:spTree>
@@ -6314,8 +5698,8 @@
           </a:p>
         </p:txBody>
       </p:sp>
-      <mc:AlternateContent xmlns:mc="http://schemas.openxmlformats.org/markup-compatibility/2006" xmlns:a14="http://schemas.microsoft.com/office/drawing/2010/main">
-        <mc:Choice Requires="a14">
+      <mc:AlternateContent xmlns:mc="http://schemas.openxmlformats.org/markup-compatibility/2006">
+        <mc:Choice xmlns:a14="http://schemas.microsoft.com/office/drawing/2010/main" Requires="a14">
           <p:sp>
             <p:nvSpPr>
               <p:cNvPr id="3" name="Content Placeholder 2">
@@ -6344,7 +5728,7 @@
               <a:p>
                 <a:r>
                   <a:rPr lang="en-GB" dirty="0"/>
-                  <a:t>The P-value to see an extreme height like our giant 1.7 m tall penguin is:</a:t>
+                  <a:t>The P-value to see an extreme height, like our giant 1.7 m tall penguin, is:</a:t>
                 </a:r>
               </a:p>
               <a:p>
@@ -6420,7 +5804,7 @@
                 <a:pPr lvl="2"/>
                 <a:r>
                   <a:rPr lang="en-GB" dirty="0"/>
-                  <a:t>A “two-sided P-value”</a:t>
+                  <a:t>A “two-sided” or “two-tailed” P-value</a:t>
                 </a:r>
               </a:p>
               <a:p>
@@ -6432,7 +5816,7 @@
             </p:txBody>
           </p:sp>
         </mc:Choice>
-        <mc:Fallback xmlns="">
+        <mc:Fallback>
           <p:sp>
             <p:nvSpPr>
               <p:cNvPr id="3" name="Content Placeholder 2">
@@ -6457,7 +5841,7 @@
               <a:blipFill>
                 <a:blip r:embed="rId2"/>
                 <a:stretch>
-                  <a:fillRect l="-1695" r="-2072"/>
+                  <a:fillRect l="-1695" r="-2825"/>
                 </a:stretch>
               </a:blipFill>
             </p:spPr>
@@ -6980,7 +6364,7 @@
 </p:sld>
 </file>
 
-<file path=ppt/slides/slide17.xml><?xml version="1.0" encoding="utf-8"?>
+<file path=ppt/slides/slide15.xml><?xml version="1.0" encoding="utf-8"?>
 <p:sld xmlns:a="http://schemas.openxmlformats.org/drawingml/2006/main" xmlns:r="http://schemas.openxmlformats.org/officeDocument/2006/relationships" xmlns:p="http://schemas.openxmlformats.org/presentationml/2006/main">
   <p:cSld>
     <p:spTree>
@@ -7038,7 +6422,7 @@
 </p:sld>
 </file>
 
-<file path=ppt/slides/slide18.xml><?xml version="1.0" encoding="utf-8"?>
+<file path=ppt/slides/slide16.xml><?xml version="1.0" encoding="utf-8"?>
 <p:sld xmlns:a="http://schemas.openxmlformats.org/drawingml/2006/main" xmlns:r="http://schemas.openxmlformats.org/officeDocument/2006/relationships" xmlns:p="http://schemas.openxmlformats.org/presentationml/2006/main">
   <p:cSld>
     <p:spTree>
@@ -7777,7 +7161,7 @@
 </p:sld>
 </file>
 
-<file path=ppt/slides/slide19.xml><?xml version="1.0" encoding="utf-8"?>
+<file path=ppt/slides/slide17.xml><?xml version="1.0" encoding="utf-8"?>
 <p:sld xmlns:a="http://schemas.openxmlformats.org/drawingml/2006/main" xmlns:r="http://schemas.openxmlformats.org/officeDocument/2006/relationships" xmlns:p="http://schemas.openxmlformats.org/presentationml/2006/main">
   <p:cSld>
     <p:spTree>
@@ -7875,8 +7259,8 @@
           </p:sp>
         </mc:Fallback>
       </mc:AlternateContent>
-      <mc:AlternateContent xmlns:mc="http://schemas.openxmlformats.org/markup-compatibility/2006" xmlns:a14="http://schemas.microsoft.com/office/drawing/2010/main">
-        <mc:Choice Requires="a14">
+      <mc:AlternateContent xmlns:mc="http://schemas.openxmlformats.org/markup-compatibility/2006">
+        <mc:Choice xmlns:a14="http://schemas.microsoft.com/office/drawing/2010/main" Requires="a14">
           <p:sp>
             <p:nvSpPr>
               <p:cNvPr id="3" name="Content Placeholder 2">
@@ -7923,14 +7307,7 @@
                 <a:pPr lvl="1"/>
                 <a:r>
                   <a:rPr lang="en-GB" dirty="0"/>
-                  <a:t>Remember, our Null hypothesis is “nothing happens”</a:t>
-                </a:r>
-              </a:p>
-              <a:p>
-                <a:pPr lvl="1"/>
-                <a:r>
-                  <a:rPr lang="en-GB" dirty="0"/>
-                  <a:t>Or more accurately, “no difference”</a:t>
+                  <a:t>Remember, our Null hypothesis is “no difference” (to white distribution)</a:t>
                 </a:r>
               </a:p>
               <a:p>
@@ -7996,7 +7373,7 @@
             </p:txBody>
           </p:sp>
         </mc:Choice>
-        <mc:Fallback xmlns="">
+        <mc:Fallback>
           <p:sp>
             <p:nvSpPr>
               <p:cNvPr id="3" name="Content Placeholder 2">
@@ -8017,7 +7394,7 @@
               <a:blipFill>
                 <a:blip r:embed="rId3"/>
                 <a:stretch>
-                  <a:fillRect l="-1770" t="-349" r="-1082" b="-698"/>
+                  <a:fillRect l="-1770" r="-1082"/>
                 </a:stretch>
               </a:blipFill>
             </p:spPr>
@@ -8468,33 +7845,15 @@
                                   </p:childTnLst>
                                 </p:cTn>
                               </p:par>
-                            </p:childTnLst>
-                          </p:cTn>
-                        </p:par>
-                      </p:childTnLst>
-                    </p:cTn>
-                  </p:par>
-                  <p:par>
-                    <p:cTn id="18" fill="hold">
-                      <p:stCondLst>
-                        <p:cond delay="indefinite"/>
-                      </p:stCondLst>
-                      <p:childTnLst>
-                        <p:par>
-                          <p:cTn id="19" fill="hold">
-                            <p:stCondLst>
-                              <p:cond delay="0"/>
-                            </p:stCondLst>
-                            <p:childTnLst>
                               <p:par>
-                                <p:cTn id="20" presetID="10" presetClass="entr" presetSubtype="0" fill="hold" grpId="0" nodeType="clickEffect">
+                                <p:cTn id="18" presetID="10" presetClass="entr" presetSubtype="0" fill="hold" grpId="0" nodeType="withEffect">
                                   <p:stCondLst>
                                     <p:cond delay="0"/>
                                   </p:stCondLst>
                                   <p:childTnLst>
                                     <p:set>
                                       <p:cBhvr>
-                                        <p:cTn id="21" dur="1" fill="hold">
+                                        <p:cTn id="19" dur="1" fill="hold">
                                           <p:stCondLst>
                                             <p:cond delay="0"/>
                                           </p:stCondLst>
@@ -8516,7 +7875,7 @@
                                     </p:set>
                                     <p:animEffect transition="in" filter="fade">
                                       <p:cBhvr>
-                                        <p:cTn id="22" dur="500"/>
+                                        <p:cTn id="20" dur="500"/>
                                         <p:tgtEl>
                                           <p:spTgt spid="3">
                                             <p:txEl>
@@ -8536,26 +7895,26 @@
                     </p:cTn>
                   </p:par>
                   <p:par>
-                    <p:cTn id="23" fill="hold">
+                    <p:cTn id="21" fill="hold">
                       <p:stCondLst>
                         <p:cond delay="indefinite"/>
                       </p:stCondLst>
                       <p:childTnLst>
                         <p:par>
-                          <p:cTn id="24" fill="hold">
+                          <p:cTn id="22" fill="hold">
                             <p:stCondLst>
                               <p:cond delay="0"/>
                             </p:stCondLst>
                             <p:childTnLst>
                               <p:par>
-                                <p:cTn id="25" presetID="10" presetClass="entr" presetSubtype="0" fill="hold" grpId="0" nodeType="clickEffect">
+                                <p:cTn id="23" presetID="10" presetClass="entr" presetSubtype="0" fill="hold" grpId="0" nodeType="clickEffect">
                                   <p:stCondLst>
                                     <p:cond delay="0"/>
                                   </p:stCondLst>
                                   <p:childTnLst>
                                     <p:set>
                                       <p:cBhvr>
-                                        <p:cTn id="26" dur="1" fill="hold">
+                                        <p:cTn id="24" dur="1" fill="hold">
                                           <p:stCondLst>
                                             <p:cond delay="0"/>
                                           </p:stCondLst>
@@ -8577,7 +7936,7 @@
                                     </p:set>
                                     <p:animEffect transition="in" filter="fade">
                                       <p:cBhvr>
-                                        <p:cTn id="27" dur="500"/>
+                                        <p:cTn id="25" dur="500"/>
                                         <p:tgtEl>
                                           <p:spTgt spid="3">
                                             <p:txEl>
@@ -8597,26 +7956,26 @@
                     </p:cTn>
                   </p:par>
                   <p:par>
-                    <p:cTn id="28" fill="hold">
+                    <p:cTn id="26" fill="hold">
                       <p:stCondLst>
                         <p:cond delay="indefinite"/>
                       </p:stCondLst>
                       <p:childTnLst>
                         <p:par>
-                          <p:cTn id="29" fill="hold">
+                          <p:cTn id="27" fill="hold">
                             <p:stCondLst>
                               <p:cond delay="0"/>
                             </p:stCondLst>
                             <p:childTnLst>
                               <p:par>
-                                <p:cTn id="30" presetID="10" presetClass="entr" presetSubtype="0" fill="hold" grpId="0" nodeType="clickEffect">
+                                <p:cTn id="28" presetID="10" presetClass="entr" presetSubtype="0" fill="hold" grpId="0" nodeType="clickEffect">
                                   <p:stCondLst>
                                     <p:cond delay="0"/>
                                   </p:stCondLst>
                                   <p:childTnLst>
                                     <p:set>
                                       <p:cBhvr>
-                                        <p:cTn id="31" dur="1" fill="hold">
+                                        <p:cTn id="29" dur="1" fill="hold">
                                           <p:stCondLst>
                                             <p:cond delay="0"/>
                                           </p:stCondLst>
@@ -8638,72 +7997,11 @@
                                     </p:set>
                                     <p:animEffect transition="in" filter="fade">
                                       <p:cBhvr>
-                                        <p:cTn id="32" dur="500"/>
+                                        <p:cTn id="30" dur="500"/>
                                         <p:tgtEl>
                                           <p:spTgt spid="3">
                                             <p:txEl>
                                               <p:pRg st="5" end="5"/>
-                                            </p:txEl>
-                                          </p:spTgt>
-                                        </p:tgtEl>
-                                      </p:cBhvr>
-                                    </p:animEffect>
-                                  </p:childTnLst>
-                                </p:cTn>
-                              </p:par>
-                            </p:childTnLst>
-                          </p:cTn>
-                        </p:par>
-                      </p:childTnLst>
-                    </p:cTn>
-                  </p:par>
-                  <p:par>
-                    <p:cTn id="33" fill="hold">
-                      <p:stCondLst>
-                        <p:cond delay="indefinite"/>
-                      </p:stCondLst>
-                      <p:childTnLst>
-                        <p:par>
-                          <p:cTn id="34" fill="hold">
-                            <p:stCondLst>
-                              <p:cond delay="0"/>
-                            </p:stCondLst>
-                            <p:childTnLst>
-                              <p:par>
-                                <p:cTn id="35" presetID="10" presetClass="entr" presetSubtype="0" fill="hold" grpId="0" nodeType="clickEffect">
-                                  <p:stCondLst>
-                                    <p:cond delay="0"/>
-                                  </p:stCondLst>
-                                  <p:childTnLst>
-                                    <p:set>
-                                      <p:cBhvr>
-                                        <p:cTn id="36" dur="1" fill="hold">
-                                          <p:stCondLst>
-                                            <p:cond delay="0"/>
-                                          </p:stCondLst>
-                                        </p:cTn>
-                                        <p:tgtEl>
-                                          <p:spTgt spid="3">
-                                            <p:txEl>
-                                              <p:pRg st="6" end="6"/>
-                                            </p:txEl>
-                                          </p:spTgt>
-                                        </p:tgtEl>
-                                        <p:attrNameLst>
-                                          <p:attrName>style.visibility</p:attrName>
-                                        </p:attrNameLst>
-                                      </p:cBhvr>
-                                      <p:to>
-                                        <p:strVal val="visible"/>
-                                      </p:to>
-                                    </p:set>
-                                    <p:animEffect transition="in" filter="fade">
-                                      <p:cBhvr>
-                                        <p:cTn id="37" dur="500"/>
-                                        <p:tgtEl>
-                                          <p:spTgt spid="3">
-                                            <p:txEl>
-                                              <p:pRg st="6" end="6"/>
                                             </p:txEl>
                                           </p:spTgt>
                                         </p:tgtEl>
@@ -8746,156 +8044,7 @@
 </p:sld>
 </file>
 
-<file path=ppt/slides/slide2.xml><?xml version="1.0" encoding="utf-8"?>
-<p:sld xmlns:a="http://schemas.openxmlformats.org/drawingml/2006/main" xmlns:r="http://schemas.openxmlformats.org/officeDocument/2006/relationships" xmlns:p="http://schemas.openxmlformats.org/presentationml/2006/main">
-  <p:cSld>
-    <p:spTree>
-      <p:nvGrpSpPr>
-        <p:cNvPr id="1" name=""/>
-        <p:cNvGrpSpPr/>
-        <p:nvPr/>
-      </p:nvGrpSpPr>
-      <p:grpSpPr>
-        <a:xfrm>
-          <a:off x="0" y="0"/>
-          <a:ext cx="0" cy="0"/>
-          <a:chOff x="0" y="0"/>
-          <a:chExt cx="0" cy="0"/>
-        </a:xfrm>
-      </p:grpSpPr>
-      <p:sp>
-        <p:nvSpPr>
-          <p:cNvPr id="2" name="Title 1">
-            <a:extLst>
-              <a:ext uri="{FF2B5EF4-FFF2-40B4-BE49-F238E27FC236}">
-                <a16:creationId xmlns:a16="http://schemas.microsoft.com/office/drawing/2014/main" id="{76CFD712-6B15-2451-9479-3F588889D7EC}"/>
-              </a:ext>
-            </a:extLst>
-          </p:cNvPr>
-          <p:cNvSpPr>
-            <a:spLocks noGrp="1"/>
-          </p:cNvSpPr>
-          <p:nvPr>
-            <p:ph type="title"/>
-          </p:nvPr>
-        </p:nvSpPr>
-        <p:spPr/>
-        <p:txBody>
-          <a:bodyPr/>
-          <a:lstStyle/>
-          <a:p>
-            <a:r>
-              <a:rPr lang="en-GB" dirty="0"/>
-              <a:t>Two commonly used “additions” in modelling</a:t>
-            </a:r>
-          </a:p>
-        </p:txBody>
-      </p:sp>
-      <p:sp>
-        <p:nvSpPr>
-          <p:cNvPr id="3" name="Content Placeholder 2">
-            <a:extLst>
-              <a:ext uri="{FF2B5EF4-FFF2-40B4-BE49-F238E27FC236}">
-                <a16:creationId xmlns:a16="http://schemas.microsoft.com/office/drawing/2014/main" id="{3E90BE0A-8364-5600-57DF-D676A4E38596}"/>
-              </a:ext>
-            </a:extLst>
-          </p:cNvPr>
-          <p:cNvSpPr>
-            <a:spLocks noGrp="1"/>
-          </p:cNvSpPr>
-          <p:nvPr>
-            <p:ph idx="1"/>
-          </p:nvPr>
-        </p:nvSpPr>
-        <p:spPr/>
-        <p:txBody>
-          <a:bodyPr/>
-          <a:lstStyle/>
-          <a:p>
-            <a:r>
-              <a:rPr lang="en-GB" dirty="0"/>
-              <a:t>An (Akaike’s) Information Criterion</a:t>
-            </a:r>
-          </a:p>
-          <a:p>
-            <a:pPr lvl="1"/>
-            <a:r>
-              <a:rPr lang="en-GB" dirty="0"/>
-              <a:t>AIC</a:t>
-            </a:r>
-          </a:p>
-          <a:p>
-            <a:r>
-              <a:rPr lang="en-GB" dirty="0"/>
-              <a:t>Null Hypothesis Significance Testing</a:t>
-            </a:r>
-          </a:p>
-          <a:p>
-            <a:pPr lvl="1"/>
-            <a:r>
-              <a:rPr lang="en-GB" dirty="0"/>
-              <a:t>NHST</a:t>
-            </a:r>
-          </a:p>
-          <a:p>
-            <a:r>
-              <a:rPr lang="en-GB" dirty="0"/>
-              <a:t>Form two different paradigms (i.e. schools of thought)</a:t>
-            </a:r>
-          </a:p>
-          <a:p>
-            <a:r>
-              <a:rPr lang="en-GB" dirty="0"/>
-              <a:t>Both are misused frequently</a:t>
-            </a:r>
-          </a:p>
-          <a:p>
-            <a:r>
-              <a:rPr lang="en-GB" dirty="0"/>
-              <a:t>But are useful tools in specific circumstances</a:t>
-            </a:r>
-          </a:p>
-        </p:txBody>
-      </p:sp>
-      <p:sp>
-        <p:nvSpPr>
-          <p:cNvPr id="4" name="Picture Placeholder 3">
-            <a:extLst>
-              <a:ext uri="{FF2B5EF4-FFF2-40B4-BE49-F238E27FC236}">
-                <a16:creationId xmlns:a16="http://schemas.microsoft.com/office/drawing/2014/main" id="{FABA56A2-35BF-8455-8129-31174849CDDC}"/>
-              </a:ext>
-            </a:extLst>
-          </p:cNvPr>
-          <p:cNvSpPr>
-            <a:spLocks noGrp="1"/>
-          </p:cNvSpPr>
-          <p:nvPr>
-            <p:ph type="pic" sz="quarter" idx="10"/>
-          </p:nvPr>
-        </p:nvSpPr>
-        <p:spPr/>
-        <p:txBody>
-          <a:bodyPr/>
-          <a:lstStyle/>
-          <a:p>
-            <a:endParaRPr lang="en-GB"/>
-          </a:p>
-        </p:txBody>
-      </p:sp>
-    </p:spTree>
-    <p:extLst>
-      <p:ext uri="{BB962C8B-B14F-4D97-AF65-F5344CB8AC3E}">
-        <p14:creationId xmlns:p14="http://schemas.microsoft.com/office/powerpoint/2010/main" val="890110280"/>
-      </p:ext>
-    </p:extLst>
-  </p:cSld>
-  <p:clrMapOvr>
-    <a:masterClrMapping/>
-  </p:clrMapOvr>
-</p:sld>
-</file>
-
-<file path=ppt/slides/slide20.xml><?xml version="1.0" encoding="utf-8"?>
+<file path=ppt/slides/slide18.xml><?xml version="1.0" encoding="utf-8"?>
 <p:sld xmlns:a="http://schemas.openxmlformats.org/drawingml/2006/main" xmlns:r="http://schemas.openxmlformats.org/officeDocument/2006/relationships" xmlns:p="http://schemas.openxmlformats.org/presentationml/2006/main">
   <p:cSld>
     <p:spTree>
@@ -9203,9 +8352,9 @@
         <p:grpSpPr>
           <a:xfrm>
             <a:off x="9056076" y="3592278"/>
-            <a:ext cx="1063869" cy="1217114"/>
+            <a:ext cx="1063869" cy="1048088"/>
             <a:chOff x="9056076" y="3592278"/>
-            <a:chExt cx="1063869" cy="1217114"/>
+            <a:chExt cx="1063869" cy="1048088"/>
           </a:xfrm>
         </p:grpSpPr>
         <p:sp>
@@ -9235,7 +8384,7 @@
             </a:solidFill>
             <a:ln>
               <a:solidFill>
-                <a:srgbClr val="FF0000"/>
+                <a:schemeClr val="tx1"/>
               </a:solidFill>
             </a:ln>
           </p:spPr>
@@ -9263,21 +8412,22 @@
               </a:extLst>
             </p:cNvPr>
             <p:cNvCxnSpPr>
+              <a:cxnSpLocks/>
               <a:stCxn id="7" idx="3"/>
             </p:cNvCxnSpPr>
             <p:nvPr/>
           </p:nvCxnSpPr>
           <p:spPr>
             <a:xfrm flipH="1">
-              <a:off x="9073662" y="4368042"/>
-              <a:ext cx="138214" cy="441350"/>
+              <a:off x="9056076" y="4368042"/>
+              <a:ext cx="155800" cy="272324"/>
             </a:xfrm>
             <a:prstGeom prst="straightConnector1">
               <a:avLst/>
             </a:prstGeom>
-            <a:ln w="38100">
+            <a:ln w="57150">
               <a:solidFill>
-                <a:srgbClr val="FF0000"/>
+                <a:schemeClr val="tx1"/>
               </a:solidFill>
               <a:tailEnd type="triangle"/>
             </a:ln>
@@ -9692,7 +8842,7 @@
 </p:sld>
 </file>
 
-<file path=ppt/slides/slide21.xml><?xml version="1.0" encoding="utf-8"?>
+<file path=ppt/slides/slide19.xml><?xml version="1.0" encoding="utf-8"?>
 <p:sld xmlns:a="http://schemas.openxmlformats.org/drawingml/2006/main" xmlns:r="http://schemas.openxmlformats.org/officeDocument/2006/relationships" xmlns:p="http://schemas.openxmlformats.org/presentationml/2006/main">
   <p:cSld>
     <p:spTree>
@@ -10164,7 +9314,586 @@
 </p:sld>
 </file>
 
-<file path=ppt/slides/slide22.xml><?xml version="1.0" encoding="utf-8"?>
+<file path=ppt/slides/slide2.xml><?xml version="1.0" encoding="utf-8"?>
+<p:sld xmlns:a="http://schemas.openxmlformats.org/drawingml/2006/main" xmlns:r="http://schemas.openxmlformats.org/officeDocument/2006/relationships" xmlns:p="http://schemas.openxmlformats.org/presentationml/2006/main">
+  <p:cSld>
+    <p:spTree>
+      <p:nvGrpSpPr>
+        <p:cNvPr id="1" name=""/>
+        <p:cNvGrpSpPr/>
+        <p:nvPr/>
+      </p:nvGrpSpPr>
+      <p:grpSpPr>
+        <a:xfrm>
+          <a:off x="0" y="0"/>
+          <a:ext cx="0" cy="0"/>
+          <a:chOff x="0" y="0"/>
+          <a:chExt cx="0" cy="0"/>
+        </a:xfrm>
+      </p:grpSpPr>
+      <p:sp>
+        <p:nvSpPr>
+          <p:cNvPr id="2" name="Title 1">
+            <a:extLst>
+              <a:ext uri="{FF2B5EF4-FFF2-40B4-BE49-F238E27FC236}">
+                <a16:creationId xmlns:a16="http://schemas.microsoft.com/office/drawing/2014/main" id="{38F966F4-61DB-2206-A799-D1DDD327F575}"/>
+              </a:ext>
+            </a:extLst>
+          </p:cNvPr>
+          <p:cNvSpPr>
+            <a:spLocks noGrp="1"/>
+          </p:cNvSpPr>
+          <p:nvPr>
+            <p:ph type="title"/>
+          </p:nvPr>
+        </p:nvSpPr>
+        <p:spPr/>
+        <p:txBody>
+          <a:bodyPr/>
+          <a:lstStyle/>
+          <a:p>
+            <a:r>
+              <a:rPr lang="en-GB" dirty="0"/>
+              <a:t>Question</a:t>
+            </a:r>
+          </a:p>
+        </p:txBody>
+      </p:sp>
+      <p:sp>
+        <p:nvSpPr>
+          <p:cNvPr id="3" name="Content Placeholder 2">
+            <a:extLst>
+              <a:ext uri="{FF2B5EF4-FFF2-40B4-BE49-F238E27FC236}">
+                <a16:creationId xmlns:a16="http://schemas.microsoft.com/office/drawing/2014/main" id="{BB765FC6-1568-023E-2E9F-E29AE7DD54EC}"/>
+              </a:ext>
+            </a:extLst>
+          </p:cNvPr>
+          <p:cNvSpPr>
+            <a:spLocks noGrp="1"/>
+          </p:cNvSpPr>
+          <p:nvPr>
+            <p:ph idx="1"/>
+          </p:nvPr>
+        </p:nvSpPr>
+        <p:spPr/>
+        <p:txBody>
+          <a:bodyPr>
+            <a:normAutofit/>
+          </a:bodyPr>
+          <a:lstStyle/>
+          <a:p>
+            <a:r>
+              <a:rPr lang="en-GB" dirty="0"/>
+              <a:t>Adelie penguins</a:t>
+            </a:r>
+          </a:p>
+          <a:p>
+            <a:r>
+              <a:rPr lang="en-GB" dirty="0"/>
+              <a:t>Diet varies according to what’s available (krill, </a:t>
+            </a:r>
+            <a:r>
+              <a:rPr lang="en-GB" dirty="0" err="1"/>
+              <a:t>laternfish</a:t>
+            </a:r>
+            <a:r>
+              <a:rPr lang="en-GB" dirty="0"/>
+              <a:t>, etc)</a:t>
+            </a:r>
+          </a:p>
+          <a:p>
+            <a:r>
+              <a:rPr lang="en-GB" dirty="0"/>
+              <a:t>Data from three islands</a:t>
+            </a:r>
+          </a:p>
+          <a:p>
+            <a:pPr lvl="1"/>
+            <a:r>
+              <a:rPr lang="en-GB" dirty="0"/>
+              <a:t>Biscoe, Dream and Torgersen</a:t>
+            </a:r>
+          </a:p>
+          <a:p>
+            <a:r>
+              <a:rPr lang="en-GB" dirty="0"/>
+              <a:t>Does </a:t>
+            </a:r>
+            <a:r>
+              <a:rPr lang="en-GB" dirty="0" err="1"/>
+              <a:t>Adélie</a:t>
+            </a:r>
+            <a:r>
+              <a:rPr lang="en-GB" dirty="0"/>
+              <a:t> penguin weight differ between the three islands?</a:t>
+            </a:r>
+          </a:p>
+        </p:txBody>
+      </p:sp>
+      <p:pic>
+        <p:nvPicPr>
+          <p:cNvPr id="6" name="Picture Placeholder 5" descr="A close up of a penguin&#10;&#10;Description automatically generated">
+            <a:extLst>
+              <a:ext uri="{FF2B5EF4-FFF2-40B4-BE49-F238E27FC236}">
+                <a16:creationId xmlns:a16="http://schemas.microsoft.com/office/drawing/2014/main" id="{4C52760D-41D4-CD89-AA4F-6BA10C432DAA}"/>
+              </a:ext>
+            </a:extLst>
+          </p:cNvPr>
+          <p:cNvPicPr>
+            <a:picLocks noGrp="1" noChangeAspect="1"/>
+          </p:cNvPicPr>
+          <p:nvPr>
+            <p:ph type="pic" sz="quarter" idx="10"/>
+          </p:nvPr>
+        </p:nvPicPr>
+        <p:blipFill>
+          <a:blip r:embed="rId2">
+            <a:extLst>
+              <a:ext uri="{28A0092B-C50C-407E-A947-70E740481C1C}">
+                <a14:useLocalDpi xmlns:a14="http://schemas.microsoft.com/office/drawing/2010/main" val="0"/>
+              </a:ext>
+            </a:extLst>
+          </a:blip>
+          <a:srcRect l="7477" r="7477"/>
+          <a:stretch>
+            <a:fillRect/>
+          </a:stretch>
+        </p:blipFill>
+        <p:spPr/>
+      </p:pic>
+      <p:pic>
+        <p:nvPicPr>
+          <p:cNvPr id="8" name="Picture 7">
+            <a:extLst>
+              <a:ext uri="{FF2B5EF4-FFF2-40B4-BE49-F238E27FC236}">
+                <a16:creationId xmlns:a16="http://schemas.microsoft.com/office/drawing/2014/main" id="{99B2E5D3-2E00-AA1E-E816-3A141811121A}"/>
+              </a:ext>
+            </a:extLst>
+          </p:cNvPr>
+          <p:cNvPicPr>
+            <a:picLocks noChangeAspect="1"/>
+          </p:cNvPicPr>
+          <p:nvPr/>
+        </p:nvPicPr>
+        <p:blipFill rotWithShape="1">
+          <a:blip r:embed="rId3"/>
+          <a:srcRect l="7891" r="-1"/>
+          <a:stretch/>
+        </p:blipFill>
+        <p:spPr>
+          <a:xfrm>
+            <a:off x="6359524" y="-1"/>
+            <a:ext cx="5832475" cy="6871001"/>
+          </a:xfrm>
+          <a:prstGeom prst="rect">
+            <a:avLst/>
+          </a:prstGeom>
+        </p:spPr>
+      </p:pic>
+    </p:spTree>
+    <p:extLst>
+      <p:ext uri="{BB962C8B-B14F-4D97-AF65-F5344CB8AC3E}">
+        <p14:creationId xmlns:p14="http://schemas.microsoft.com/office/powerpoint/2010/main" val="2641753881"/>
+      </p:ext>
+    </p:extLst>
+  </p:cSld>
+  <p:clrMapOvr>
+    <a:masterClrMapping/>
+  </p:clrMapOvr>
+  <p:timing>
+    <p:tnLst>
+      <p:par>
+        <p:cTn id="1" dur="indefinite" restart="never" nodeType="tmRoot">
+          <p:childTnLst>
+            <p:seq concurrent="1" nextAc="seek">
+              <p:cTn id="2" dur="indefinite" nodeType="mainSeq">
+                <p:childTnLst>
+                  <p:par>
+                    <p:cTn id="3" fill="hold">
+                      <p:stCondLst>
+                        <p:cond delay="indefinite"/>
+                      </p:stCondLst>
+                      <p:childTnLst>
+                        <p:par>
+                          <p:cTn id="4" fill="hold">
+                            <p:stCondLst>
+                              <p:cond delay="0"/>
+                            </p:stCondLst>
+                            <p:childTnLst>
+                              <p:par>
+                                <p:cTn id="5" presetID="10" presetClass="entr" presetSubtype="0" fill="hold" grpId="0" nodeType="clickEffect">
+                                  <p:stCondLst>
+                                    <p:cond delay="0"/>
+                                  </p:stCondLst>
+                                  <p:childTnLst>
+                                    <p:set>
+                                      <p:cBhvr>
+                                        <p:cTn id="6" dur="1" fill="hold">
+                                          <p:stCondLst>
+                                            <p:cond delay="0"/>
+                                          </p:stCondLst>
+                                        </p:cTn>
+                                        <p:tgtEl>
+                                          <p:spTgt spid="3">
+                                            <p:txEl>
+                                              <p:pRg st="0" end="0"/>
+                                            </p:txEl>
+                                          </p:spTgt>
+                                        </p:tgtEl>
+                                        <p:attrNameLst>
+                                          <p:attrName>style.visibility</p:attrName>
+                                        </p:attrNameLst>
+                                      </p:cBhvr>
+                                      <p:to>
+                                        <p:strVal val="visible"/>
+                                      </p:to>
+                                    </p:set>
+                                    <p:animEffect transition="in" filter="fade">
+                                      <p:cBhvr>
+                                        <p:cTn id="7" dur="500"/>
+                                        <p:tgtEl>
+                                          <p:spTgt spid="3">
+                                            <p:txEl>
+                                              <p:pRg st="0" end="0"/>
+                                            </p:txEl>
+                                          </p:spTgt>
+                                        </p:tgtEl>
+                                      </p:cBhvr>
+                                    </p:animEffect>
+                                  </p:childTnLst>
+                                </p:cTn>
+                              </p:par>
+                            </p:childTnLst>
+                          </p:cTn>
+                        </p:par>
+                      </p:childTnLst>
+                    </p:cTn>
+                  </p:par>
+                  <p:par>
+                    <p:cTn id="8" fill="hold">
+                      <p:stCondLst>
+                        <p:cond delay="indefinite"/>
+                      </p:stCondLst>
+                      <p:childTnLst>
+                        <p:par>
+                          <p:cTn id="9" fill="hold">
+                            <p:stCondLst>
+                              <p:cond delay="0"/>
+                            </p:stCondLst>
+                            <p:childTnLst>
+                              <p:par>
+                                <p:cTn id="10" presetID="10" presetClass="entr" presetSubtype="0" fill="hold" grpId="0" nodeType="clickEffect">
+                                  <p:stCondLst>
+                                    <p:cond delay="0"/>
+                                  </p:stCondLst>
+                                  <p:childTnLst>
+                                    <p:set>
+                                      <p:cBhvr>
+                                        <p:cTn id="11" dur="1" fill="hold">
+                                          <p:stCondLst>
+                                            <p:cond delay="0"/>
+                                          </p:stCondLst>
+                                        </p:cTn>
+                                        <p:tgtEl>
+                                          <p:spTgt spid="3">
+                                            <p:txEl>
+                                              <p:pRg st="1" end="1"/>
+                                            </p:txEl>
+                                          </p:spTgt>
+                                        </p:tgtEl>
+                                        <p:attrNameLst>
+                                          <p:attrName>style.visibility</p:attrName>
+                                        </p:attrNameLst>
+                                      </p:cBhvr>
+                                      <p:to>
+                                        <p:strVal val="visible"/>
+                                      </p:to>
+                                    </p:set>
+                                    <p:animEffect transition="in" filter="fade">
+                                      <p:cBhvr>
+                                        <p:cTn id="12" dur="500"/>
+                                        <p:tgtEl>
+                                          <p:spTgt spid="3">
+                                            <p:txEl>
+                                              <p:pRg st="1" end="1"/>
+                                            </p:txEl>
+                                          </p:spTgt>
+                                        </p:tgtEl>
+                                      </p:cBhvr>
+                                    </p:animEffect>
+                                  </p:childTnLst>
+                                </p:cTn>
+                              </p:par>
+                            </p:childTnLst>
+                          </p:cTn>
+                        </p:par>
+                      </p:childTnLst>
+                    </p:cTn>
+                  </p:par>
+                  <p:par>
+                    <p:cTn id="13" fill="hold">
+                      <p:stCondLst>
+                        <p:cond delay="indefinite"/>
+                      </p:stCondLst>
+                      <p:childTnLst>
+                        <p:par>
+                          <p:cTn id="14" fill="hold">
+                            <p:stCondLst>
+                              <p:cond delay="0"/>
+                            </p:stCondLst>
+                            <p:childTnLst>
+                              <p:par>
+                                <p:cTn id="15" presetID="10" presetClass="entr" presetSubtype="0" fill="hold" grpId="0" nodeType="clickEffect">
+                                  <p:stCondLst>
+                                    <p:cond delay="0"/>
+                                  </p:stCondLst>
+                                  <p:childTnLst>
+                                    <p:set>
+                                      <p:cBhvr>
+                                        <p:cTn id="16" dur="1" fill="hold">
+                                          <p:stCondLst>
+                                            <p:cond delay="0"/>
+                                          </p:stCondLst>
+                                        </p:cTn>
+                                        <p:tgtEl>
+                                          <p:spTgt spid="3">
+                                            <p:txEl>
+                                              <p:pRg st="2" end="2"/>
+                                            </p:txEl>
+                                          </p:spTgt>
+                                        </p:tgtEl>
+                                        <p:attrNameLst>
+                                          <p:attrName>style.visibility</p:attrName>
+                                        </p:attrNameLst>
+                                      </p:cBhvr>
+                                      <p:to>
+                                        <p:strVal val="visible"/>
+                                      </p:to>
+                                    </p:set>
+                                    <p:animEffect transition="in" filter="fade">
+                                      <p:cBhvr>
+                                        <p:cTn id="17" dur="500"/>
+                                        <p:tgtEl>
+                                          <p:spTgt spid="3">
+                                            <p:txEl>
+                                              <p:pRg st="2" end="2"/>
+                                            </p:txEl>
+                                          </p:spTgt>
+                                        </p:tgtEl>
+                                      </p:cBhvr>
+                                    </p:animEffect>
+                                  </p:childTnLst>
+                                </p:cTn>
+                              </p:par>
+                              <p:par>
+                                <p:cTn id="18" presetID="10" presetClass="entr" presetSubtype="0" fill="hold" grpId="0" nodeType="withEffect">
+                                  <p:stCondLst>
+                                    <p:cond delay="0"/>
+                                  </p:stCondLst>
+                                  <p:childTnLst>
+                                    <p:set>
+                                      <p:cBhvr>
+                                        <p:cTn id="19" dur="1" fill="hold">
+                                          <p:stCondLst>
+                                            <p:cond delay="0"/>
+                                          </p:stCondLst>
+                                        </p:cTn>
+                                        <p:tgtEl>
+                                          <p:spTgt spid="3">
+                                            <p:txEl>
+                                              <p:pRg st="3" end="3"/>
+                                            </p:txEl>
+                                          </p:spTgt>
+                                        </p:tgtEl>
+                                        <p:attrNameLst>
+                                          <p:attrName>style.visibility</p:attrName>
+                                        </p:attrNameLst>
+                                      </p:cBhvr>
+                                      <p:to>
+                                        <p:strVal val="visible"/>
+                                      </p:to>
+                                    </p:set>
+                                    <p:animEffect transition="in" filter="fade">
+                                      <p:cBhvr>
+                                        <p:cTn id="20" dur="500"/>
+                                        <p:tgtEl>
+                                          <p:spTgt spid="3">
+                                            <p:txEl>
+                                              <p:pRg st="3" end="3"/>
+                                            </p:txEl>
+                                          </p:spTgt>
+                                        </p:tgtEl>
+                                      </p:cBhvr>
+                                    </p:animEffect>
+                                  </p:childTnLst>
+                                </p:cTn>
+                              </p:par>
+                              <p:par>
+                                <p:cTn id="21" presetID="10" presetClass="entr" presetSubtype="0" fill="hold" nodeType="withEffect">
+                                  <p:stCondLst>
+                                    <p:cond delay="0"/>
+                                  </p:stCondLst>
+                                  <p:childTnLst>
+                                    <p:set>
+                                      <p:cBhvr>
+                                        <p:cTn id="22" dur="1" fill="hold">
+                                          <p:stCondLst>
+                                            <p:cond delay="0"/>
+                                          </p:stCondLst>
+                                        </p:cTn>
+                                        <p:tgtEl>
+                                          <p:spTgt spid="8"/>
+                                        </p:tgtEl>
+                                        <p:attrNameLst>
+                                          <p:attrName>style.visibility</p:attrName>
+                                        </p:attrNameLst>
+                                      </p:cBhvr>
+                                      <p:to>
+                                        <p:strVal val="visible"/>
+                                      </p:to>
+                                    </p:set>
+                                    <p:animEffect transition="in" filter="fade">
+                                      <p:cBhvr>
+                                        <p:cTn id="23" dur="500"/>
+                                        <p:tgtEl>
+                                          <p:spTgt spid="8"/>
+                                        </p:tgtEl>
+                                      </p:cBhvr>
+                                    </p:animEffect>
+                                  </p:childTnLst>
+                                </p:cTn>
+                              </p:par>
+                            </p:childTnLst>
+                          </p:cTn>
+                        </p:par>
+                      </p:childTnLst>
+                    </p:cTn>
+                  </p:par>
+                  <p:par>
+                    <p:cTn id="24" fill="hold">
+                      <p:stCondLst>
+                        <p:cond delay="indefinite"/>
+                      </p:stCondLst>
+                      <p:childTnLst>
+                        <p:par>
+                          <p:cTn id="25" fill="hold">
+                            <p:stCondLst>
+                              <p:cond delay="0"/>
+                            </p:stCondLst>
+                            <p:childTnLst>
+                              <p:par>
+                                <p:cTn id="26" presetID="10" presetClass="entr" presetSubtype="0" fill="hold" grpId="0" nodeType="clickEffect">
+                                  <p:stCondLst>
+                                    <p:cond delay="0"/>
+                                  </p:stCondLst>
+                                  <p:childTnLst>
+                                    <p:set>
+                                      <p:cBhvr>
+                                        <p:cTn id="27" dur="1" fill="hold">
+                                          <p:stCondLst>
+                                            <p:cond delay="0"/>
+                                          </p:stCondLst>
+                                        </p:cTn>
+                                        <p:tgtEl>
+                                          <p:spTgt spid="3">
+                                            <p:txEl>
+                                              <p:pRg st="4" end="4"/>
+                                            </p:txEl>
+                                          </p:spTgt>
+                                        </p:tgtEl>
+                                        <p:attrNameLst>
+                                          <p:attrName>style.visibility</p:attrName>
+                                        </p:attrNameLst>
+                                      </p:cBhvr>
+                                      <p:to>
+                                        <p:strVal val="visible"/>
+                                      </p:to>
+                                    </p:set>
+                                    <p:animEffect transition="in" filter="fade">
+                                      <p:cBhvr>
+                                        <p:cTn id="28" dur="500"/>
+                                        <p:tgtEl>
+                                          <p:spTgt spid="3">
+                                            <p:txEl>
+                                              <p:pRg st="4" end="4"/>
+                                            </p:txEl>
+                                          </p:spTgt>
+                                        </p:tgtEl>
+                                      </p:cBhvr>
+                                    </p:animEffect>
+                                  </p:childTnLst>
+                                </p:cTn>
+                              </p:par>
+                              <p:par>
+                                <p:cTn id="29" presetID="10" presetClass="exit" presetSubtype="0" fill="hold" nodeType="withEffect">
+                                  <p:stCondLst>
+                                    <p:cond delay="0"/>
+                                  </p:stCondLst>
+                                  <p:childTnLst>
+                                    <p:animEffect transition="out" filter="fade">
+                                      <p:cBhvr>
+                                        <p:cTn id="30" dur="500"/>
+                                        <p:tgtEl>
+                                          <p:spTgt spid="8"/>
+                                        </p:tgtEl>
+                                      </p:cBhvr>
+                                    </p:animEffect>
+                                    <p:set>
+                                      <p:cBhvr>
+                                        <p:cTn id="31" dur="1" fill="hold">
+                                          <p:stCondLst>
+                                            <p:cond delay="499"/>
+                                          </p:stCondLst>
+                                        </p:cTn>
+                                        <p:tgtEl>
+                                          <p:spTgt spid="8"/>
+                                        </p:tgtEl>
+                                        <p:attrNameLst>
+                                          <p:attrName>style.visibility</p:attrName>
+                                        </p:attrNameLst>
+                                      </p:cBhvr>
+                                      <p:to>
+                                        <p:strVal val="hidden"/>
+                                      </p:to>
+                                    </p:set>
+                                  </p:childTnLst>
+                                </p:cTn>
+                              </p:par>
+                            </p:childTnLst>
+                          </p:cTn>
+                        </p:par>
+                      </p:childTnLst>
+                    </p:cTn>
+                  </p:par>
+                </p:childTnLst>
+              </p:cTn>
+              <p:prevCondLst>
+                <p:cond evt="onPrev" delay="0">
+                  <p:tgtEl>
+                    <p:sldTgt/>
+                  </p:tgtEl>
+                </p:cond>
+              </p:prevCondLst>
+              <p:nextCondLst>
+                <p:cond evt="onNext" delay="0">
+                  <p:tgtEl>
+                    <p:sldTgt/>
+                  </p:tgtEl>
+                </p:cond>
+              </p:nextCondLst>
+            </p:seq>
+          </p:childTnLst>
+        </p:cTn>
+      </p:par>
+    </p:tnLst>
+    <p:bldLst>
+      <p:bldP spid="3" grpId="0" uiExpand="1" build="p"/>
+    </p:bldLst>
+  </p:timing>
+</p:sld>
+</file>
+
+<file path=ppt/slides/slide20.xml><?xml version="1.0" encoding="utf-8"?>
 <p:sld xmlns:a="http://schemas.openxmlformats.org/drawingml/2006/main" xmlns:r="http://schemas.openxmlformats.org/officeDocument/2006/relationships" xmlns:p="http://schemas.openxmlformats.org/presentationml/2006/main">
   <p:cSld>
     <p:spTree>
@@ -10222,7 +9951,7 @@
 </p:sld>
 </file>
 
-<file path=ppt/slides/slide23.xml><?xml version="1.0" encoding="utf-8"?>
+<file path=ppt/slides/slide21.xml><?xml version="1.0" encoding="utf-8"?>
 <p:sld xmlns:a="http://schemas.openxmlformats.org/drawingml/2006/main" xmlns:r="http://schemas.openxmlformats.org/officeDocument/2006/relationships" xmlns:p="http://schemas.openxmlformats.org/presentationml/2006/main">
   <p:cSld>
     <p:spTree>
@@ -11358,7 +11087,7 @@
 </p:sld>
 </file>
 
-<file path=ppt/slides/slide24.xml><?xml version="1.0" encoding="utf-8"?>
+<file path=ppt/slides/slide22.xml><?xml version="1.0" encoding="utf-8"?>
 <p:sld xmlns:a="http://schemas.openxmlformats.org/drawingml/2006/main" xmlns:r="http://schemas.openxmlformats.org/officeDocument/2006/relationships" xmlns:p="http://schemas.openxmlformats.org/presentationml/2006/main">
   <p:cSld>
     <p:spTree>
@@ -11403,8 +11132,8 @@
           </a:p>
         </p:txBody>
       </p:sp>
-      <mc:AlternateContent xmlns:mc="http://schemas.openxmlformats.org/markup-compatibility/2006">
-        <mc:Choice xmlns:a14="http://schemas.microsoft.com/office/drawing/2010/main" Requires="a14">
+      <mc:AlternateContent xmlns:mc="http://schemas.openxmlformats.org/markup-compatibility/2006" xmlns:a14="http://schemas.microsoft.com/office/drawing/2010/main">
+        <mc:Choice Requires="a14">
           <p:sp>
             <p:nvSpPr>
               <p:cNvPr id="3" name="Content Placeholder 2">
@@ -11485,7 +11214,7 @@
             </p:txBody>
           </p:sp>
         </mc:Choice>
-        <mc:Fallback>
+        <mc:Fallback xmlns="">
           <p:sp>
             <p:nvSpPr>
               <p:cNvPr id="3" name="Content Placeholder 2">
@@ -11569,7 +11298,7 @@
 </p:sld>
 </file>
 
-<file path=ppt/slides/slide25.xml><?xml version="1.0" encoding="utf-8"?>
+<file path=ppt/slides/slide23.xml><?xml version="1.0" encoding="utf-8"?>
 <p:sld xmlns:a="http://schemas.openxmlformats.org/drawingml/2006/main" xmlns:r="http://schemas.openxmlformats.org/officeDocument/2006/relationships" xmlns:p="http://schemas.openxmlformats.org/presentationml/2006/main">
   <p:cSld>
     <p:spTree>
@@ -11631,7 +11360,7 @@
 </p:sld>
 </file>
 
-<file path=ppt/slides/slide26.xml><?xml version="1.0" encoding="utf-8"?>
+<file path=ppt/slides/slide24.xml><?xml version="1.0" encoding="utf-8"?>
 <p:sld xmlns:a="http://schemas.openxmlformats.org/drawingml/2006/main" xmlns:r="http://schemas.openxmlformats.org/officeDocument/2006/relationships" xmlns:p="http://schemas.openxmlformats.org/presentationml/2006/main">
   <p:cSld>
     <p:spTree>
@@ -12118,7 +11847,7 @@
 </p:sld>
 </file>
 
-<file path=ppt/slides/slide27.xml><?xml version="1.0" encoding="utf-8"?>
+<file path=ppt/slides/slide25.xml><?xml version="1.0" encoding="utf-8"?>
 <p:sld xmlns:a="http://schemas.openxmlformats.org/drawingml/2006/main" xmlns:r="http://schemas.openxmlformats.org/officeDocument/2006/relationships" xmlns:p="http://schemas.openxmlformats.org/presentationml/2006/main">
   <p:cSld>
     <p:spTree>
@@ -12431,7 +12160,7 @@
 </p:sld>
 </file>
 
-<file path=ppt/slides/slide28.xml><?xml version="1.0" encoding="utf-8"?>
+<file path=ppt/slides/slide26.xml><?xml version="1.0" encoding="utf-8"?>
 <p:sld xmlns:a="http://schemas.openxmlformats.org/drawingml/2006/main" xmlns:r="http://schemas.openxmlformats.org/officeDocument/2006/relationships" xmlns:p="http://schemas.openxmlformats.org/presentationml/2006/main">
   <p:cSld>
     <p:spTree>
@@ -12493,8 +12222,8 @@
           </a:p>
         </p:txBody>
       </p:sp>
-      <mc:AlternateContent xmlns:mc="http://schemas.openxmlformats.org/markup-compatibility/2006" xmlns:a14="http://schemas.microsoft.com/office/drawing/2010/main">
-        <mc:Choice Requires="a14">
+      <mc:AlternateContent xmlns:mc="http://schemas.openxmlformats.org/markup-compatibility/2006">
+        <mc:Choice xmlns:a14="http://schemas.microsoft.com/office/drawing/2010/main" Requires="a14">
           <p:sp>
             <p:nvSpPr>
               <p:cNvPr id="3" name="Content Placeholder 2">
@@ -12639,7 +12368,21 @@
                     <a:latin typeface="+mj-lt"/>
                     <a:cs typeface="Courier New" panose="02070309020205020404" pitchFamily="49" charset="0"/>
                   </a:rPr>
-                  <a:t>With this t value, we can switch from assuming a </a:t>
+                  <a:t>With this </a:t>
+                </a:r>
+                <a:r>
+                  <a:rPr lang="en-GB" dirty="0">
+                    <a:latin typeface="Courier New" panose="02070309020205020404" pitchFamily="49" charset="0"/>
+                    <a:cs typeface="Courier New" panose="02070309020205020404" pitchFamily="49" charset="0"/>
+                  </a:rPr>
+                  <a:t>t value</a:t>
+                </a:r>
+                <a:r>
+                  <a:rPr lang="en-GB" dirty="0">
+                    <a:latin typeface="+mj-lt"/>
+                    <a:cs typeface="Courier New" panose="02070309020205020404" pitchFamily="49" charset="0"/>
+                  </a:rPr>
+                  <a:t>, we can switch from assuming a </a:t>
                 </a:r>
                 <a14:m>
                   <m:oMath xmlns:m="http://schemas.openxmlformats.org/officeDocument/2006/math">
@@ -12681,7 +12424,7 @@
             </p:txBody>
           </p:sp>
         </mc:Choice>
-        <mc:Fallback xmlns="">
+        <mc:Fallback>
           <p:sp>
             <p:nvSpPr>
               <p:cNvPr id="3" name="Content Placeholder 2">
@@ -13645,7 +13388,7 @@
 </p:sld>
 </file>
 
-<file path=ppt/slides/slide29.xml><?xml version="1.0" encoding="utf-8"?>
+<file path=ppt/slides/slide27.xml><?xml version="1.0" encoding="utf-8"?>
 <p:sld xmlns:a="http://schemas.openxmlformats.org/drawingml/2006/main" xmlns:r="http://schemas.openxmlformats.org/officeDocument/2006/relationships" xmlns:p="http://schemas.openxmlformats.org/presentationml/2006/main">
   <p:cSld>
     <p:spTree>
@@ -13795,7 +13538,7 @@
                     <a:latin typeface="+mj-lt"/>
                     <a:cs typeface="Courier New" panose="02070309020205020404" pitchFamily="49" charset="0"/>
                   </a:rPr>
-                  <a:t> distribution needs just one parameter, degrees of freedom (</a:t>
+                  <a:t> distribution needs just one parameter; degrees of freedom (</a:t>
                 </a:r>
                 <a14:m>
                   <m:oMath xmlns:m="http://schemas.openxmlformats.org/officeDocument/2006/math">
@@ -14059,7 +13802,7 @@
               <a:blipFill>
                 <a:blip r:embed="rId4"/>
                 <a:stretch>
-                  <a:fillRect l="-1770" t="-2093" r="-1967" b="-2093"/>
+                  <a:fillRect l="-1770" t="-2093" r="-2458" b="-2093"/>
                 </a:stretch>
               </a:blipFill>
             </p:spPr>
@@ -14704,65 +14447,7 @@
 </p:sld>
 </file>
 
-<file path=ppt/slides/slide3.xml><?xml version="1.0" encoding="utf-8"?>
-<p:sld xmlns:a="http://schemas.openxmlformats.org/drawingml/2006/main" xmlns:r="http://schemas.openxmlformats.org/officeDocument/2006/relationships" xmlns:p="http://schemas.openxmlformats.org/presentationml/2006/main">
-  <p:cSld>
-    <p:spTree>
-      <p:nvGrpSpPr>
-        <p:cNvPr id="1" name=""/>
-        <p:cNvGrpSpPr/>
-        <p:nvPr/>
-      </p:nvGrpSpPr>
-      <p:grpSpPr>
-        <a:xfrm>
-          <a:off x="0" y="0"/>
-          <a:ext cx="0" cy="0"/>
-          <a:chOff x="0" y="0"/>
-          <a:chExt cx="0" cy="0"/>
-        </a:xfrm>
-      </p:grpSpPr>
-      <p:sp>
-        <p:nvSpPr>
-          <p:cNvPr id="2" name="Title 1">
-            <a:extLst>
-              <a:ext uri="{FF2B5EF4-FFF2-40B4-BE49-F238E27FC236}">
-                <a16:creationId xmlns:a16="http://schemas.microsoft.com/office/drawing/2014/main" id="{0B610586-9949-B24C-486A-04C458CECC3C}"/>
-              </a:ext>
-            </a:extLst>
-          </p:cNvPr>
-          <p:cNvSpPr>
-            <a:spLocks noGrp="1"/>
-          </p:cNvSpPr>
-          <p:nvPr>
-            <p:ph type="title"/>
-          </p:nvPr>
-        </p:nvSpPr>
-        <p:spPr/>
-        <p:txBody>
-          <a:bodyPr/>
-          <a:lstStyle/>
-          <a:p>
-            <a:r>
-              <a:rPr lang="en-GB" dirty="0"/>
-              <a:t>Null Hypothesis Significance Testing</a:t>
-            </a:r>
-          </a:p>
-        </p:txBody>
-      </p:sp>
-    </p:spTree>
-    <p:extLst>
-      <p:ext uri="{BB962C8B-B14F-4D97-AF65-F5344CB8AC3E}">
-        <p14:creationId xmlns:p14="http://schemas.microsoft.com/office/powerpoint/2010/main" val="426392262"/>
-      </p:ext>
-    </p:extLst>
-  </p:cSld>
-  <p:clrMapOvr>
-    <a:masterClrMapping/>
-  </p:clrMapOvr>
-</p:sld>
-</file>
-
-<file path=ppt/slides/slide30.xml><?xml version="1.0" encoding="utf-8"?>
+<file path=ppt/slides/slide28.xml><?xml version="1.0" encoding="utf-8"?>
 <p:sld xmlns:a="http://schemas.openxmlformats.org/drawingml/2006/main" xmlns:r="http://schemas.openxmlformats.org/officeDocument/2006/relationships" xmlns:p="http://schemas.openxmlformats.org/presentationml/2006/main">
   <p:cSld>
     <p:spTree>
@@ -15723,7 +15408,7 @@
 </p:sld>
 </file>
 
-<file path=ppt/slides/slide31.xml><?xml version="1.0" encoding="utf-8"?>
+<file path=ppt/slides/slide29.xml><?xml version="1.0" encoding="utf-8"?>
 <p:sld xmlns:a="http://schemas.openxmlformats.org/drawingml/2006/main" xmlns:r="http://schemas.openxmlformats.org/officeDocument/2006/relationships" xmlns:p="http://schemas.openxmlformats.org/presentationml/2006/main">
   <p:cSld>
     <p:spTree>
@@ -16078,6 +15763,1303 @@
     <p:extLst>
       <p:ext uri="{BB962C8B-B14F-4D97-AF65-F5344CB8AC3E}">
         <p14:creationId xmlns:p14="http://schemas.microsoft.com/office/powerpoint/2010/main" val="2703695471"/>
+      </p:ext>
+    </p:extLst>
+  </p:cSld>
+  <p:clrMapOvr>
+    <a:masterClrMapping/>
+  </p:clrMapOvr>
+  <p:timing>
+    <p:tnLst>
+      <p:par>
+        <p:cTn id="1" dur="indefinite" restart="never" nodeType="tmRoot">
+          <p:childTnLst>
+            <p:seq concurrent="1" nextAc="seek">
+              <p:cTn id="2" dur="indefinite" nodeType="mainSeq">
+                <p:childTnLst>
+                  <p:par>
+                    <p:cTn id="3" fill="hold">
+                      <p:stCondLst>
+                        <p:cond delay="indefinite"/>
+                      </p:stCondLst>
+                      <p:childTnLst>
+                        <p:par>
+                          <p:cTn id="4" fill="hold">
+                            <p:stCondLst>
+                              <p:cond delay="0"/>
+                            </p:stCondLst>
+                            <p:childTnLst>
+                              <p:par>
+                                <p:cTn id="5" presetID="10" presetClass="entr" presetSubtype="0" fill="hold" grpId="0" nodeType="clickEffect">
+                                  <p:stCondLst>
+                                    <p:cond delay="0"/>
+                                  </p:stCondLst>
+                                  <p:childTnLst>
+                                    <p:set>
+                                      <p:cBhvr>
+                                        <p:cTn id="6" dur="1" fill="hold">
+                                          <p:stCondLst>
+                                            <p:cond delay="0"/>
+                                          </p:stCondLst>
+                                        </p:cTn>
+                                        <p:tgtEl>
+                                          <p:spTgt spid="3">
+                                            <p:txEl>
+                                              <p:pRg st="0" end="0"/>
+                                            </p:txEl>
+                                          </p:spTgt>
+                                        </p:tgtEl>
+                                        <p:attrNameLst>
+                                          <p:attrName>style.visibility</p:attrName>
+                                        </p:attrNameLst>
+                                      </p:cBhvr>
+                                      <p:to>
+                                        <p:strVal val="visible"/>
+                                      </p:to>
+                                    </p:set>
+                                    <p:animEffect transition="in" filter="fade">
+                                      <p:cBhvr>
+                                        <p:cTn id="7" dur="500"/>
+                                        <p:tgtEl>
+                                          <p:spTgt spid="3">
+                                            <p:txEl>
+                                              <p:pRg st="0" end="0"/>
+                                            </p:txEl>
+                                          </p:spTgt>
+                                        </p:tgtEl>
+                                      </p:cBhvr>
+                                    </p:animEffect>
+                                  </p:childTnLst>
+                                </p:cTn>
+                              </p:par>
+                            </p:childTnLst>
+                          </p:cTn>
+                        </p:par>
+                      </p:childTnLst>
+                    </p:cTn>
+                  </p:par>
+                  <p:par>
+                    <p:cTn id="8" fill="hold">
+                      <p:stCondLst>
+                        <p:cond delay="indefinite"/>
+                      </p:stCondLst>
+                      <p:childTnLst>
+                        <p:par>
+                          <p:cTn id="9" fill="hold">
+                            <p:stCondLst>
+                              <p:cond delay="0"/>
+                            </p:stCondLst>
+                            <p:childTnLst>
+                              <p:par>
+                                <p:cTn id="10" presetID="10" presetClass="entr" presetSubtype="0" fill="hold" grpId="0" nodeType="clickEffect">
+                                  <p:stCondLst>
+                                    <p:cond delay="0"/>
+                                  </p:stCondLst>
+                                  <p:childTnLst>
+                                    <p:set>
+                                      <p:cBhvr>
+                                        <p:cTn id="11" dur="1" fill="hold">
+                                          <p:stCondLst>
+                                            <p:cond delay="0"/>
+                                          </p:stCondLst>
+                                        </p:cTn>
+                                        <p:tgtEl>
+                                          <p:spTgt spid="3">
+                                            <p:txEl>
+                                              <p:pRg st="1" end="1"/>
+                                            </p:txEl>
+                                          </p:spTgt>
+                                        </p:tgtEl>
+                                        <p:attrNameLst>
+                                          <p:attrName>style.visibility</p:attrName>
+                                        </p:attrNameLst>
+                                      </p:cBhvr>
+                                      <p:to>
+                                        <p:strVal val="visible"/>
+                                      </p:to>
+                                    </p:set>
+                                    <p:animEffect transition="in" filter="fade">
+                                      <p:cBhvr>
+                                        <p:cTn id="12" dur="500"/>
+                                        <p:tgtEl>
+                                          <p:spTgt spid="3">
+                                            <p:txEl>
+                                              <p:pRg st="1" end="1"/>
+                                            </p:txEl>
+                                          </p:spTgt>
+                                        </p:tgtEl>
+                                      </p:cBhvr>
+                                    </p:animEffect>
+                                  </p:childTnLst>
+                                </p:cTn>
+                              </p:par>
+                            </p:childTnLst>
+                          </p:cTn>
+                        </p:par>
+                      </p:childTnLst>
+                    </p:cTn>
+                  </p:par>
+                  <p:par>
+                    <p:cTn id="13" fill="hold">
+                      <p:stCondLst>
+                        <p:cond delay="indefinite"/>
+                      </p:stCondLst>
+                      <p:childTnLst>
+                        <p:par>
+                          <p:cTn id="14" fill="hold">
+                            <p:stCondLst>
+                              <p:cond delay="0"/>
+                            </p:stCondLst>
+                            <p:childTnLst>
+                              <p:par>
+                                <p:cTn id="15" presetID="10" presetClass="entr" presetSubtype="0" fill="hold" grpId="0" nodeType="clickEffect">
+                                  <p:stCondLst>
+                                    <p:cond delay="0"/>
+                                  </p:stCondLst>
+                                  <p:childTnLst>
+                                    <p:set>
+                                      <p:cBhvr>
+                                        <p:cTn id="16" dur="1" fill="hold">
+                                          <p:stCondLst>
+                                            <p:cond delay="0"/>
+                                          </p:stCondLst>
+                                        </p:cTn>
+                                        <p:tgtEl>
+                                          <p:spTgt spid="3">
+                                            <p:txEl>
+                                              <p:pRg st="2" end="2"/>
+                                            </p:txEl>
+                                          </p:spTgt>
+                                        </p:tgtEl>
+                                        <p:attrNameLst>
+                                          <p:attrName>style.visibility</p:attrName>
+                                        </p:attrNameLst>
+                                      </p:cBhvr>
+                                      <p:to>
+                                        <p:strVal val="visible"/>
+                                      </p:to>
+                                    </p:set>
+                                    <p:animEffect transition="in" filter="fade">
+                                      <p:cBhvr>
+                                        <p:cTn id="17" dur="500"/>
+                                        <p:tgtEl>
+                                          <p:spTgt spid="3">
+                                            <p:txEl>
+                                              <p:pRg st="2" end="2"/>
+                                            </p:txEl>
+                                          </p:spTgt>
+                                        </p:tgtEl>
+                                      </p:cBhvr>
+                                    </p:animEffect>
+                                  </p:childTnLst>
+                                </p:cTn>
+                              </p:par>
+                            </p:childTnLst>
+                          </p:cTn>
+                        </p:par>
+                      </p:childTnLst>
+                    </p:cTn>
+                  </p:par>
+                  <p:par>
+                    <p:cTn id="18" fill="hold">
+                      <p:stCondLst>
+                        <p:cond delay="indefinite"/>
+                      </p:stCondLst>
+                      <p:childTnLst>
+                        <p:par>
+                          <p:cTn id="19" fill="hold">
+                            <p:stCondLst>
+                              <p:cond delay="0"/>
+                            </p:stCondLst>
+                            <p:childTnLst>
+                              <p:par>
+                                <p:cTn id="20" presetID="10" presetClass="entr" presetSubtype="0" fill="hold" grpId="0" nodeType="clickEffect">
+                                  <p:stCondLst>
+                                    <p:cond delay="0"/>
+                                  </p:stCondLst>
+                                  <p:childTnLst>
+                                    <p:set>
+                                      <p:cBhvr>
+                                        <p:cTn id="21" dur="1" fill="hold">
+                                          <p:stCondLst>
+                                            <p:cond delay="0"/>
+                                          </p:stCondLst>
+                                        </p:cTn>
+                                        <p:tgtEl>
+                                          <p:spTgt spid="3">
+                                            <p:txEl>
+                                              <p:pRg st="3" end="3"/>
+                                            </p:txEl>
+                                          </p:spTgt>
+                                        </p:tgtEl>
+                                        <p:attrNameLst>
+                                          <p:attrName>style.visibility</p:attrName>
+                                        </p:attrNameLst>
+                                      </p:cBhvr>
+                                      <p:to>
+                                        <p:strVal val="visible"/>
+                                      </p:to>
+                                    </p:set>
+                                    <p:animEffect transition="in" filter="fade">
+                                      <p:cBhvr>
+                                        <p:cTn id="22" dur="500"/>
+                                        <p:tgtEl>
+                                          <p:spTgt spid="3">
+                                            <p:txEl>
+                                              <p:pRg st="3" end="3"/>
+                                            </p:txEl>
+                                          </p:spTgt>
+                                        </p:tgtEl>
+                                      </p:cBhvr>
+                                    </p:animEffect>
+                                  </p:childTnLst>
+                                </p:cTn>
+                              </p:par>
+                              <p:par>
+                                <p:cTn id="23" presetID="10" presetClass="entr" presetSubtype="0" fill="hold" grpId="0" nodeType="withEffect">
+                                  <p:stCondLst>
+                                    <p:cond delay="0"/>
+                                  </p:stCondLst>
+                                  <p:childTnLst>
+                                    <p:set>
+                                      <p:cBhvr>
+                                        <p:cTn id="24" dur="1" fill="hold">
+                                          <p:stCondLst>
+                                            <p:cond delay="0"/>
+                                          </p:stCondLst>
+                                        </p:cTn>
+                                        <p:tgtEl>
+                                          <p:spTgt spid="3">
+                                            <p:txEl>
+                                              <p:pRg st="4" end="4"/>
+                                            </p:txEl>
+                                          </p:spTgt>
+                                        </p:tgtEl>
+                                        <p:attrNameLst>
+                                          <p:attrName>style.visibility</p:attrName>
+                                        </p:attrNameLst>
+                                      </p:cBhvr>
+                                      <p:to>
+                                        <p:strVal val="visible"/>
+                                      </p:to>
+                                    </p:set>
+                                    <p:animEffect transition="in" filter="fade">
+                                      <p:cBhvr>
+                                        <p:cTn id="25" dur="500"/>
+                                        <p:tgtEl>
+                                          <p:spTgt spid="3">
+                                            <p:txEl>
+                                              <p:pRg st="4" end="4"/>
+                                            </p:txEl>
+                                          </p:spTgt>
+                                        </p:tgtEl>
+                                      </p:cBhvr>
+                                    </p:animEffect>
+                                  </p:childTnLst>
+                                </p:cTn>
+                              </p:par>
+                            </p:childTnLst>
+                          </p:cTn>
+                        </p:par>
+                      </p:childTnLst>
+                    </p:cTn>
+                  </p:par>
+                  <p:par>
+                    <p:cTn id="26" fill="hold">
+                      <p:stCondLst>
+                        <p:cond delay="indefinite"/>
+                      </p:stCondLst>
+                      <p:childTnLst>
+                        <p:par>
+                          <p:cTn id="27" fill="hold">
+                            <p:stCondLst>
+                              <p:cond delay="0"/>
+                            </p:stCondLst>
+                            <p:childTnLst>
+                              <p:par>
+                                <p:cTn id="28" presetID="10" presetClass="entr" presetSubtype="0" fill="hold" grpId="0" nodeType="clickEffect">
+                                  <p:stCondLst>
+                                    <p:cond delay="0"/>
+                                  </p:stCondLst>
+                                  <p:childTnLst>
+                                    <p:set>
+                                      <p:cBhvr>
+                                        <p:cTn id="29" dur="1" fill="hold">
+                                          <p:stCondLst>
+                                            <p:cond delay="0"/>
+                                          </p:stCondLst>
+                                        </p:cTn>
+                                        <p:tgtEl>
+                                          <p:spTgt spid="3">
+                                            <p:txEl>
+                                              <p:pRg st="5" end="5"/>
+                                            </p:txEl>
+                                          </p:spTgt>
+                                        </p:tgtEl>
+                                        <p:attrNameLst>
+                                          <p:attrName>style.visibility</p:attrName>
+                                        </p:attrNameLst>
+                                      </p:cBhvr>
+                                      <p:to>
+                                        <p:strVal val="visible"/>
+                                      </p:to>
+                                    </p:set>
+                                    <p:animEffect transition="in" filter="fade">
+                                      <p:cBhvr>
+                                        <p:cTn id="30" dur="500"/>
+                                        <p:tgtEl>
+                                          <p:spTgt spid="3">
+                                            <p:txEl>
+                                              <p:pRg st="5" end="5"/>
+                                            </p:txEl>
+                                          </p:spTgt>
+                                        </p:tgtEl>
+                                      </p:cBhvr>
+                                    </p:animEffect>
+                                  </p:childTnLst>
+                                </p:cTn>
+                              </p:par>
+                              <p:par>
+                                <p:cTn id="31" presetID="10" presetClass="entr" presetSubtype="0" fill="hold" grpId="0" nodeType="withEffect">
+                                  <p:stCondLst>
+                                    <p:cond delay="0"/>
+                                  </p:stCondLst>
+                                  <p:childTnLst>
+                                    <p:set>
+                                      <p:cBhvr>
+                                        <p:cTn id="32" dur="1" fill="hold">
+                                          <p:stCondLst>
+                                            <p:cond delay="0"/>
+                                          </p:stCondLst>
+                                        </p:cTn>
+                                        <p:tgtEl>
+                                          <p:spTgt spid="3">
+                                            <p:txEl>
+                                              <p:pRg st="6" end="6"/>
+                                            </p:txEl>
+                                          </p:spTgt>
+                                        </p:tgtEl>
+                                        <p:attrNameLst>
+                                          <p:attrName>style.visibility</p:attrName>
+                                        </p:attrNameLst>
+                                      </p:cBhvr>
+                                      <p:to>
+                                        <p:strVal val="visible"/>
+                                      </p:to>
+                                    </p:set>
+                                    <p:animEffect transition="in" filter="fade">
+                                      <p:cBhvr>
+                                        <p:cTn id="33" dur="500"/>
+                                        <p:tgtEl>
+                                          <p:spTgt spid="3">
+                                            <p:txEl>
+                                              <p:pRg st="6" end="6"/>
+                                            </p:txEl>
+                                          </p:spTgt>
+                                        </p:tgtEl>
+                                      </p:cBhvr>
+                                    </p:animEffect>
+                                  </p:childTnLst>
+                                </p:cTn>
+                              </p:par>
+                            </p:childTnLst>
+                          </p:cTn>
+                        </p:par>
+                      </p:childTnLst>
+                    </p:cTn>
+                  </p:par>
+                </p:childTnLst>
+              </p:cTn>
+              <p:prevCondLst>
+                <p:cond evt="onPrev" delay="0">
+                  <p:tgtEl>
+                    <p:sldTgt/>
+                  </p:tgtEl>
+                </p:cond>
+              </p:prevCondLst>
+              <p:nextCondLst>
+                <p:cond evt="onNext" delay="0">
+                  <p:tgtEl>
+                    <p:sldTgt/>
+                  </p:tgtEl>
+                </p:cond>
+              </p:nextCondLst>
+            </p:seq>
+          </p:childTnLst>
+        </p:cTn>
+      </p:par>
+    </p:tnLst>
+    <p:bldLst>
+      <p:bldP spid="3" grpId="0" build="p"/>
+    </p:bldLst>
+  </p:timing>
+</p:sld>
+</file>
+
+<file path=ppt/slides/slide3.xml><?xml version="1.0" encoding="utf-8"?>
+<p:sld xmlns:a="http://schemas.openxmlformats.org/drawingml/2006/main" xmlns:r="http://schemas.openxmlformats.org/officeDocument/2006/relationships" xmlns:p="http://schemas.openxmlformats.org/presentationml/2006/main">
+  <p:cSld>
+    <p:spTree>
+      <p:nvGrpSpPr>
+        <p:cNvPr id="1" name=""/>
+        <p:cNvGrpSpPr/>
+        <p:nvPr/>
+      </p:nvGrpSpPr>
+      <p:grpSpPr>
+        <a:xfrm>
+          <a:off x="0" y="0"/>
+          <a:ext cx="0" cy="0"/>
+          <a:chOff x="0" y="0"/>
+          <a:chExt cx="0" cy="0"/>
+        </a:xfrm>
+      </p:grpSpPr>
+      <p:sp>
+        <p:nvSpPr>
+          <p:cNvPr id="2" name="Title 1">
+            <a:extLst>
+              <a:ext uri="{FF2B5EF4-FFF2-40B4-BE49-F238E27FC236}">
+                <a16:creationId xmlns:a16="http://schemas.microsoft.com/office/drawing/2014/main" id="{38F966F4-61DB-2206-A799-D1DDD327F575}"/>
+              </a:ext>
+            </a:extLst>
+          </p:cNvPr>
+          <p:cNvSpPr>
+            <a:spLocks noGrp="1"/>
+          </p:cNvSpPr>
+          <p:nvPr>
+            <p:ph type="title"/>
+          </p:nvPr>
+        </p:nvSpPr>
+        <p:spPr/>
+        <p:txBody>
+          <a:bodyPr/>
+          <a:lstStyle/>
+          <a:p>
+            <a:r>
+              <a:rPr lang="en-GB" dirty="0"/>
+              <a:t>Question</a:t>
+            </a:r>
+          </a:p>
+        </p:txBody>
+      </p:sp>
+      <p:sp>
+        <p:nvSpPr>
+          <p:cNvPr id="3" name="Content Placeholder 2">
+            <a:extLst>
+              <a:ext uri="{FF2B5EF4-FFF2-40B4-BE49-F238E27FC236}">
+                <a16:creationId xmlns:a16="http://schemas.microsoft.com/office/drawing/2014/main" id="{BB765FC6-1568-023E-2E9F-E29AE7DD54EC}"/>
+              </a:ext>
+            </a:extLst>
+          </p:cNvPr>
+          <p:cNvSpPr>
+            <a:spLocks noGrp="1"/>
+          </p:cNvSpPr>
+          <p:nvPr>
+            <p:ph idx="1"/>
+          </p:nvPr>
+        </p:nvSpPr>
+        <p:spPr/>
+        <p:txBody>
+          <a:bodyPr>
+            <a:normAutofit/>
+          </a:bodyPr>
+          <a:lstStyle/>
+          <a:p>
+            <a:r>
+              <a:rPr lang="en-GB" dirty="0"/>
+              <a:t>Does </a:t>
+            </a:r>
+            <a:r>
+              <a:rPr lang="en-GB" dirty="0" err="1"/>
+              <a:t>Adélie</a:t>
+            </a:r>
+            <a:r>
+              <a:rPr lang="en-GB" dirty="0"/>
+              <a:t> penguin weight differ between the three islands?</a:t>
+            </a:r>
+          </a:p>
+          <a:p>
+            <a:r>
+              <a:rPr lang="en-GB" dirty="0"/>
+              <a:t>Under NHST, we rephrase our question to a hypothesis (or statement) that we attempt to reject</a:t>
+            </a:r>
+          </a:p>
+          <a:p>
+            <a:r>
+              <a:rPr lang="en-GB" dirty="0"/>
+              <a:t>“There is </a:t>
+            </a:r>
+            <a:r>
+              <a:rPr lang="en-GB" b="1" dirty="0">
+                <a:solidFill>
+                  <a:srgbClr val="FFFF00"/>
+                </a:solidFill>
+              </a:rPr>
+              <a:t>no</a:t>
+            </a:r>
+            <a:r>
+              <a:rPr lang="en-GB" dirty="0"/>
+              <a:t> difference in </a:t>
+            </a:r>
+            <a:r>
+              <a:rPr lang="en-GB" dirty="0" err="1"/>
+              <a:t>Adélie</a:t>
+            </a:r>
+            <a:r>
+              <a:rPr lang="en-GB" dirty="0"/>
+              <a:t> size between the three islands”</a:t>
+            </a:r>
+          </a:p>
+          <a:p>
+            <a:r>
+              <a:rPr lang="en-GB" dirty="0"/>
+              <a:t>We now set out to disprove this</a:t>
+            </a:r>
+          </a:p>
+        </p:txBody>
+      </p:sp>
+      <p:pic>
+        <p:nvPicPr>
+          <p:cNvPr id="6" name="Picture Placeholder 5" descr="A close up of a penguin&#10;&#10;Description automatically generated">
+            <a:extLst>
+              <a:ext uri="{FF2B5EF4-FFF2-40B4-BE49-F238E27FC236}">
+                <a16:creationId xmlns:a16="http://schemas.microsoft.com/office/drawing/2014/main" id="{4C52760D-41D4-CD89-AA4F-6BA10C432DAA}"/>
+              </a:ext>
+            </a:extLst>
+          </p:cNvPr>
+          <p:cNvPicPr>
+            <a:picLocks noGrp="1" noChangeAspect="1"/>
+          </p:cNvPicPr>
+          <p:nvPr>
+            <p:ph type="pic" sz="quarter" idx="10"/>
+          </p:nvPr>
+        </p:nvPicPr>
+        <p:blipFill>
+          <a:blip r:embed="rId2">
+            <a:extLst>
+              <a:ext uri="{28A0092B-C50C-407E-A947-70E740481C1C}">
+                <a14:useLocalDpi xmlns:a14="http://schemas.microsoft.com/office/drawing/2010/main" val="0"/>
+              </a:ext>
+            </a:extLst>
+          </a:blip>
+          <a:srcRect l="7477" r="7477"/>
+          <a:stretch>
+            <a:fillRect/>
+          </a:stretch>
+        </p:blipFill>
+        <p:spPr/>
+      </p:pic>
+      <p:pic>
+        <p:nvPicPr>
+          <p:cNvPr id="8" name="Picture 7">
+            <a:extLst>
+              <a:ext uri="{FF2B5EF4-FFF2-40B4-BE49-F238E27FC236}">
+                <a16:creationId xmlns:a16="http://schemas.microsoft.com/office/drawing/2014/main" id="{99B2E5D3-2E00-AA1E-E816-3A141811121A}"/>
+              </a:ext>
+            </a:extLst>
+          </p:cNvPr>
+          <p:cNvPicPr>
+            <a:picLocks noChangeAspect="1"/>
+          </p:cNvPicPr>
+          <p:nvPr/>
+        </p:nvPicPr>
+        <p:blipFill rotWithShape="1">
+          <a:blip r:embed="rId3"/>
+          <a:srcRect l="7891" r="-1"/>
+          <a:stretch/>
+        </p:blipFill>
+        <p:spPr>
+          <a:xfrm>
+            <a:off x="6359524" y="-1"/>
+            <a:ext cx="5832475" cy="6871001"/>
+          </a:xfrm>
+          <a:prstGeom prst="rect">
+            <a:avLst/>
+          </a:prstGeom>
+        </p:spPr>
+      </p:pic>
+    </p:spTree>
+    <p:extLst>
+      <p:ext uri="{BB962C8B-B14F-4D97-AF65-F5344CB8AC3E}">
+        <p14:creationId xmlns:p14="http://schemas.microsoft.com/office/powerpoint/2010/main" val="2852315099"/>
+      </p:ext>
+    </p:extLst>
+  </p:cSld>
+  <p:clrMapOvr>
+    <a:masterClrMapping/>
+  </p:clrMapOvr>
+  <p:timing>
+    <p:tnLst>
+      <p:par>
+        <p:cTn id="1" dur="indefinite" restart="never" nodeType="tmRoot">
+          <p:childTnLst>
+            <p:seq concurrent="1" nextAc="seek">
+              <p:cTn id="2" dur="indefinite" nodeType="mainSeq">
+                <p:childTnLst>
+                  <p:par>
+                    <p:cTn id="3" fill="hold">
+                      <p:stCondLst>
+                        <p:cond delay="indefinite"/>
+                      </p:stCondLst>
+                      <p:childTnLst>
+                        <p:par>
+                          <p:cTn id="4" fill="hold">
+                            <p:stCondLst>
+                              <p:cond delay="0"/>
+                            </p:stCondLst>
+                            <p:childTnLst>
+                              <p:par>
+                                <p:cTn id="5" presetID="10" presetClass="entr" presetSubtype="0" fill="hold" grpId="0" nodeType="clickEffect">
+                                  <p:stCondLst>
+                                    <p:cond delay="0"/>
+                                  </p:stCondLst>
+                                  <p:childTnLst>
+                                    <p:set>
+                                      <p:cBhvr>
+                                        <p:cTn id="6" dur="1" fill="hold">
+                                          <p:stCondLst>
+                                            <p:cond delay="0"/>
+                                          </p:stCondLst>
+                                        </p:cTn>
+                                        <p:tgtEl>
+                                          <p:spTgt spid="3">
+                                            <p:txEl>
+                                              <p:pRg st="0" end="0"/>
+                                            </p:txEl>
+                                          </p:spTgt>
+                                        </p:tgtEl>
+                                        <p:attrNameLst>
+                                          <p:attrName>style.visibility</p:attrName>
+                                        </p:attrNameLst>
+                                      </p:cBhvr>
+                                      <p:to>
+                                        <p:strVal val="visible"/>
+                                      </p:to>
+                                    </p:set>
+                                    <p:animEffect transition="in" filter="fade">
+                                      <p:cBhvr>
+                                        <p:cTn id="7" dur="500"/>
+                                        <p:tgtEl>
+                                          <p:spTgt spid="3">
+                                            <p:txEl>
+                                              <p:pRg st="0" end="0"/>
+                                            </p:txEl>
+                                          </p:spTgt>
+                                        </p:tgtEl>
+                                      </p:cBhvr>
+                                    </p:animEffect>
+                                  </p:childTnLst>
+                                </p:cTn>
+                              </p:par>
+                            </p:childTnLst>
+                          </p:cTn>
+                        </p:par>
+                      </p:childTnLst>
+                    </p:cTn>
+                  </p:par>
+                  <p:par>
+                    <p:cTn id="8" fill="hold">
+                      <p:stCondLst>
+                        <p:cond delay="indefinite"/>
+                      </p:stCondLst>
+                      <p:childTnLst>
+                        <p:par>
+                          <p:cTn id="9" fill="hold">
+                            <p:stCondLst>
+                              <p:cond delay="0"/>
+                            </p:stCondLst>
+                            <p:childTnLst>
+                              <p:par>
+                                <p:cTn id="10" presetID="10" presetClass="entr" presetSubtype="0" fill="hold" grpId="0" nodeType="clickEffect">
+                                  <p:stCondLst>
+                                    <p:cond delay="0"/>
+                                  </p:stCondLst>
+                                  <p:childTnLst>
+                                    <p:set>
+                                      <p:cBhvr>
+                                        <p:cTn id="11" dur="1" fill="hold">
+                                          <p:stCondLst>
+                                            <p:cond delay="0"/>
+                                          </p:stCondLst>
+                                        </p:cTn>
+                                        <p:tgtEl>
+                                          <p:spTgt spid="3">
+                                            <p:txEl>
+                                              <p:pRg st="1" end="1"/>
+                                            </p:txEl>
+                                          </p:spTgt>
+                                        </p:tgtEl>
+                                        <p:attrNameLst>
+                                          <p:attrName>style.visibility</p:attrName>
+                                        </p:attrNameLst>
+                                      </p:cBhvr>
+                                      <p:to>
+                                        <p:strVal val="visible"/>
+                                      </p:to>
+                                    </p:set>
+                                    <p:animEffect transition="in" filter="fade">
+                                      <p:cBhvr>
+                                        <p:cTn id="12" dur="500"/>
+                                        <p:tgtEl>
+                                          <p:spTgt spid="3">
+                                            <p:txEl>
+                                              <p:pRg st="1" end="1"/>
+                                            </p:txEl>
+                                          </p:spTgt>
+                                        </p:tgtEl>
+                                      </p:cBhvr>
+                                    </p:animEffect>
+                                  </p:childTnLst>
+                                </p:cTn>
+                              </p:par>
+                            </p:childTnLst>
+                          </p:cTn>
+                        </p:par>
+                      </p:childTnLst>
+                    </p:cTn>
+                  </p:par>
+                  <p:par>
+                    <p:cTn id="13" fill="hold">
+                      <p:stCondLst>
+                        <p:cond delay="indefinite"/>
+                      </p:stCondLst>
+                      <p:childTnLst>
+                        <p:par>
+                          <p:cTn id="14" fill="hold">
+                            <p:stCondLst>
+                              <p:cond delay="0"/>
+                            </p:stCondLst>
+                            <p:childTnLst>
+                              <p:par>
+                                <p:cTn id="15" presetID="10" presetClass="entr" presetSubtype="0" fill="hold" grpId="0" nodeType="clickEffect">
+                                  <p:stCondLst>
+                                    <p:cond delay="0"/>
+                                  </p:stCondLst>
+                                  <p:childTnLst>
+                                    <p:set>
+                                      <p:cBhvr>
+                                        <p:cTn id="16" dur="1" fill="hold">
+                                          <p:stCondLst>
+                                            <p:cond delay="0"/>
+                                          </p:stCondLst>
+                                        </p:cTn>
+                                        <p:tgtEl>
+                                          <p:spTgt spid="3">
+                                            <p:txEl>
+                                              <p:pRg st="2" end="2"/>
+                                            </p:txEl>
+                                          </p:spTgt>
+                                        </p:tgtEl>
+                                        <p:attrNameLst>
+                                          <p:attrName>style.visibility</p:attrName>
+                                        </p:attrNameLst>
+                                      </p:cBhvr>
+                                      <p:to>
+                                        <p:strVal val="visible"/>
+                                      </p:to>
+                                    </p:set>
+                                    <p:animEffect transition="in" filter="fade">
+                                      <p:cBhvr>
+                                        <p:cTn id="17" dur="500"/>
+                                        <p:tgtEl>
+                                          <p:spTgt spid="3">
+                                            <p:txEl>
+                                              <p:pRg st="2" end="2"/>
+                                            </p:txEl>
+                                          </p:spTgt>
+                                        </p:tgtEl>
+                                      </p:cBhvr>
+                                    </p:animEffect>
+                                  </p:childTnLst>
+                                </p:cTn>
+                              </p:par>
+                            </p:childTnLst>
+                          </p:cTn>
+                        </p:par>
+                      </p:childTnLst>
+                    </p:cTn>
+                  </p:par>
+                  <p:par>
+                    <p:cTn id="18" fill="hold">
+                      <p:stCondLst>
+                        <p:cond delay="indefinite"/>
+                      </p:stCondLst>
+                      <p:childTnLst>
+                        <p:par>
+                          <p:cTn id="19" fill="hold">
+                            <p:stCondLst>
+                              <p:cond delay="0"/>
+                            </p:stCondLst>
+                            <p:childTnLst>
+                              <p:par>
+                                <p:cTn id="20" presetID="10" presetClass="entr" presetSubtype="0" fill="hold" grpId="0" nodeType="clickEffect">
+                                  <p:stCondLst>
+                                    <p:cond delay="0"/>
+                                  </p:stCondLst>
+                                  <p:childTnLst>
+                                    <p:set>
+                                      <p:cBhvr>
+                                        <p:cTn id="21" dur="1" fill="hold">
+                                          <p:stCondLst>
+                                            <p:cond delay="0"/>
+                                          </p:stCondLst>
+                                        </p:cTn>
+                                        <p:tgtEl>
+                                          <p:spTgt spid="3">
+                                            <p:txEl>
+                                              <p:pRg st="3" end="3"/>
+                                            </p:txEl>
+                                          </p:spTgt>
+                                        </p:tgtEl>
+                                        <p:attrNameLst>
+                                          <p:attrName>style.visibility</p:attrName>
+                                        </p:attrNameLst>
+                                      </p:cBhvr>
+                                      <p:to>
+                                        <p:strVal val="visible"/>
+                                      </p:to>
+                                    </p:set>
+                                    <p:animEffect transition="in" filter="fade">
+                                      <p:cBhvr>
+                                        <p:cTn id="22" dur="500"/>
+                                        <p:tgtEl>
+                                          <p:spTgt spid="3">
+                                            <p:txEl>
+                                              <p:pRg st="3" end="3"/>
+                                            </p:txEl>
+                                          </p:spTgt>
+                                        </p:tgtEl>
+                                      </p:cBhvr>
+                                    </p:animEffect>
+                                  </p:childTnLst>
+                                </p:cTn>
+                              </p:par>
+                            </p:childTnLst>
+                          </p:cTn>
+                        </p:par>
+                      </p:childTnLst>
+                    </p:cTn>
+                  </p:par>
+                </p:childTnLst>
+              </p:cTn>
+              <p:prevCondLst>
+                <p:cond evt="onPrev" delay="0">
+                  <p:tgtEl>
+                    <p:sldTgt/>
+                  </p:tgtEl>
+                </p:cond>
+              </p:prevCondLst>
+              <p:nextCondLst>
+                <p:cond evt="onNext" delay="0">
+                  <p:tgtEl>
+                    <p:sldTgt/>
+                  </p:tgtEl>
+                </p:cond>
+              </p:nextCondLst>
+            </p:seq>
+          </p:childTnLst>
+        </p:cTn>
+      </p:par>
+    </p:tnLst>
+    <p:bldLst>
+      <p:bldP spid="3" grpId="0" build="p"/>
+    </p:bldLst>
+  </p:timing>
+</p:sld>
+</file>
+
+<file path=ppt/slides/slide30.xml><?xml version="1.0" encoding="utf-8"?>
+<p:sld xmlns:a="http://schemas.openxmlformats.org/drawingml/2006/main" xmlns:r="http://schemas.openxmlformats.org/officeDocument/2006/relationships" xmlns:p="http://schemas.openxmlformats.org/presentationml/2006/main">
+  <p:cSld>
+    <p:spTree>
+      <p:nvGrpSpPr>
+        <p:cNvPr id="1" name=""/>
+        <p:cNvGrpSpPr/>
+        <p:nvPr/>
+      </p:nvGrpSpPr>
+      <p:grpSpPr>
+        <a:xfrm>
+          <a:off x="0" y="0"/>
+          <a:ext cx="0" cy="0"/>
+          <a:chOff x="0" y="0"/>
+          <a:chExt cx="0" cy="0"/>
+        </a:xfrm>
+      </p:grpSpPr>
+      <p:sp>
+        <p:nvSpPr>
+          <p:cNvPr id="2" name="Title 1">
+            <a:extLst>
+              <a:ext uri="{FF2B5EF4-FFF2-40B4-BE49-F238E27FC236}">
+                <a16:creationId xmlns:a16="http://schemas.microsoft.com/office/drawing/2014/main" id="{C8D056DA-D188-5FEC-5D03-52CA62677494}"/>
+              </a:ext>
+            </a:extLst>
+          </p:cNvPr>
+          <p:cNvSpPr>
+            <a:spLocks noGrp="1"/>
+          </p:cNvSpPr>
+          <p:nvPr>
+            <p:ph type="title"/>
+          </p:nvPr>
+        </p:nvSpPr>
+        <p:spPr/>
+        <p:txBody>
+          <a:bodyPr/>
+          <a:lstStyle/>
+          <a:p>
+            <a:r>
+              <a:rPr lang="en-GB" dirty="0"/>
+              <a:t>Strawman argument</a:t>
+            </a:r>
+          </a:p>
+        </p:txBody>
+      </p:sp>
+      <p:sp>
+        <p:nvSpPr>
+          <p:cNvPr id="3" name="Content Placeholder 2">
+            <a:extLst>
+              <a:ext uri="{FF2B5EF4-FFF2-40B4-BE49-F238E27FC236}">
+                <a16:creationId xmlns:a16="http://schemas.microsoft.com/office/drawing/2014/main" id="{11771124-05E4-5BB7-C887-A78A54273592}"/>
+              </a:ext>
+            </a:extLst>
+          </p:cNvPr>
+          <p:cNvSpPr>
+            <a:spLocks noGrp="1"/>
+          </p:cNvSpPr>
+          <p:nvPr>
+            <p:ph idx="1"/>
+          </p:nvPr>
+        </p:nvSpPr>
+        <p:spPr/>
+        <p:txBody>
+          <a:bodyPr>
+            <a:normAutofit/>
+          </a:bodyPr>
+          <a:lstStyle/>
+          <a:p>
+            <a:r>
+              <a:rPr lang="en-GB" dirty="0"/>
+              <a:t>Do you think penguins could ever weigh 0 g?</a:t>
+            </a:r>
+          </a:p>
+          <a:p>
+            <a:r>
+              <a:rPr lang="en-GB" dirty="0"/>
+              <a:t>Definitely not.</a:t>
+            </a:r>
+          </a:p>
+          <a:p>
+            <a:r>
+              <a:rPr lang="en-GB" dirty="0"/>
+              <a:t>Even though it’s significant, we’d never seriously think it was going to be 0</a:t>
+            </a:r>
+          </a:p>
+          <a:p>
+            <a:r>
+              <a:rPr lang="en-GB" dirty="0"/>
+              <a:t>So here, we find no significant difference in penguin weight across the three islands</a:t>
+            </a:r>
+          </a:p>
+        </p:txBody>
+      </p:sp>
+      <p:sp>
+        <p:nvSpPr>
+          <p:cNvPr id="4" name="Picture Placeholder 3">
+            <a:extLst>
+              <a:ext uri="{FF2B5EF4-FFF2-40B4-BE49-F238E27FC236}">
+                <a16:creationId xmlns:a16="http://schemas.microsoft.com/office/drawing/2014/main" id="{BF6A6159-90D2-B145-5259-3765B16E1984}"/>
+              </a:ext>
+            </a:extLst>
+          </p:cNvPr>
+          <p:cNvSpPr>
+            <a:spLocks noGrp="1"/>
+          </p:cNvSpPr>
+          <p:nvPr>
+            <p:ph type="pic" sz="quarter" idx="10"/>
+          </p:nvPr>
+        </p:nvSpPr>
+        <p:spPr/>
+        <p:txBody>
+          <a:bodyPr>
+            <a:normAutofit/>
+          </a:bodyPr>
+          <a:lstStyle/>
+          <a:p>
+            <a:pPr marL="0" indent="0">
+              <a:buNone/>
+            </a:pPr>
+            <a:endParaRPr lang="en-GB" sz="1400" dirty="0">
+              <a:latin typeface="Courier New" panose="02070309020205020404" pitchFamily="49" charset="0"/>
+              <a:cs typeface="Courier New" panose="02070309020205020404" pitchFamily="49" charset="0"/>
+            </a:endParaRPr>
+          </a:p>
+          <a:p>
+            <a:pPr marL="0" indent="0">
+              <a:buNone/>
+            </a:pPr>
+            <a:endParaRPr lang="en-GB" sz="1400" dirty="0">
+              <a:latin typeface="Courier New" panose="02070309020205020404" pitchFamily="49" charset="0"/>
+              <a:cs typeface="Courier New" panose="02070309020205020404" pitchFamily="49" charset="0"/>
+            </a:endParaRPr>
+          </a:p>
+          <a:p>
+            <a:pPr marL="0" indent="0">
+              <a:buNone/>
+            </a:pPr>
+            <a:endParaRPr lang="en-GB" sz="1400" dirty="0">
+              <a:latin typeface="Courier New" panose="02070309020205020404" pitchFamily="49" charset="0"/>
+              <a:cs typeface="Courier New" panose="02070309020205020404" pitchFamily="49" charset="0"/>
+            </a:endParaRPr>
+          </a:p>
+          <a:p>
+            <a:pPr marL="0" indent="0">
+              <a:buNone/>
+            </a:pPr>
+            <a:endParaRPr lang="en-GB" sz="1400" dirty="0">
+              <a:latin typeface="Courier New" panose="02070309020205020404" pitchFamily="49" charset="0"/>
+              <a:cs typeface="Courier New" panose="02070309020205020404" pitchFamily="49" charset="0"/>
+            </a:endParaRPr>
+          </a:p>
+          <a:p>
+            <a:pPr marL="0" indent="0">
+              <a:buNone/>
+            </a:pPr>
+            <a:endParaRPr lang="en-GB" sz="1400" dirty="0">
+              <a:latin typeface="Courier New" panose="02070309020205020404" pitchFamily="49" charset="0"/>
+              <a:cs typeface="Courier New" panose="02070309020205020404" pitchFamily="49" charset="0"/>
+            </a:endParaRPr>
+          </a:p>
+          <a:p>
+            <a:pPr marL="0" indent="0">
+              <a:buNone/>
+            </a:pPr>
+            <a:endParaRPr lang="en-GB" sz="1400" dirty="0">
+              <a:latin typeface="Courier New" panose="02070309020205020404" pitchFamily="49" charset="0"/>
+              <a:cs typeface="Courier New" panose="02070309020205020404" pitchFamily="49" charset="0"/>
+            </a:endParaRPr>
+          </a:p>
+          <a:p>
+            <a:pPr marL="0" indent="0">
+              <a:buNone/>
+            </a:pPr>
+            <a:endParaRPr lang="en-GB" sz="1400" dirty="0">
+              <a:latin typeface="Courier New" panose="02070309020205020404" pitchFamily="49" charset="0"/>
+              <a:cs typeface="Courier New" panose="02070309020205020404" pitchFamily="49" charset="0"/>
+            </a:endParaRPr>
+          </a:p>
+          <a:p>
+            <a:pPr marL="0" indent="0">
+              <a:buNone/>
+            </a:pPr>
+            <a:endParaRPr lang="en-GB" sz="1400" dirty="0">
+              <a:latin typeface="Courier New" panose="02070309020205020404" pitchFamily="49" charset="0"/>
+              <a:cs typeface="Courier New" panose="02070309020205020404" pitchFamily="49" charset="0"/>
+            </a:endParaRPr>
+          </a:p>
+          <a:p>
+            <a:pPr marL="0" indent="0">
+              <a:buNone/>
+            </a:pPr>
+            <a:r>
+              <a:rPr lang="en-GB" sz="1400" dirty="0">
+                <a:latin typeface="Courier New" panose="02070309020205020404" pitchFamily="49" charset="0"/>
+                <a:cs typeface="Courier New" panose="02070309020205020404" pitchFamily="49" charset="0"/>
+              </a:rPr>
+              <a:t>Call:</a:t>
+            </a:r>
+          </a:p>
+          <a:p>
+            <a:pPr marL="0" indent="0">
+              <a:buNone/>
+            </a:pPr>
+            <a:r>
+              <a:rPr lang="en-GB" sz="1400" dirty="0" err="1">
+                <a:latin typeface="Courier New" panose="02070309020205020404" pitchFamily="49" charset="0"/>
+                <a:cs typeface="Courier New" panose="02070309020205020404" pitchFamily="49" charset="0"/>
+              </a:rPr>
+              <a:t>lm</a:t>
+            </a:r>
+            <a:r>
+              <a:rPr lang="en-GB" sz="1400" dirty="0">
+                <a:latin typeface="Courier New" panose="02070309020205020404" pitchFamily="49" charset="0"/>
+                <a:cs typeface="Courier New" panose="02070309020205020404" pitchFamily="49" charset="0"/>
+              </a:rPr>
+              <a:t>(formula = body ~ island, data = </a:t>
+            </a:r>
+            <a:r>
+              <a:rPr lang="en-GB" sz="1400" dirty="0" err="1">
+                <a:latin typeface="Courier New" panose="02070309020205020404" pitchFamily="49" charset="0"/>
+                <a:cs typeface="Courier New" panose="02070309020205020404" pitchFamily="49" charset="0"/>
+              </a:rPr>
+              <a:t>df</a:t>
+            </a:r>
+            <a:r>
+              <a:rPr lang="en-GB" sz="1400" dirty="0">
+                <a:latin typeface="Courier New" panose="02070309020205020404" pitchFamily="49" charset="0"/>
+                <a:cs typeface="Courier New" panose="02070309020205020404" pitchFamily="49" charset="0"/>
+              </a:rPr>
+              <a:t>)</a:t>
+            </a:r>
+          </a:p>
+          <a:p>
+            <a:pPr marL="0" indent="0">
+              <a:buNone/>
+            </a:pPr>
+            <a:endParaRPr lang="en-GB" sz="1400" dirty="0">
+              <a:latin typeface="Courier New" panose="02070309020205020404" pitchFamily="49" charset="0"/>
+              <a:cs typeface="Courier New" panose="02070309020205020404" pitchFamily="49" charset="0"/>
+            </a:endParaRPr>
+          </a:p>
+          <a:p>
+            <a:pPr marL="0" indent="0">
+              <a:buNone/>
+            </a:pPr>
+            <a:r>
+              <a:rPr lang="en-GB" sz="1400" dirty="0">
+                <a:latin typeface="Courier New" panose="02070309020205020404" pitchFamily="49" charset="0"/>
+                <a:cs typeface="Courier New" panose="02070309020205020404" pitchFamily="49" charset="0"/>
+              </a:rPr>
+              <a:t>Coefficients:</a:t>
+            </a:r>
+          </a:p>
+          <a:p>
+            <a:pPr marL="0" indent="0">
+              <a:buNone/>
+            </a:pPr>
+            <a:r>
+              <a:rPr lang="en-GB" sz="1400" dirty="0">
+                <a:latin typeface="Courier New" panose="02070309020205020404" pitchFamily="49" charset="0"/>
+                <a:cs typeface="Courier New" panose="02070309020205020404" pitchFamily="49" charset="0"/>
+              </a:rPr>
+              <a:t>                Estimate Std. Error t value </a:t>
+            </a:r>
+            <a:r>
+              <a:rPr lang="en-GB" sz="1400" dirty="0" err="1">
+                <a:latin typeface="Courier New" panose="02070309020205020404" pitchFamily="49" charset="0"/>
+                <a:cs typeface="Courier New" panose="02070309020205020404" pitchFamily="49" charset="0"/>
+              </a:rPr>
+              <a:t>Pr</a:t>
+            </a:r>
+            <a:r>
+              <a:rPr lang="en-GB" sz="1400" dirty="0">
+                <a:latin typeface="Courier New" panose="02070309020205020404" pitchFamily="49" charset="0"/>
+                <a:cs typeface="Courier New" panose="02070309020205020404" pitchFamily="49" charset="0"/>
+              </a:rPr>
+              <a:t>(&gt;|t|)    </a:t>
+            </a:r>
+          </a:p>
+          <a:p>
+            <a:pPr marL="0" indent="0">
+              <a:buNone/>
+            </a:pPr>
+            <a:r>
+              <a:rPr lang="en-GB" sz="1400" dirty="0">
+                <a:latin typeface="Courier New" panose="02070309020205020404" pitchFamily="49" charset="0"/>
+                <a:cs typeface="Courier New" panose="02070309020205020404" pitchFamily="49" charset="0"/>
+              </a:rPr>
+              <a:t>(Intercept)     3709.659     69.582  53.314   &lt;2e-16</a:t>
+            </a:r>
+          </a:p>
+          <a:p>
+            <a:pPr marL="0" indent="0">
+              <a:buNone/>
+            </a:pPr>
+            <a:r>
+              <a:rPr lang="en-GB" sz="1400" dirty="0" err="1">
+                <a:latin typeface="Courier New" panose="02070309020205020404" pitchFamily="49" charset="0"/>
+                <a:cs typeface="Courier New" panose="02070309020205020404" pitchFamily="49" charset="0"/>
+              </a:rPr>
+              <a:t>islandDream</a:t>
+            </a:r>
+            <a:r>
+              <a:rPr lang="en-GB" sz="1400" dirty="0">
+                <a:latin typeface="Courier New" panose="02070309020205020404" pitchFamily="49" charset="0"/>
+                <a:cs typeface="Courier New" panose="02070309020205020404" pitchFamily="49" charset="0"/>
+              </a:rPr>
+              <a:t>      -21.266     92.983  -0.229    0.819    </a:t>
+            </a:r>
+          </a:p>
+          <a:p>
+            <a:pPr marL="0" indent="0">
+              <a:buNone/>
+            </a:pPr>
+            <a:r>
+              <a:rPr lang="en-GB" sz="1400" dirty="0" err="1">
+                <a:latin typeface="Courier New" panose="02070309020205020404" pitchFamily="49" charset="0"/>
+                <a:cs typeface="Courier New" panose="02070309020205020404" pitchFamily="49" charset="0"/>
+              </a:rPr>
+              <a:t>islandTorgersen</a:t>
+            </a:r>
+            <a:r>
+              <a:rPr lang="en-GB" sz="1400" dirty="0">
+                <a:latin typeface="Courier New" panose="02070309020205020404" pitchFamily="49" charset="0"/>
+                <a:cs typeface="Courier New" panose="02070309020205020404" pitchFamily="49" charset="0"/>
+              </a:rPr>
+              <a:t>   -3.287     94.967  -0.035    0.972 </a:t>
+            </a:r>
+          </a:p>
+        </p:txBody>
+      </p:sp>
+    </p:spTree>
+    <p:extLst>
+      <p:ext uri="{BB962C8B-B14F-4D97-AF65-F5344CB8AC3E}">
+        <p14:creationId xmlns:p14="http://schemas.microsoft.com/office/powerpoint/2010/main" val="2123198179"/>
+      </p:ext>
+    </p:extLst>
+  </p:cSld>
+  <p:clrMapOvr>
+    <a:masterClrMapping/>
+  </p:clrMapOvr>
+</p:sld>
+</file>
+
+<file path=ppt/slides/slide31.xml><?xml version="1.0" encoding="utf-8"?>
+<p:sld xmlns:a="http://schemas.openxmlformats.org/drawingml/2006/main" xmlns:r="http://schemas.openxmlformats.org/officeDocument/2006/relationships" xmlns:p="http://schemas.openxmlformats.org/presentationml/2006/main">
+  <p:cSld>
+    <p:spTree>
+      <p:nvGrpSpPr>
+        <p:cNvPr id="1" name=""/>
+        <p:cNvGrpSpPr/>
+        <p:nvPr/>
+      </p:nvGrpSpPr>
+      <p:grpSpPr>
+        <a:xfrm>
+          <a:off x="0" y="0"/>
+          <a:ext cx="0" cy="0"/>
+          <a:chOff x="0" y="0"/>
+          <a:chExt cx="0" cy="0"/>
+        </a:xfrm>
+      </p:grpSpPr>
+      <p:sp>
+        <p:nvSpPr>
+          <p:cNvPr id="2" name="Title 1">
+            <a:extLst>
+              <a:ext uri="{FF2B5EF4-FFF2-40B4-BE49-F238E27FC236}">
+                <a16:creationId xmlns:a16="http://schemas.microsoft.com/office/drawing/2014/main" id="{7C4DE488-2A6F-55AB-0CB0-25BE7E24EDF3}"/>
+              </a:ext>
+            </a:extLst>
+          </p:cNvPr>
+          <p:cNvSpPr>
+            <a:spLocks noGrp="1"/>
+          </p:cNvSpPr>
+          <p:nvPr>
+            <p:ph type="title"/>
+          </p:nvPr>
+        </p:nvSpPr>
+        <p:spPr/>
+        <p:txBody>
+          <a:bodyPr/>
+          <a:lstStyle/>
+          <a:p>
+            <a:r>
+              <a:rPr lang="en-GB" dirty="0"/>
+              <a:t>Criticisms of NHST</a:t>
+            </a:r>
+          </a:p>
+        </p:txBody>
+      </p:sp>
+    </p:spTree>
+    <p:extLst>
+      <p:ext uri="{BB962C8B-B14F-4D97-AF65-F5344CB8AC3E}">
+        <p14:creationId xmlns:p14="http://schemas.microsoft.com/office/powerpoint/2010/main" val="2197781482"/>
       </p:ext>
     </p:extLst>
   </p:cSld>
@@ -16127,7 +17109,7 @@
           <a:p>
             <a:r>
               <a:rPr lang="en-GB" dirty="0"/>
-              <a:t>Strawman argument</a:t>
+              <a:t>Need for NHST?</a:t>
             </a:r>
           </a:p>
         </p:txBody>
@@ -16157,25 +17139,19 @@
           <a:p>
             <a:r>
               <a:rPr lang="en-GB" dirty="0"/>
-              <a:t>Do you think penguins could ever weigh 0 g?</a:t>
+              <a:t>Did you really need P-values to tell you that the penguins on the islands were pretty much the same?</a:t>
             </a:r>
           </a:p>
           <a:p>
             <a:r>
               <a:rPr lang="en-GB" dirty="0"/>
-              <a:t>Definitely not.</a:t>
+              <a:t>You can often reach the same conclusion just looking at the Estimate and Standard Error (or 95% CI) without needing P-values</a:t>
             </a:r>
           </a:p>
           <a:p>
             <a:r>
               <a:rPr lang="en-GB" dirty="0"/>
-              <a:t>Even though it’s significant, we’d never seriously think it was going to be 0</a:t>
-            </a:r>
-          </a:p>
-          <a:p>
-            <a:r>
-              <a:rPr lang="en-GB" dirty="0"/>
-              <a:t>So here, we find no significant difference in penguin weight across the three islands</a:t>
+              <a:t>Or just plotting the results</a:t>
             </a:r>
           </a:p>
         </p:txBody>
@@ -16418,16 +17394,303 @@
           </a:p>
         </p:txBody>
       </p:sp>
+      <p:pic>
+        <p:nvPicPr>
+          <p:cNvPr id="6" name="Picture 5" descr="A screen shot of a graph&#10;&#10;Description automatically generated">
+            <a:extLst>
+              <a:ext uri="{FF2B5EF4-FFF2-40B4-BE49-F238E27FC236}">
+                <a16:creationId xmlns:a16="http://schemas.microsoft.com/office/drawing/2014/main" id="{8F00E200-9B16-95CB-BDA1-96A6DDCBEB5B}"/>
+              </a:ext>
+            </a:extLst>
+          </p:cNvPr>
+          <p:cNvPicPr>
+            <a:picLocks noChangeAspect="1"/>
+          </p:cNvPicPr>
+          <p:nvPr/>
+        </p:nvPicPr>
+        <p:blipFill>
+          <a:blip r:embed="rId2">
+            <a:extLst>
+              <a:ext uri="{28A0092B-C50C-407E-A947-70E740481C1C}">
+                <a14:useLocalDpi xmlns:a14="http://schemas.microsoft.com/office/drawing/2010/main" val="0"/>
+              </a:ext>
+            </a:extLst>
+          </a:blip>
+          <a:stretch>
+            <a:fillRect/>
+          </a:stretch>
+        </p:blipFill>
+        <p:spPr>
+          <a:xfrm>
+            <a:off x="6440129" y="0"/>
+            <a:ext cx="5751871" cy="6858000"/>
+          </a:xfrm>
+          <a:prstGeom prst="rect">
+            <a:avLst/>
+          </a:prstGeom>
+        </p:spPr>
+      </p:pic>
     </p:spTree>
     <p:extLst>
       <p:ext uri="{BB962C8B-B14F-4D97-AF65-F5344CB8AC3E}">
-        <p14:creationId xmlns:p14="http://schemas.microsoft.com/office/powerpoint/2010/main" val="2123198179"/>
+        <p14:creationId xmlns:p14="http://schemas.microsoft.com/office/powerpoint/2010/main" val="2450787704"/>
       </p:ext>
     </p:extLst>
   </p:cSld>
   <p:clrMapOvr>
     <a:masterClrMapping/>
   </p:clrMapOvr>
+  <p:timing>
+    <p:tnLst>
+      <p:par>
+        <p:cTn id="1" dur="indefinite" restart="never" nodeType="tmRoot">
+          <p:childTnLst>
+            <p:seq concurrent="1" nextAc="seek">
+              <p:cTn id="2" dur="indefinite" nodeType="mainSeq">
+                <p:childTnLst>
+                  <p:par>
+                    <p:cTn id="3" fill="hold">
+                      <p:stCondLst>
+                        <p:cond delay="indefinite"/>
+                      </p:stCondLst>
+                      <p:childTnLst>
+                        <p:par>
+                          <p:cTn id="4" fill="hold">
+                            <p:stCondLst>
+                              <p:cond delay="0"/>
+                            </p:stCondLst>
+                            <p:childTnLst>
+                              <p:par>
+                                <p:cTn id="5" presetID="10" presetClass="entr" presetSubtype="0" fill="hold" grpId="0" nodeType="clickEffect">
+                                  <p:stCondLst>
+                                    <p:cond delay="0"/>
+                                  </p:stCondLst>
+                                  <p:childTnLst>
+                                    <p:set>
+                                      <p:cBhvr>
+                                        <p:cTn id="6" dur="1" fill="hold">
+                                          <p:stCondLst>
+                                            <p:cond delay="0"/>
+                                          </p:stCondLst>
+                                        </p:cTn>
+                                        <p:tgtEl>
+                                          <p:spTgt spid="3">
+                                            <p:txEl>
+                                              <p:pRg st="0" end="0"/>
+                                            </p:txEl>
+                                          </p:spTgt>
+                                        </p:tgtEl>
+                                        <p:attrNameLst>
+                                          <p:attrName>style.visibility</p:attrName>
+                                        </p:attrNameLst>
+                                      </p:cBhvr>
+                                      <p:to>
+                                        <p:strVal val="visible"/>
+                                      </p:to>
+                                    </p:set>
+                                    <p:animEffect transition="in" filter="fade">
+                                      <p:cBhvr>
+                                        <p:cTn id="7" dur="500"/>
+                                        <p:tgtEl>
+                                          <p:spTgt spid="3">
+                                            <p:txEl>
+                                              <p:pRg st="0" end="0"/>
+                                            </p:txEl>
+                                          </p:spTgt>
+                                        </p:tgtEl>
+                                      </p:cBhvr>
+                                    </p:animEffect>
+                                  </p:childTnLst>
+                                </p:cTn>
+                              </p:par>
+                            </p:childTnLst>
+                          </p:cTn>
+                        </p:par>
+                      </p:childTnLst>
+                    </p:cTn>
+                  </p:par>
+                  <p:par>
+                    <p:cTn id="8" fill="hold">
+                      <p:stCondLst>
+                        <p:cond delay="indefinite"/>
+                      </p:stCondLst>
+                      <p:childTnLst>
+                        <p:par>
+                          <p:cTn id="9" fill="hold">
+                            <p:stCondLst>
+                              <p:cond delay="0"/>
+                            </p:stCondLst>
+                            <p:childTnLst>
+                              <p:par>
+                                <p:cTn id="10" presetID="10" presetClass="entr" presetSubtype="0" fill="hold" grpId="0" nodeType="clickEffect">
+                                  <p:stCondLst>
+                                    <p:cond delay="0"/>
+                                  </p:stCondLst>
+                                  <p:childTnLst>
+                                    <p:set>
+                                      <p:cBhvr>
+                                        <p:cTn id="11" dur="1" fill="hold">
+                                          <p:stCondLst>
+                                            <p:cond delay="0"/>
+                                          </p:stCondLst>
+                                        </p:cTn>
+                                        <p:tgtEl>
+                                          <p:spTgt spid="3">
+                                            <p:txEl>
+                                              <p:pRg st="1" end="1"/>
+                                            </p:txEl>
+                                          </p:spTgt>
+                                        </p:tgtEl>
+                                        <p:attrNameLst>
+                                          <p:attrName>style.visibility</p:attrName>
+                                        </p:attrNameLst>
+                                      </p:cBhvr>
+                                      <p:to>
+                                        <p:strVal val="visible"/>
+                                      </p:to>
+                                    </p:set>
+                                    <p:animEffect transition="in" filter="fade">
+                                      <p:cBhvr>
+                                        <p:cTn id="12" dur="500"/>
+                                        <p:tgtEl>
+                                          <p:spTgt spid="3">
+                                            <p:txEl>
+                                              <p:pRg st="1" end="1"/>
+                                            </p:txEl>
+                                          </p:spTgt>
+                                        </p:tgtEl>
+                                      </p:cBhvr>
+                                    </p:animEffect>
+                                  </p:childTnLst>
+                                </p:cTn>
+                              </p:par>
+                            </p:childTnLst>
+                          </p:cTn>
+                        </p:par>
+                      </p:childTnLst>
+                    </p:cTn>
+                  </p:par>
+                  <p:par>
+                    <p:cTn id="13" fill="hold">
+                      <p:stCondLst>
+                        <p:cond delay="indefinite"/>
+                      </p:stCondLst>
+                      <p:childTnLst>
+                        <p:par>
+                          <p:cTn id="14" fill="hold">
+                            <p:stCondLst>
+                              <p:cond delay="0"/>
+                            </p:stCondLst>
+                            <p:childTnLst>
+                              <p:par>
+                                <p:cTn id="15" presetID="10" presetClass="entr" presetSubtype="0" fill="hold" grpId="0" nodeType="clickEffect">
+                                  <p:stCondLst>
+                                    <p:cond delay="0"/>
+                                  </p:stCondLst>
+                                  <p:childTnLst>
+                                    <p:set>
+                                      <p:cBhvr>
+                                        <p:cTn id="16" dur="1" fill="hold">
+                                          <p:stCondLst>
+                                            <p:cond delay="0"/>
+                                          </p:stCondLst>
+                                        </p:cTn>
+                                        <p:tgtEl>
+                                          <p:spTgt spid="3">
+                                            <p:txEl>
+                                              <p:pRg st="2" end="2"/>
+                                            </p:txEl>
+                                          </p:spTgt>
+                                        </p:tgtEl>
+                                        <p:attrNameLst>
+                                          <p:attrName>style.visibility</p:attrName>
+                                        </p:attrNameLst>
+                                      </p:cBhvr>
+                                      <p:to>
+                                        <p:strVal val="visible"/>
+                                      </p:to>
+                                    </p:set>
+                                    <p:animEffect transition="in" filter="fade">
+                                      <p:cBhvr>
+                                        <p:cTn id="17" dur="500"/>
+                                        <p:tgtEl>
+                                          <p:spTgt spid="3">
+                                            <p:txEl>
+                                              <p:pRg st="2" end="2"/>
+                                            </p:txEl>
+                                          </p:spTgt>
+                                        </p:tgtEl>
+                                      </p:cBhvr>
+                                    </p:animEffect>
+                                  </p:childTnLst>
+                                </p:cTn>
+                              </p:par>
+                              <p:par>
+                                <p:cTn id="18" presetID="10" presetClass="entr" presetSubtype="0" fill="hold" nodeType="withEffect">
+                                  <p:stCondLst>
+                                    <p:cond delay="0"/>
+                                  </p:stCondLst>
+                                  <p:childTnLst>
+                                    <p:set>
+                                      <p:cBhvr>
+                                        <p:cTn id="19" dur="1" fill="hold">
+                                          <p:stCondLst>
+                                            <p:cond delay="0"/>
+                                          </p:stCondLst>
+                                        </p:cTn>
+                                        <p:tgtEl>
+                                          <p:spTgt spid="6"/>
+                                        </p:tgtEl>
+                                        <p:attrNameLst>
+                                          <p:attrName>style.visibility</p:attrName>
+                                        </p:attrNameLst>
+                                      </p:cBhvr>
+                                      <p:to>
+                                        <p:strVal val="visible"/>
+                                      </p:to>
+                                    </p:set>
+                                    <p:animEffect transition="in" filter="fade">
+                                      <p:cBhvr>
+                                        <p:cTn id="20" dur="500"/>
+                                        <p:tgtEl>
+                                          <p:spTgt spid="6"/>
+                                        </p:tgtEl>
+                                      </p:cBhvr>
+                                    </p:animEffect>
+                                  </p:childTnLst>
+                                </p:cTn>
+                              </p:par>
+                            </p:childTnLst>
+                          </p:cTn>
+                        </p:par>
+                      </p:childTnLst>
+                    </p:cTn>
+                  </p:par>
+                </p:childTnLst>
+              </p:cTn>
+              <p:prevCondLst>
+                <p:cond evt="onPrev" delay="0">
+                  <p:tgtEl>
+                    <p:sldTgt/>
+                  </p:tgtEl>
+                </p:cond>
+              </p:prevCondLst>
+              <p:nextCondLst>
+                <p:cond evt="onNext" delay="0">
+                  <p:tgtEl>
+                    <p:sldTgt/>
+                  </p:tgtEl>
+                </p:cond>
+              </p:nextCondLst>
+            </p:seq>
+          </p:childTnLst>
+        </p:cTn>
+      </p:par>
+    </p:tnLst>
+    <p:bldLst>
+      <p:bldP spid="3" grpId="0" uiExpand="1" build="p"/>
+    </p:bldLst>
+  </p:timing>
 </p:sld>
 </file>
 
@@ -16453,7 +17716,7 @@
           <p:cNvPr id="2" name="Title 1">
             <a:extLst>
               <a:ext uri="{FF2B5EF4-FFF2-40B4-BE49-F238E27FC236}">
-                <a16:creationId xmlns:a16="http://schemas.microsoft.com/office/drawing/2014/main" id="{7C4DE488-2A6F-55AB-0CB0-25BE7E24EDF3}"/>
+                <a16:creationId xmlns:a16="http://schemas.microsoft.com/office/drawing/2014/main" id="{3457FCFC-5A31-6098-AAC2-38E79202F83F}"/>
               </a:ext>
             </a:extLst>
           </p:cNvPr>
@@ -16471,65 +17734,7 @@
           <a:p>
             <a:r>
               <a:rPr lang="en-GB" dirty="0"/>
-              <a:t>Criticisms of NHST</a:t>
-            </a:r>
-          </a:p>
-        </p:txBody>
-      </p:sp>
-    </p:spTree>
-    <p:extLst>
-      <p:ext uri="{BB962C8B-B14F-4D97-AF65-F5344CB8AC3E}">
-        <p14:creationId xmlns:p14="http://schemas.microsoft.com/office/powerpoint/2010/main" val="2197781482"/>
-      </p:ext>
-    </p:extLst>
-  </p:cSld>
-  <p:clrMapOvr>
-    <a:masterClrMapping/>
-  </p:clrMapOvr>
-</p:sld>
-</file>
-
-<file path=ppt/slides/slide34.xml><?xml version="1.0" encoding="utf-8"?>
-<p:sld xmlns:a="http://schemas.openxmlformats.org/drawingml/2006/main" xmlns:r="http://schemas.openxmlformats.org/officeDocument/2006/relationships" xmlns:p="http://schemas.openxmlformats.org/presentationml/2006/main">
-  <p:cSld>
-    <p:spTree>
-      <p:nvGrpSpPr>
-        <p:cNvPr id="1" name=""/>
-        <p:cNvGrpSpPr/>
-        <p:nvPr/>
-      </p:nvGrpSpPr>
-      <p:grpSpPr>
-        <a:xfrm>
-          <a:off x="0" y="0"/>
-          <a:ext cx="0" cy="0"/>
-          <a:chOff x="0" y="0"/>
-          <a:chExt cx="0" cy="0"/>
-        </a:xfrm>
-      </p:grpSpPr>
-      <p:sp>
-        <p:nvSpPr>
-          <p:cNvPr id="2" name="Title 1">
-            <a:extLst>
-              <a:ext uri="{FF2B5EF4-FFF2-40B4-BE49-F238E27FC236}">
-                <a16:creationId xmlns:a16="http://schemas.microsoft.com/office/drawing/2014/main" id="{C8D056DA-D188-5FEC-5D03-52CA62677494}"/>
-              </a:ext>
-            </a:extLst>
-          </p:cNvPr>
-          <p:cNvSpPr>
-            <a:spLocks noGrp="1"/>
-          </p:cNvSpPr>
-          <p:nvPr>
-            <p:ph type="title"/>
-          </p:nvPr>
-        </p:nvSpPr>
-        <p:spPr/>
-        <p:txBody>
-          <a:bodyPr/>
-          <a:lstStyle/>
-          <a:p>
-            <a:r>
-              <a:rPr lang="en-GB" dirty="0"/>
-              <a:t>Need for NHST?</a:t>
+              <a:t>Biological significance</a:t>
             </a:r>
           </a:p>
         </p:txBody>
@@ -16539,7 +17744,7 @@
           <p:cNvPr id="3" name="Content Placeholder 2">
             <a:extLst>
               <a:ext uri="{FF2B5EF4-FFF2-40B4-BE49-F238E27FC236}">
-                <a16:creationId xmlns:a16="http://schemas.microsoft.com/office/drawing/2014/main" id="{11771124-05E4-5BB7-C887-A78A54273592}"/>
+                <a16:creationId xmlns:a16="http://schemas.microsoft.com/office/drawing/2014/main" id="{BBD63EC1-0B17-1B7A-D75B-3716AFFADF02}"/>
               </a:ext>
             </a:extLst>
           </p:cNvPr>
@@ -16552,276 +17757,502 @@
         </p:nvSpPr>
         <p:spPr/>
         <p:txBody>
-          <a:bodyPr>
-            <a:normAutofit/>
-          </a:bodyPr>
+          <a:bodyPr/>
           <a:lstStyle/>
           <a:p>
             <a:r>
               <a:rPr lang="en-GB" dirty="0"/>
-              <a:t>Did you really need P-values to tell you that the penguins on the islands were pretty much the same?</a:t>
+              <a:t>Statistical significance is not the same as biological significance</a:t>
             </a:r>
           </a:p>
           <a:p>
             <a:r>
               <a:rPr lang="en-GB" dirty="0"/>
-              <a:t>You can often reach the same conclusion just looking at the Estimate and Standard Error (or 95% CI) without needing P-values</a:t>
-            </a:r>
+              <a:t>A parameter might be very </a:t>
+            </a:r>
+            <a:r>
+              <a:rPr lang="en-GB" dirty="0" err="1"/>
+              <a:t>very</a:t>
+            </a:r>
+            <a:r>
+              <a:rPr lang="en-GB" dirty="0"/>
+              <a:t> weak but be different from zero</a:t>
+            </a:r>
+          </a:p>
+          <a:p>
+            <a:r>
+              <a:rPr lang="en-GB" dirty="0"/>
+              <a:t>For example</a:t>
+            </a:r>
+          </a:p>
+          <a:p>
+            <a:pPr lvl="1"/>
+            <a:r>
+              <a:rPr lang="en-GB" dirty="0"/>
+              <a:t>“Ecotourism boats had a significantly negative effect on juvenile humpback whale growth”</a:t>
+            </a:r>
+          </a:p>
+          <a:p>
+            <a:r>
+              <a:rPr lang="en-GB" dirty="0"/>
+              <a:t>Decreased growth rate by 7 cm per year</a:t>
+            </a:r>
+          </a:p>
+          <a:p>
+            <a:r>
+              <a:rPr lang="en-GB" dirty="0"/>
+              <a:t>Adults reach 14-17 m…</a:t>
+            </a:r>
+          </a:p>
+          <a:p>
+            <a:endParaRPr lang="en-GB" dirty="0"/>
           </a:p>
         </p:txBody>
       </p:sp>
-      <p:sp>
-        <p:nvSpPr>
-          <p:cNvPr id="4" name="Picture Placeholder 3">
+      <p:pic>
+        <p:nvPicPr>
+          <p:cNvPr id="6" name="Picture Placeholder 5" descr="A whale and a whale in the water&#10;&#10;Description automatically generated">
             <a:extLst>
               <a:ext uri="{FF2B5EF4-FFF2-40B4-BE49-F238E27FC236}">
-                <a16:creationId xmlns:a16="http://schemas.microsoft.com/office/drawing/2014/main" id="{BF6A6159-90D2-B145-5259-3765B16E1984}"/>
+                <a16:creationId xmlns:a16="http://schemas.microsoft.com/office/drawing/2014/main" id="{46080895-7A93-1A1B-DB98-B669A7BFE72B}"/>
               </a:ext>
             </a:extLst>
           </p:cNvPr>
-          <p:cNvSpPr>
-            <a:spLocks noGrp="1"/>
-          </p:cNvSpPr>
+          <p:cNvPicPr>
+            <a:picLocks noGrp="1" noChangeAspect="1"/>
+          </p:cNvPicPr>
           <p:nvPr>
             <p:ph type="pic" sz="quarter" idx="10"/>
           </p:nvPr>
-        </p:nvSpPr>
+        </p:nvPicPr>
+        <p:blipFill>
+          <a:blip r:embed="rId2">
+            <a:extLst>
+              <a:ext uri="{28A0092B-C50C-407E-A947-70E740481C1C}">
+                <a14:useLocalDpi xmlns:a14="http://schemas.microsoft.com/office/drawing/2010/main" val="0"/>
+              </a:ext>
+            </a:extLst>
+          </a:blip>
+          <a:srcRect l="21651" r="21651"/>
+          <a:stretch>
+            <a:fillRect/>
+          </a:stretch>
+        </p:blipFill>
         <p:spPr/>
-        <p:txBody>
-          <a:bodyPr>
-            <a:normAutofit/>
-          </a:bodyPr>
-          <a:lstStyle/>
-          <a:p>
-            <a:pPr marL="0" indent="0">
-              <a:buNone/>
-            </a:pPr>
-            <a:endParaRPr lang="en-GB" sz="1400" dirty="0">
-              <a:latin typeface="Courier New" panose="02070309020205020404" pitchFamily="49" charset="0"/>
-              <a:cs typeface="Courier New" panose="02070309020205020404" pitchFamily="49" charset="0"/>
-            </a:endParaRPr>
-          </a:p>
-          <a:p>
-            <a:pPr marL="0" indent="0">
-              <a:buNone/>
-            </a:pPr>
-            <a:endParaRPr lang="en-GB" sz="1400" dirty="0">
-              <a:latin typeface="Courier New" panose="02070309020205020404" pitchFamily="49" charset="0"/>
-              <a:cs typeface="Courier New" panose="02070309020205020404" pitchFamily="49" charset="0"/>
-            </a:endParaRPr>
-          </a:p>
-          <a:p>
-            <a:pPr marL="0" indent="0">
-              <a:buNone/>
-            </a:pPr>
-            <a:endParaRPr lang="en-GB" sz="1400" dirty="0">
-              <a:latin typeface="Courier New" panose="02070309020205020404" pitchFamily="49" charset="0"/>
-              <a:cs typeface="Courier New" panose="02070309020205020404" pitchFamily="49" charset="0"/>
-            </a:endParaRPr>
-          </a:p>
-          <a:p>
-            <a:pPr marL="0" indent="0">
-              <a:buNone/>
-            </a:pPr>
-            <a:endParaRPr lang="en-GB" sz="1400" dirty="0">
-              <a:latin typeface="Courier New" panose="02070309020205020404" pitchFamily="49" charset="0"/>
-              <a:cs typeface="Courier New" panose="02070309020205020404" pitchFamily="49" charset="0"/>
-            </a:endParaRPr>
-          </a:p>
-          <a:p>
-            <a:pPr marL="0" indent="0">
-              <a:buNone/>
-            </a:pPr>
-            <a:endParaRPr lang="en-GB" sz="1400" dirty="0">
-              <a:latin typeface="Courier New" panose="02070309020205020404" pitchFamily="49" charset="0"/>
-              <a:cs typeface="Courier New" panose="02070309020205020404" pitchFamily="49" charset="0"/>
-            </a:endParaRPr>
-          </a:p>
-          <a:p>
-            <a:pPr marL="0" indent="0">
-              <a:buNone/>
-            </a:pPr>
-            <a:endParaRPr lang="en-GB" sz="1400" dirty="0">
-              <a:latin typeface="Courier New" panose="02070309020205020404" pitchFamily="49" charset="0"/>
-              <a:cs typeface="Courier New" panose="02070309020205020404" pitchFamily="49" charset="0"/>
-            </a:endParaRPr>
-          </a:p>
-          <a:p>
-            <a:pPr marL="0" indent="0">
-              <a:buNone/>
-            </a:pPr>
-            <a:endParaRPr lang="en-GB" sz="1400" dirty="0">
-              <a:latin typeface="Courier New" panose="02070309020205020404" pitchFamily="49" charset="0"/>
-              <a:cs typeface="Courier New" panose="02070309020205020404" pitchFamily="49" charset="0"/>
-            </a:endParaRPr>
-          </a:p>
-          <a:p>
-            <a:pPr marL="0" indent="0">
-              <a:buNone/>
-            </a:pPr>
-            <a:endParaRPr lang="en-GB" sz="1400" dirty="0">
-              <a:latin typeface="Courier New" panose="02070309020205020404" pitchFamily="49" charset="0"/>
-              <a:cs typeface="Courier New" panose="02070309020205020404" pitchFamily="49" charset="0"/>
-            </a:endParaRPr>
-          </a:p>
-          <a:p>
-            <a:pPr marL="0" indent="0">
-              <a:buNone/>
-            </a:pPr>
-            <a:r>
-              <a:rPr lang="en-GB" sz="1400" dirty="0">
-                <a:latin typeface="Courier New" panose="02070309020205020404" pitchFamily="49" charset="0"/>
-                <a:cs typeface="Courier New" panose="02070309020205020404" pitchFamily="49" charset="0"/>
-              </a:rPr>
-              <a:t>Call:</a:t>
-            </a:r>
-          </a:p>
-          <a:p>
-            <a:pPr marL="0" indent="0">
-              <a:buNone/>
-            </a:pPr>
-            <a:r>
-              <a:rPr lang="en-GB" sz="1400" dirty="0" err="1">
-                <a:latin typeface="Courier New" panose="02070309020205020404" pitchFamily="49" charset="0"/>
-                <a:cs typeface="Courier New" panose="02070309020205020404" pitchFamily="49" charset="0"/>
-              </a:rPr>
-              <a:t>lm</a:t>
-            </a:r>
-            <a:r>
-              <a:rPr lang="en-GB" sz="1400" dirty="0">
-                <a:latin typeface="Courier New" panose="02070309020205020404" pitchFamily="49" charset="0"/>
-                <a:cs typeface="Courier New" panose="02070309020205020404" pitchFamily="49" charset="0"/>
-              </a:rPr>
-              <a:t>(formula = body ~ island, data = </a:t>
-            </a:r>
-            <a:r>
-              <a:rPr lang="en-GB" sz="1400" dirty="0" err="1">
-                <a:latin typeface="Courier New" panose="02070309020205020404" pitchFamily="49" charset="0"/>
-                <a:cs typeface="Courier New" panose="02070309020205020404" pitchFamily="49" charset="0"/>
-              </a:rPr>
-              <a:t>df</a:t>
-            </a:r>
-            <a:r>
-              <a:rPr lang="en-GB" sz="1400" dirty="0">
-                <a:latin typeface="Courier New" panose="02070309020205020404" pitchFamily="49" charset="0"/>
-                <a:cs typeface="Courier New" panose="02070309020205020404" pitchFamily="49" charset="0"/>
-              </a:rPr>
-              <a:t>)</a:t>
-            </a:r>
-          </a:p>
-          <a:p>
-            <a:pPr marL="0" indent="0">
-              <a:buNone/>
-            </a:pPr>
-            <a:endParaRPr lang="en-GB" sz="1400" dirty="0">
-              <a:latin typeface="Courier New" panose="02070309020205020404" pitchFamily="49" charset="0"/>
-              <a:cs typeface="Courier New" panose="02070309020205020404" pitchFamily="49" charset="0"/>
-            </a:endParaRPr>
-          </a:p>
-          <a:p>
-            <a:pPr marL="0" indent="0">
-              <a:buNone/>
-            </a:pPr>
-            <a:r>
-              <a:rPr lang="en-GB" sz="1400" dirty="0">
-                <a:latin typeface="Courier New" panose="02070309020205020404" pitchFamily="49" charset="0"/>
-                <a:cs typeface="Courier New" panose="02070309020205020404" pitchFamily="49" charset="0"/>
-              </a:rPr>
-              <a:t>Coefficients:</a:t>
-            </a:r>
-          </a:p>
-          <a:p>
-            <a:pPr marL="0" indent="0">
-              <a:buNone/>
-            </a:pPr>
-            <a:r>
-              <a:rPr lang="en-GB" sz="1400" dirty="0">
-                <a:latin typeface="Courier New" panose="02070309020205020404" pitchFamily="49" charset="0"/>
-                <a:cs typeface="Courier New" panose="02070309020205020404" pitchFamily="49" charset="0"/>
-              </a:rPr>
-              <a:t>                Estimate Std. Error t value </a:t>
-            </a:r>
-            <a:r>
-              <a:rPr lang="en-GB" sz="1400" dirty="0" err="1">
-                <a:latin typeface="Courier New" panose="02070309020205020404" pitchFamily="49" charset="0"/>
-                <a:cs typeface="Courier New" panose="02070309020205020404" pitchFamily="49" charset="0"/>
-              </a:rPr>
-              <a:t>Pr</a:t>
-            </a:r>
-            <a:r>
-              <a:rPr lang="en-GB" sz="1400" dirty="0">
-                <a:latin typeface="Courier New" panose="02070309020205020404" pitchFamily="49" charset="0"/>
-                <a:cs typeface="Courier New" panose="02070309020205020404" pitchFamily="49" charset="0"/>
-              </a:rPr>
-              <a:t>(&gt;|t|)    </a:t>
-            </a:r>
-          </a:p>
-          <a:p>
-            <a:pPr marL="0" indent="0">
-              <a:buNone/>
-            </a:pPr>
-            <a:r>
-              <a:rPr lang="en-GB" sz="1400" dirty="0">
-                <a:latin typeface="Courier New" panose="02070309020205020404" pitchFamily="49" charset="0"/>
-                <a:cs typeface="Courier New" panose="02070309020205020404" pitchFamily="49" charset="0"/>
-              </a:rPr>
-              <a:t>(Intercept)     3709.659     69.582  53.314   &lt;2e-16</a:t>
-            </a:r>
-          </a:p>
-          <a:p>
-            <a:pPr marL="0" indent="0">
-              <a:buNone/>
-            </a:pPr>
-            <a:r>
-              <a:rPr lang="en-GB" sz="1400" dirty="0" err="1">
-                <a:latin typeface="Courier New" panose="02070309020205020404" pitchFamily="49" charset="0"/>
-                <a:cs typeface="Courier New" panose="02070309020205020404" pitchFamily="49" charset="0"/>
-              </a:rPr>
-              <a:t>islandDream</a:t>
-            </a:r>
-            <a:r>
-              <a:rPr lang="en-GB" sz="1400" dirty="0">
-                <a:latin typeface="Courier New" panose="02070309020205020404" pitchFamily="49" charset="0"/>
-                <a:cs typeface="Courier New" panose="02070309020205020404" pitchFamily="49" charset="0"/>
-              </a:rPr>
-              <a:t>      -21.266     92.983  -0.229    0.819    </a:t>
-            </a:r>
-          </a:p>
-          <a:p>
-            <a:pPr marL="0" indent="0">
-              <a:buNone/>
-            </a:pPr>
-            <a:r>
-              <a:rPr lang="en-GB" sz="1400" dirty="0" err="1">
-                <a:latin typeface="Courier New" panose="02070309020205020404" pitchFamily="49" charset="0"/>
-                <a:cs typeface="Courier New" panose="02070309020205020404" pitchFamily="49" charset="0"/>
-              </a:rPr>
-              <a:t>islandTorgersen</a:t>
-            </a:r>
-            <a:r>
-              <a:rPr lang="en-GB" sz="1400" dirty="0">
-                <a:latin typeface="Courier New" panose="02070309020205020404" pitchFamily="49" charset="0"/>
-                <a:cs typeface="Courier New" panose="02070309020205020404" pitchFamily="49" charset="0"/>
-              </a:rPr>
-              <a:t>   -3.287     94.967  -0.035    0.972 </a:t>
-            </a:r>
-          </a:p>
-        </p:txBody>
-      </p:sp>
+      </p:pic>
     </p:spTree>
     <p:extLst>
       <p:ext uri="{BB962C8B-B14F-4D97-AF65-F5344CB8AC3E}">
-        <p14:creationId xmlns:p14="http://schemas.microsoft.com/office/powerpoint/2010/main" val="2450787704"/>
+        <p14:creationId xmlns:p14="http://schemas.microsoft.com/office/powerpoint/2010/main" val="1897438803"/>
       </p:ext>
     </p:extLst>
   </p:cSld>
   <p:clrMapOvr>
     <a:masterClrMapping/>
   </p:clrMapOvr>
+  <p:timing>
+    <p:tnLst>
+      <p:par>
+        <p:cTn id="1" dur="indefinite" restart="never" nodeType="tmRoot">
+          <p:childTnLst>
+            <p:seq concurrent="1" nextAc="seek">
+              <p:cTn id="2" dur="indefinite" nodeType="mainSeq">
+                <p:childTnLst>
+                  <p:par>
+                    <p:cTn id="3" fill="hold">
+                      <p:stCondLst>
+                        <p:cond delay="indefinite"/>
+                      </p:stCondLst>
+                      <p:childTnLst>
+                        <p:par>
+                          <p:cTn id="4" fill="hold">
+                            <p:stCondLst>
+                              <p:cond delay="0"/>
+                            </p:stCondLst>
+                            <p:childTnLst>
+                              <p:par>
+                                <p:cTn id="5" presetID="10" presetClass="entr" presetSubtype="0" fill="hold" grpId="0" nodeType="clickEffect">
+                                  <p:stCondLst>
+                                    <p:cond delay="0"/>
+                                  </p:stCondLst>
+                                  <p:childTnLst>
+                                    <p:set>
+                                      <p:cBhvr>
+                                        <p:cTn id="6" dur="1" fill="hold">
+                                          <p:stCondLst>
+                                            <p:cond delay="0"/>
+                                          </p:stCondLst>
+                                        </p:cTn>
+                                        <p:tgtEl>
+                                          <p:spTgt spid="3">
+                                            <p:txEl>
+                                              <p:pRg st="0" end="0"/>
+                                            </p:txEl>
+                                          </p:spTgt>
+                                        </p:tgtEl>
+                                        <p:attrNameLst>
+                                          <p:attrName>style.visibility</p:attrName>
+                                        </p:attrNameLst>
+                                      </p:cBhvr>
+                                      <p:to>
+                                        <p:strVal val="visible"/>
+                                      </p:to>
+                                    </p:set>
+                                    <p:animEffect transition="in" filter="fade">
+                                      <p:cBhvr>
+                                        <p:cTn id="7" dur="500"/>
+                                        <p:tgtEl>
+                                          <p:spTgt spid="3">
+                                            <p:txEl>
+                                              <p:pRg st="0" end="0"/>
+                                            </p:txEl>
+                                          </p:spTgt>
+                                        </p:tgtEl>
+                                      </p:cBhvr>
+                                    </p:animEffect>
+                                  </p:childTnLst>
+                                </p:cTn>
+                              </p:par>
+                            </p:childTnLst>
+                          </p:cTn>
+                        </p:par>
+                      </p:childTnLst>
+                    </p:cTn>
+                  </p:par>
+                  <p:par>
+                    <p:cTn id="8" fill="hold">
+                      <p:stCondLst>
+                        <p:cond delay="indefinite"/>
+                      </p:stCondLst>
+                      <p:childTnLst>
+                        <p:par>
+                          <p:cTn id="9" fill="hold">
+                            <p:stCondLst>
+                              <p:cond delay="0"/>
+                            </p:stCondLst>
+                            <p:childTnLst>
+                              <p:par>
+                                <p:cTn id="10" presetID="10" presetClass="entr" presetSubtype="0" fill="hold" grpId="0" nodeType="clickEffect">
+                                  <p:stCondLst>
+                                    <p:cond delay="0"/>
+                                  </p:stCondLst>
+                                  <p:childTnLst>
+                                    <p:set>
+                                      <p:cBhvr>
+                                        <p:cTn id="11" dur="1" fill="hold">
+                                          <p:stCondLst>
+                                            <p:cond delay="0"/>
+                                          </p:stCondLst>
+                                        </p:cTn>
+                                        <p:tgtEl>
+                                          <p:spTgt spid="3">
+                                            <p:txEl>
+                                              <p:pRg st="1" end="1"/>
+                                            </p:txEl>
+                                          </p:spTgt>
+                                        </p:tgtEl>
+                                        <p:attrNameLst>
+                                          <p:attrName>style.visibility</p:attrName>
+                                        </p:attrNameLst>
+                                      </p:cBhvr>
+                                      <p:to>
+                                        <p:strVal val="visible"/>
+                                      </p:to>
+                                    </p:set>
+                                    <p:animEffect transition="in" filter="fade">
+                                      <p:cBhvr>
+                                        <p:cTn id="12" dur="500"/>
+                                        <p:tgtEl>
+                                          <p:spTgt spid="3">
+                                            <p:txEl>
+                                              <p:pRg st="1" end="1"/>
+                                            </p:txEl>
+                                          </p:spTgt>
+                                        </p:tgtEl>
+                                      </p:cBhvr>
+                                    </p:animEffect>
+                                  </p:childTnLst>
+                                </p:cTn>
+                              </p:par>
+                            </p:childTnLst>
+                          </p:cTn>
+                        </p:par>
+                      </p:childTnLst>
+                    </p:cTn>
+                  </p:par>
+                  <p:par>
+                    <p:cTn id="13" fill="hold">
+                      <p:stCondLst>
+                        <p:cond delay="indefinite"/>
+                      </p:stCondLst>
+                      <p:childTnLst>
+                        <p:par>
+                          <p:cTn id="14" fill="hold">
+                            <p:stCondLst>
+                              <p:cond delay="0"/>
+                            </p:stCondLst>
+                            <p:childTnLst>
+                              <p:par>
+                                <p:cTn id="15" presetID="10" presetClass="entr" presetSubtype="0" fill="hold" grpId="0" nodeType="clickEffect">
+                                  <p:stCondLst>
+                                    <p:cond delay="0"/>
+                                  </p:stCondLst>
+                                  <p:childTnLst>
+                                    <p:set>
+                                      <p:cBhvr>
+                                        <p:cTn id="16" dur="1" fill="hold">
+                                          <p:stCondLst>
+                                            <p:cond delay="0"/>
+                                          </p:stCondLst>
+                                        </p:cTn>
+                                        <p:tgtEl>
+                                          <p:spTgt spid="3">
+                                            <p:txEl>
+                                              <p:pRg st="2" end="2"/>
+                                            </p:txEl>
+                                          </p:spTgt>
+                                        </p:tgtEl>
+                                        <p:attrNameLst>
+                                          <p:attrName>style.visibility</p:attrName>
+                                        </p:attrNameLst>
+                                      </p:cBhvr>
+                                      <p:to>
+                                        <p:strVal val="visible"/>
+                                      </p:to>
+                                    </p:set>
+                                    <p:animEffect transition="in" filter="fade">
+                                      <p:cBhvr>
+                                        <p:cTn id="17" dur="500"/>
+                                        <p:tgtEl>
+                                          <p:spTgt spid="3">
+                                            <p:txEl>
+                                              <p:pRg st="2" end="2"/>
+                                            </p:txEl>
+                                          </p:spTgt>
+                                        </p:tgtEl>
+                                      </p:cBhvr>
+                                    </p:animEffect>
+                                  </p:childTnLst>
+                                </p:cTn>
+                              </p:par>
+                            </p:childTnLst>
+                          </p:cTn>
+                        </p:par>
+                      </p:childTnLst>
+                    </p:cTn>
+                  </p:par>
+                  <p:par>
+                    <p:cTn id="18" fill="hold">
+                      <p:stCondLst>
+                        <p:cond delay="indefinite"/>
+                      </p:stCondLst>
+                      <p:childTnLst>
+                        <p:par>
+                          <p:cTn id="19" fill="hold">
+                            <p:stCondLst>
+                              <p:cond delay="0"/>
+                            </p:stCondLst>
+                            <p:childTnLst>
+                              <p:par>
+                                <p:cTn id="20" presetID="10" presetClass="entr" presetSubtype="0" fill="hold" grpId="0" nodeType="clickEffect">
+                                  <p:stCondLst>
+                                    <p:cond delay="0"/>
+                                  </p:stCondLst>
+                                  <p:childTnLst>
+                                    <p:set>
+                                      <p:cBhvr>
+                                        <p:cTn id="21" dur="1" fill="hold">
+                                          <p:stCondLst>
+                                            <p:cond delay="0"/>
+                                          </p:stCondLst>
+                                        </p:cTn>
+                                        <p:tgtEl>
+                                          <p:spTgt spid="3">
+                                            <p:txEl>
+                                              <p:pRg st="3" end="3"/>
+                                            </p:txEl>
+                                          </p:spTgt>
+                                        </p:tgtEl>
+                                        <p:attrNameLst>
+                                          <p:attrName>style.visibility</p:attrName>
+                                        </p:attrNameLst>
+                                      </p:cBhvr>
+                                      <p:to>
+                                        <p:strVal val="visible"/>
+                                      </p:to>
+                                    </p:set>
+                                    <p:animEffect transition="in" filter="fade">
+                                      <p:cBhvr>
+                                        <p:cTn id="22" dur="500"/>
+                                        <p:tgtEl>
+                                          <p:spTgt spid="3">
+                                            <p:txEl>
+                                              <p:pRg st="3" end="3"/>
+                                            </p:txEl>
+                                          </p:spTgt>
+                                        </p:tgtEl>
+                                      </p:cBhvr>
+                                    </p:animEffect>
+                                  </p:childTnLst>
+                                </p:cTn>
+                              </p:par>
+                            </p:childTnLst>
+                          </p:cTn>
+                        </p:par>
+                      </p:childTnLst>
+                    </p:cTn>
+                  </p:par>
+                  <p:par>
+                    <p:cTn id="23" fill="hold">
+                      <p:stCondLst>
+                        <p:cond delay="indefinite"/>
+                      </p:stCondLst>
+                      <p:childTnLst>
+                        <p:par>
+                          <p:cTn id="24" fill="hold">
+                            <p:stCondLst>
+                              <p:cond delay="0"/>
+                            </p:stCondLst>
+                            <p:childTnLst>
+                              <p:par>
+                                <p:cTn id="25" presetID="10" presetClass="entr" presetSubtype="0" fill="hold" grpId="0" nodeType="clickEffect">
+                                  <p:stCondLst>
+                                    <p:cond delay="0"/>
+                                  </p:stCondLst>
+                                  <p:childTnLst>
+                                    <p:set>
+                                      <p:cBhvr>
+                                        <p:cTn id="26" dur="1" fill="hold">
+                                          <p:stCondLst>
+                                            <p:cond delay="0"/>
+                                          </p:stCondLst>
+                                        </p:cTn>
+                                        <p:tgtEl>
+                                          <p:spTgt spid="3">
+                                            <p:txEl>
+                                              <p:pRg st="4" end="4"/>
+                                            </p:txEl>
+                                          </p:spTgt>
+                                        </p:tgtEl>
+                                        <p:attrNameLst>
+                                          <p:attrName>style.visibility</p:attrName>
+                                        </p:attrNameLst>
+                                      </p:cBhvr>
+                                      <p:to>
+                                        <p:strVal val="visible"/>
+                                      </p:to>
+                                    </p:set>
+                                    <p:animEffect transition="in" filter="fade">
+                                      <p:cBhvr>
+                                        <p:cTn id="27" dur="500"/>
+                                        <p:tgtEl>
+                                          <p:spTgt spid="3">
+                                            <p:txEl>
+                                              <p:pRg st="4" end="4"/>
+                                            </p:txEl>
+                                          </p:spTgt>
+                                        </p:tgtEl>
+                                      </p:cBhvr>
+                                    </p:animEffect>
+                                  </p:childTnLst>
+                                </p:cTn>
+                              </p:par>
+                            </p:childTnLst>
+                          </p:cTn>
+                        </p:par>
+                      </p:childTnLst>
+                    </p:cTn>
+                  </p:par>
+                  <p:par>
+                    <p:cTn id="28" fill="hold">
+                      <p:stCondLst>
+                        <p:cond delay="indefinite"/>
+                      </p:stCondLst>
+                      <p:childTnLst>
+                        <p:par>
+                          <p:cTn id="29" fill="hold">
+                            <p:stCondLst>
+                              <p:cond delay="0"/>
+                            </p:stCondLst>
+                            <p:childTnLst>
+                              <p:par>
+                                <p:cTn id="30" presetID="10" presetClass="entr" presetSubtype="0" fill="hold" grpId="0" nodeType="clickEffect">
+                                  <p:stCondLst>
+                                    <p:cond delay="0"/>
+                                  </p:stCondLst>
+                                  <p:childTnLst>
+                                    <p:set>
+                                      <p:cBhvr>
+                                        <p:cTn id="31" dur="1" fill="hold">
+                                          <p:stCondLst>
+                                            <p:cond delay="0"/>
+                                          </p:stCondLst>
+                                        </p:cTn>
+                                        <p:tgtEl>
+                                          <p:spTgt spid="3">
+                                            <p:txEl>
+                                              <p:pRg st="5" end="5"/>
+                                            </p:txEl>
+                                          </p:spTgt>
+                                        </p:tgtEl>
+                                        <p:attrNameLst>
+                                          <p:attrName>style.visibility</p:attrName>
+                                        </p:attrNameLst>
+                                      </p:cBhvr>
+                                      <p:to>
+                                        <p:strVal val="visible"/>
+                                      </p:to>
+                                    </p:set>
+                                    <p:animEffect transition="in" filter="fade">
+                                      <p:cBhvr>
+                                        <p:cTn id="32" dur="500"/>
+                                        <p:tgtEl>
+                                          <p:spTgt spid="3">
+                                            <p:txEl>
+                                              <p:pRg st="5" end="5"/>
+                                            </p:txEl>
+                                          </p:spTgt>
+                                        </p:tgtEl>
+                                      </p:cBhvr>
+                                    </p:animEffect>
+                                  </p:childTnLst>
+                                </p:cTn>
+                              </p:par>
+                            </p:childTnLst>
+                          </p:cTn>
+                        </p:par>
+                      </p:childTnLst>
+                    </p:cTn>
+                  </p:par>
+                </p:childTnLst>
+              </p:cTn>
+              <p:prevCondLst>
+                <p:cond evt="onPrev" delay="0">
+                  <p:tgtEl>
+                    <p:sldTgt/>
+                  </p:tgtEl>
+                </p:cond>
+              </p:prevCondLst>
+              <p:nextCondLst>
+                <p:cond evt="onNext" delay="0">
+                  <p:tgtEl>
+                    <p:sldTgt/>
+                  </p:tgtEl>
+                </p:cond>
+              </p:nextCondLst>
+            </p:seq>
+          </p:childTnLst>
+        </p:cTn>
+      </p:par>
+    </p:tnLst>
+    <p:bldLst>
+      <p:bldP spid="3" grpId="0" uiExpand="1" build="p"/>
+    </p:bldLst>
+  </p:timing>
 </p:sld>
 </file>
 
-<file path=ppt/slides/slide35.xml><?xml version="1.0" encoding="utf-8"?>
+<file path=ppt/slides/slide34.xml><?xml version="1.0" encoding="utf-8"?>
 <p:sld xmlns:a="http://schemas.openxmlformats.org/drawingml/2006/main" xmlns:r="http://schemas.openxmlformats.org/officeDocument/2006/relationships" xmlns:p="http://schemas.openxmlformats.org/presentationml/2006/main">
   <p:cSld>
     <p:spTree>
@@ -16913,6 +18344,21 @@
             </a:r>
           </a:p>
           <a:p>
+            <a:pPr lvl="2"/>
+            <a:r>
+              <a:rPr lang="en-GB" dirty="0"/>
+              <a:t>“The treatment didn’t </a:t>
+            </a:r>
+            <a:r>
+              <a:rPr lang="en-GB" i="1" dirty="0"/>
+              <a:t>not</a:t>
+            </a:r>
+            <a:r>
+              <a:rPr lang="en-GB" dirty="0"/>
+              <a:t> do something”</a:t>
+            </a:r>
+          </a:p>
+          <a:p>
             <a:pPr lvl="1"/>
             <a:r>
               <a:rPr lang="en-GB" dirty="0"/>
@@ -16929,43 +18375,45 @@
             <a:pPr lvl="1"/>
             <a:r>
               <a:rPr lang="en-GB" dirty="0"/>
-              <a:t>You can get trivially small Estimates that are significant</a:t>
-            </a:r>
-          </a:p>
-          <a:p>
-            <a:pPr lvl="1"/>
-            <a:r>
-              <a:rPr lang="en-GB" dirty="0"/>
-              <a:t>E.g. whale tourism decreases juvenile growth by 10 cm</a:t>
+              <a:t>Keep in mind, you can get trivially small Estimates that are significant</a:t>
             </a:r>
           </a:p>
         </p:txBody>
       </p:sp>
-      <p:sp>
-        <p:nvSpPr>
-          <p:cNvPr id="4" name="Picture Placeholder 3">
+      <p:pic>
+        <p:nvPicPr>
+          <p:cNvPr id="6" name="Picture Placeholder 5" descr="A drawing of a duck&#10;&#10;Description automatically generated">
             <a:extLst>
               <a:ext uri="{FF2B5EF4-FFF2-40B4-BE49-F238E27FC236}">
-                <a16:creationId xmlns:a16="http://schemas.microsoft.com/office/drawing/2014/main" id="{9717EB50-EA32-E53D-2157-D9977FA2F343}"/>
+                <a16:creationId xmlns:a16="http://schemas.microsoft.com/office/drawing/2014/main" id="{5C8830D7-C95B-4D5A-17BC-765BF2D6AB48}"/>
               </a:ext>
             </a:extLst>
           </p:cNvPr>
-          <p:cNvSpPr>
-            <a:spLocks noGrp="1"/>
-          </p:cNvSpPr>
+          <p:cNvPicPr>
+            <a:picLocks noGrp="1" noChangeAspect="1"/>
+          </p:cNvPicPr>
           <p:nvPr>
             <p:ph type="pic" sz="quarter" idx="10"/>
           </p:nvPr>
-        </p:nvSpPr>
-        <p:spPr/>
-        <p:txBody>
-          <a:bodyPr/>
-          <a:lstStyle/>
-          <a:p>
-            <a:endParaRPr lang="en-GB"/>
-          </a:p>
-        </p:txBody>
-      </p:sp>
+        </p:nvPicPr>
+        <p:blipFill rotWithShape="1">
+          <a:blip r:embed="rId2">
+            <a:extLst>
+              <a:ext uri="{28A0092B-C50C-407E-A947-70E740481C1C}">
+                <a14:useLocalDpi xmlns:a14="http://schemas.microsoft.com/office/drawing/2010/main" val="0"/>
+              </a:ext>
+            </a:extLst>
+          </a:blip>
+          <a:srcRect l="14396" t="-18105" r="17968" b="-14532"/>
+          <a:stretch/>
+        </p:blipFill>
+        <p:spPr>
+          <a:xfrm>
+            <a:off x="6359525" y="0"/>
+            <a:ext cx="5832475" cy="6858000"/>
+          </a:xfrm>
+        </p:spPr>
+      </p:pic>
     </p:spTree>
     <p:extLst>
       <p:ext uri="{BB962C8B-B14F-4D97-AF65-F5344CB8AC3E}">
@@ -16976,244 +18424,531 @@
   <p:clrMapOvr>
     <a:masterClrMapping/>
   </p:clrMapOvr>
+  <p:timing>
+    <p:tnLst>
+      <p:par>
+        <p:cTn id="1" dur="indefinite" restart="never" nodeType="tmRoot">
+          <p:childTnLst>
+            <p:seq concurrent="1" nextAc="seek">
+              <p:cTn id="2" dur="indefinite" nodeType="mainSeq">
+                <p:childTnLst>
+                  <p:par>
+                    <p:cTn id="3" fill="hold">
+                      <p:stCondLst>
+                        <p:cond delay="indefinite"/>
+                      </p:stCondLst>
+                      <p:childTnLst>
+                        <p:par>
+                          <p:cTn id="4" fill="hold">
+                            <p:stCondLst>
+                              <p:cond delay="0"/>
+                            </p:stCondLst>
+                            <p:childTnLst>
+                              <p:par>
+                                <p:cTn id="5" presetID="10" presetClass="entr" presetSubtype="0" fill="hold" grpId="0" nodeType="clickEffect">
+                                  <p:stCondLst>
+                                    <p:cond delay="0"/>
+                                  </p:stCondLst>
+                                  <p:childTnLst>
+                                    <p:set>
+                                      <p:cBhvr>
+                                        <p:cTn id="6" dur="1" fill="hold">
+                                          <p:stCondLst>
+                                            <p:cond delay="0"/>
+                                          </p:stCondLst>
+                                        </p:cTn>
+                                        <p:tgtEl>
+                                          <p:spTgt spid="3">
+                                            <p:txEl>
+                                              <p:pRg st="0" end="0"/>
+                                            </p:txEl>
+                                          </p:spTgt>
+                                        </p:tgtEl>
+                                        <p:attrNameLst>
+                                          <p:attrName>style.visibility</p:attrName>
+                                        </p:attrNameLst>
+                                      </p:cBhvr>
+                                      <p:to>
+                                        <p:strVal val="visible"/>
+                                      </p:to>
+                                    </p:set>
+                                    <p:animEffect transition="in" filter="fade">
+                                      <p:cBhvr>
+                                        <p:cTn id="7" dur="500"/>
+                                        <p:tgtEl>
+                                          <p:spTgt spid="3">
+                                            <p:txEl>
+                                              <p:pRg st="0" end="0"/>
+                                            </p:txEl>
+                                          </p:spTgt>
+                                        </p:tgtEl>
+                                      </p:cBhvr>
+                                    </p:animEffect>
+                                  </p:childTnLst>
+                                </p:cTn>
+                              </p:par>
+                            </p:childTnLst>
+                          </p:cTn>
+                        </p:par>
+                      </p:childTnLst>
+                    </p:cTn>
+                  </p:par>
+                  <p:par>
+                    <p:cTn id="8" fill="hold">
+                      <p:stCondLst>
+                        <p:cond delay="indefinite"/>
+                      </p:stCondLst>
+                      <p:childTnLst>
+                        <p:par>
+                          <p:cTn id="9" fill="hold">
+                            <p:stCondLst>
+                              <p:cond delay="0"/>
+                            </p:stCondLst>
+                            <p:childTnLst>
+                              <p:par>
+                                <p:cTn id="10" presetID="10" presetClass="entr" presetSubtype="0" fill="hold" grpId="0" nodeType="clickEffect">
+                                  <p:stCondLst>
+                                    <p:cond delay="0"/>
+                                  </p:stCondLst>
+                                  <p:childTnLst>
+                                    <p:set>
+                                      <p:cBhvr>
+                                        <p:cTn id="11" dur="1" fill="hold">
+                                          <p:stCondLst>
+                                            <p:cond delay="0"/>
+                                          </p:stCondLst>
+                                        </p:cTn>
+                                        <p:tgtEl>
+                                          <p:spTgt spid="3">
+                                            <p:txEl>
+                                              <p:pRg st="1" end="1"/>
+                                            </p:txEl>
+                                          </p:spTgt>
+                                        </p:tgtEl>
+                                        <p:attrNameLst>
+                                          <p:attrName>style.visibility</p:attrName>
+                                        </p:attrNameLst>
+                                      </p:cBhvr>
+                                      <p:to>
+                                        <p:strVal val="visible"/>
+                                      </p:to>
+                                    </p:set>
+                                    <p:animEffect transition="in" filter="fade">
+                                      <p:cBhvr>
+                                        <p:cTn id="12" dur="500"/>
+                                        <p:tgtEl>
+                                          <p:spTgt spid="3">
+                                            <p:txEl>
+                                              <p:pRg st="1" end="1"/>
+                                            </p:txEl>
+                                          </p:spTgt>
+                                        </p:tgtEl>
+                                      </p:cBhvr>
+                                    </p:animEffect>
+                                  </p:childTnLst>
+                                </p:cTn>
+                              </p:par>
+                            </p:childTnLst>
+                          </p:cTn>
+                        </p:par>
+                      </p:childTnLst>
+                    </p:cTn>
+                  </p:par>
+                  <p:par>
+                    <p:cTn id="13" fill="hold">
+                      <p:stCondLst>
+                        <p:cond delay="indefinite"/>
+                      </p:stCondLst>
+                      <p:childTnLst>
+                        <p:par>
+                          <p:cTn id="14" fill="hold">
+                            <p:stCondLst>
+                              <p:cond delay="0"/>
+                            </p:stCondLst>
+                            <p:childTnLst>
+                              <p:par>
+                                <p:cTn id="15" presetID="10" presetClass="entr" presetSubtype="0" fill="hold" grpId="0" nodeType="clickEffect">
+                                  <p:stCondLst>
+                                    <p:cond delay="0"/>
+                                  </p:stCondLst>
+                                  <p:childTnLst>
+                                    <p:set>
+                                      <p:cBhvr>
+                                        <p:cTn id="16" dur="1" fill="hold">
+                                          <p:stCondLst>
+                                            <p:cond delay="0"/>
+                                          </p:stCondLst>
+                                        </p:cTn>
+                                        <p:tgtEl>
+                                          <p:spTgt spid="3">
+                                            <p:txEl>
+                                              <p:pRg st="2" end="2"/>
+                                            </p:txEl>
+                                          </p:spTgt>
+                                        </p:tgtEl>
+                                        <p:attrNameLst>
+                                          <p:attrName>style.visibility</p:attrName>
+                                        </p:attrNameLst>
+                                      </p:cBhvr>
+                                      <p:to>
+                                        <p:strVal val="visible"/>
+                                      </p:to>
+                                    </p:set>
+                                    <p:animEffect transition="in" filter="fade">
+                                      <p:cBhvr>
+                                        <p:cTn id="17" dur="500"/>
+                                        <p:tgtEl>
+                                          <p:spTgt spid="3">
+                                            <p:txEl>
+                                              <p:pRg st="2" end="2"/>
+                                            </p:txEl>
+                                          </p:spTgt>
+                                        </p:tgtEl>
+                                      </p:cBhvr>
+                                    </p:animEffect>
+                                  </p:childTnLst>
+                                </p:cTn>
+                              </p:par>
+                            </p:childTnLst>
+                          </p:cTn>
+                        </p:par>
+                      </p:childTnLst>
+                    </p:cTn>
+                  </p:par>
+                  <p:par>
+                    <p:cTn id="18" fill="hold">
+                      <p:stCondLst>
+                        <p:cond delay="indefinite"/>
+                      </p:stCondLst>
+                      <p:childTnLst>
+                        <p:par>
+                          <p:cTn id="19" fill="hold">
+                            <p:stCondLst>
+                              <p:cond delay="0"/>
+                            </p:stCondLst>
+                            <p:childTnLst>
+                              <p:par>
+                                <p:cTn id="20" presetID="10" presetClass="entr" presetSubtype="0" fill="hold" grpId="0" nodeType="clickEffect">
+                                  <p:stCondLst>
+                                    <p:cond delay="0"/>
+                                  </p:stCondLst>
+                                  <p:childTnLst>
+                                    <p:set>
+                                      <p:cBhvr>
+                                        <p:cTn id="21" dur="1" fill="hold">
+                                          <p:stCondLst>
+                                            <p:cond delay="0"/>
+                                          </p:stCondLst>
+                                        </p:cTn>
+                                        <p:tgtEl>
+                                          <p:spTgt spid="3">
+                                            <p:txEl>
+                                              <p:pRg st="3" end="3"/>
+                                            </p:txEl>
+                                          </p:spTgt>
+                                        </p:tgtEl>
+                                        <p:attrNameLst>
+                                          <p:attrName>style.visibility</p:attrName>
+                                        </p:attrNameLst>
+                                      </p:cBhvr>
+                                      <p:to>
+                                        <p:strVal val="visible"/>
+                                      </p:to>
+                                    </p:set>
+                                    <p:animEffect transition="in" filter="fade">
+                                      <p:cBhvr>
+                                        <p:cTn id="22" dur="500"/>
+                                        <p:tgtEl>
+                                          <p:spTgt spid="3">
+                                            <p:txEl>
+                                              <p:pRg st="3" end="3"/>
+                                            </p:txEl>
+                                          </p:spTgt>
+                                        </p:tgtEl>
+                                      </p:cBhvr>
+                                    </p:animEffect>
+                                  </p:childTnLst>
+                                </p:cTn>
+                              </p:par>
+                            </p:childTnLst>
+                          </p:cTn>
+                        </p:par>
+                      </p:childTnLst>
+                    </p:cTn>
+                  </p:par>
+                  <p:par>
+                    <p:cTn id="23" fill="hold">
+                      <p:stCondLst>
+                        <p:cond delay="indefinite"/>
+                      </p:stCondLst>
+                      <p:childTnLst>
+                        <p:par>
+                          <p:cTn id="24" fill="hold">
+                            <p:stCondLst>
+                              <p:cond delay="0"/>
+                            </p:stCondLst>
+                            <p:childTnLst>
+                              <p:par>
+                                <p:cTn id="25" presetID="10" presetClass="entr" presetSubtype="0" fill="hold" grpId="0" nodeType="clickEffect">
+                                  <p:stCondLst>
+                                    <p:cond delay="0"/>
+                                  </p:stCondLst>
+                                  <p:childTnLst>
+                                    <p:set>
+                                      <p:cBhvr>
+                                        <p:cTn id="26" dur="1" fill="hold">
+                                          <p:stCondLst>
+                                            <p:cond delay="0"/>
+                                          </p:stCondLst>
+                                        </p:cTn>
+                                        <p:tgtEl>
+                                          <p:spTgt spid="3">
+                                            <p:txEl>
+                                              <p:pRg st="4" end="4"/>
+                                            </p:txEl>
+                                          </p:spTgt>
+                                        </p:tgtEl>
+                                        <p:attrNameLst>
+                                          <p:attrName>style.visibility</p:attrName>
+                                        </p:attrNameLst>
+                                      </p:cBhvr>
+                                      <p:to>
+                                        <p:strVal val="visible"/>
+                                      </p:to>
+                                    </p:set>
+                                    <p:animEffect transition="in" filter="fade">
+                                      <p:cBhvr>
+                                        <p:cTn id="27" dur="500"/>
+                                        <p:tgtEl>
+                                          <p:spTgt spid="3">
+                                            <p:txEl>
+                                              <p:pRg st="4" end="4"/>
+                                            </p:txEl>
+                                          </p:spTgt>
+                                        </p:tgtEl>
+                                      </p:cBhvr>
+                                    </p:animEffect>
+                                  </p:childTnLst>
+                                </p:cTn>
+                              </p:par>
+                            </p:childTnLst>
+                          </p:cTn>
+                        </p:par>
+                      </p:childTnLst>
+                    </p:cTn>
+                  </p:par>
+                  <p:par>
+                    <p:cTn id="28" fill="hold">
+                      <p:stCondLst>
+                        <p:cond delay="indefinite"/>
+                      </p:stCondLst>
+                      <p:childTnLst>
+                        <p:par>
+                          <p:cTn id="29" fill="hold">
+                            <p:stCondLst>
+                              <p:cond delay="0"/>
+                            </p:stCondLst>
+                            <p:childTnLst>
+                              <p:par>
+                                <p:cTn id="30" presetID="10" presetClass="entr" presetSubtype="0" fill="hold" grpId="0" nodeType="clickEffect">
+                                  <p:stCondLst>
+                                    <p:cond delay="0"/>
+                                  </p:stCondLst>
+                                  <p:childTnLst>
+                                    <p:set>
+                                      <p:cBhvr>
+                                        <p:cTn id="31" dur="1" fill="hold">
+                                          <p:stCondLst>
+                                            <p:cond delay="0"/>
+                                          </p:stCondLst>
+                                        </p:cTn>
+                                        <p:tgtEl>
+                                          <p:spTgt spid="3">
+                                            <p:txEl>
+                                              <p:pRg st="5" end="5"/>
+                                            </p:txEl>
+                                          </p:spTgt>
+                                        </p:tgtEl>
+                                        <p:attrNameLst>
+                                          <p:attrName>style.visibility</p:attrName>
+                                        </p:attrNameLst>
+                                      </p:cBhvr>
+                                      <p:to>
+                                        <p:strVal val="visible"/>
+                                      </p:to>
+                                    </p:set>
+                                    <p:animEffect transition="in" filter="fade">
+                                      <p:cBhvr>
+                                        <p:cTn id="32" dur="500"/>
+                                        <p:tgtEl>
+                                          <p:spTgt spid="3">
+                                            <p:txEl>
+                                              <p:pRg st="5" end="5"/>
+                                            </p:txEl>
+                                          </p:spTgt>
+                                        </p:tgtEl>
+                                      </p:cBhvr>
+                                    </p:animEffect>
+                                  </p:childTnLst>
+                                </p:cTn>
+                              </p:par>
+                            </p:childTnLst>
+                          </p:cTn>
+                        </p:par>
+                      </p:childTnLst>
+                    </p:cTn>
+                  </p:par>
+                  <p:par>
+                    <p:cTn id="33" fill="hold">
+                      <p:stCondLst>
+                        <p:cond delay="indefinite"/>
+                      </p:stCondLst>
+                      <p:childTnLst>
+                        <p:par>
+                          <p:cTn id="34" fill="hold">
+                            <p:stCondLst>
+                              <p:cond delay="0"/>
+                            </p:stCondLst>
+                            <p:childTnLst>
+                              <p:par>
+                                <p:cTn id="35" presetID="10" presetClass="entr" presetSubtype="0" fill="hold" grpId="0" nodeType="clickEffect">
+                                  <p:stCondLst>
+                                    <p:cond delay="0"/>
+                                  </p:stCondLst>
+                                  <p:childTnLst>
+                                    <p:set>
+                                      <p:cBhvr>
+                                        <p:cTn id="36" dur="1" fill="hold">
+                                          <p:stCondLst>
+                                            <p:cond delay="0"/>
+                                          </p:stCondLst>
+                                        </p:cTn>
+                                        <p:tgtEl>
+                                          <p:spTgt spid="3">
+                                            <p:txEl>
+                                              <p:pRg st="6" end="6"/>
+                                            </p:txEl>
+                                          </p:spTgt>
+                                        </p:tgtEl>
+                                        <p:attrNameLst>
+                                          <p:attrName>style.visibility</p:attrName>
+                                        </p:attrNameLst>
+                                      </p:cBhvr>
+                                      <p:to>
+                                        <p:strVal val="visible"/>
+                                      </p:to>
+                                    </p:set>
+                                    <p:animEffect transition="in" filter="fade">
+                                      <p:cBhvr>
+                                        <p:cTn id="37" dur="500"/>
+                                        <p:tgtEl>
+                                          <p:spTgt spid="3">
+                                            <p:txEl>
+                                              <p:pRg st="6" end="6"/>
+                                            </p:txEl>
+                                          </p:spTgt>
+                                        </p:tgtEl>
+                                      </p:cBhvr>
+                                    </p:animEffect>
+                                  </p:childTnLst>
+                                </p:cTn>
+                              </p:par>
+                            </p:childTnLst>
+                          </p:cTn>
+                        </p:par>
+                      </p:childTnLst>
+                    </p:cTn>
+                  </p:par>
+                  <p:par>
+                    <p:cTn id="38" fill="hold">
+                      <p:stCondLst>
+                        <p:cond delay="indefinite"/>
+                      </p:stCondLst>
+                      <p:childTnLst>
+                        <p:par>
+                          <p:cTn id="39" fill="hold">
+                            <p:stCondLst>
+                              <p:cond delay="0"/>
+                            </p:stCondLst>
+                            <p:childTnLst>
+                              <p:par>
+                                <p:cTn id="40" presetID="10" presetClass="entr" presetSubtype="0" fill="hold" grpId="0" nodeType="clickEffect">
+                                  <p:stCondLst>
+                                    <p:cond delay="0"/>
+                                  </p:stCondLst>
+                                  <p:childTnLst>
+                                    <p:set>
+                                      <p:cBhvr>
+                                        <p:cTn id="41" dur="1" fill="hold">
+                                          <p:stCondLst>
+                                            <p:cond delay="0"/>
+                                          </p:stCondLst>
+                                        </p:cTn>
+                                        <p:tgtEl>
+                                          <p:spTgt spid="3">
+                                            <p:txEl>
+                                              <p:pRg st="7" end="7"/>
+                                            </p:txEl>
+                                          </p:spTgt>
+                                        </p:tgtEl>
+                                        <p:attrNameLst>
+                                          <p:attrName>style.visibility</p:attrName>
+                                        </p:attrNameLst>
+                                      </p:cBhvr>
+                                      <p:to>
+                                        <p:strVal val="visible"/>
+                                      </p:to>
+                                    </p:set>
+                                    <p:animEffect transition="in" filter="fade">
+                                      <p:cBhvr>
+                                        <p:cTn id="42" dur="500"/>
+                                        <p:tgtEl>
+                                          <p:spTgt spid="3">
+                                            <p:txEl>
+                                              <p:pRg st="7" end="7"/>
+                                            </p:txEl>
+                                          </p:spTgt>
+                                        </p:tgtEl>
+                                      </p:cBhvr>
+                                    </p:animEffect>
+                                  </p:childTnLst>
+                                </p:cTn>
+                              </p:par>
+                            </p:childTnLst>
+                          </p:cTn>
+                        </p:par>
+                      </p:childTnLst>
+                    </p:cTn>
+                  </p:par>
+                </p:childTnLst>
+              </p:cTn>
+              <p:prevCondLst>
+                <p:cond evt="onPrev" delay="0">
+                  <p:tgtEl>
+                    <p:sldTgt/>
+                  </p:tgtEl>
+                </p:cond>
+              </p:prevCondLst>
+              <p:nextCondLst>
+                <p:cond evt="onNext" delay="0">
+                  <p:tgtEl>
+                    <p:sldTgt/>
+                  </p:tgtEl>
+                </p:cond>
+              </p:nextCondLst>
+            </p:seq>
+          </p:childTnLst>
+        </p:cTn>
+      </p:par>
+    </p:tnLst>
+    <p:bldLst>
+      <p:bldP spid="3" grpId="0" uiExpand="1" build="p"/>
+    </p:bldLst>
+  </p:timing>
 </p:sld>
 </file>
 
-<file path=ppt/slides/slide36.xml><?xml version="1.0" encoding="utf-8"?>
-<p:sld xmlns:a="http://schemas.openxmlformats.org/drawingml/2006/main" xmlns:r="http://schemas.openxmlformats.org/officeDocument/2006/relationships" xmlns:p="http://schemas.openxmlformats.org/presentationml/2006/main">
-  <p:cSld>
-    <p:spTree>
-      <p:nvGrpSpPr>
-        <p:cNvPr id="1" name=""/>
-        <p:cNvGrpSpPr/>
-        <p:nvPr/>
-      </p:nvGrpSpPr>
-      <p:grpSpPr>
-        <a:xfrm>
-          <a:off x="0" y="0"/>
-          <a:ext cx="0" cy="0"/>
-          <a:chOff x="0" y="0"/>
-          <a:chExt cx="0" cy="0"/>
-        </a:xfrm>
-      </p:grpSpPr>
-      <p:sp>
-        <p:nvSpPr>
-          <p:cNvPr id="2" name="Title 1">
-            <a:extLst>
-              <a:ext uri="{FF2B5EF4-FFF2-40B4-BE49-F238E27FC236}">
-                <a16:creationId xmlns:a16="http://schemas.microsoft.com/office/drawing/2014/main" id="{4342F114-CC91-F42B-A4DE-2F6F542B3DF7}"/>
-              </a:ext>
-            </a:extLst>
-          </p:cNvPr>
-          <p:cNvSpPr>
-            <a:spLocks noGrp="1"/>
-          </p:cNvSpPr>
-          <p:nvPr>
-            <p:ph type="title"/>
-          </p:nvPr>
-        </p:nvSpPr>
-        <p:spPr/>
-        <p:txBody>
-          <a:bodyPr/>
-          <a:lstStyle/>
-          <a:p>
-            <a:r>
-              <a:rPr lang="en-GB" dirty="0"/>
-              <a:t>Sensitive to sample size</a:t>
-            </a:r>
-          </a:p>
-        </p:txBody>
-      </p:sp>
-      <p:sp>
-        <p:nvSpPr>
-          <p:cNvPr id="3" name="Content Placeholder 2">
-            <a:extLst>
-              <a:ext uri="{FF2B5EF4-FFF2-40B4-BE49-F238E27FC236}">
-                <a16:creationId xmlns:a16="http://schemas.microsoft.com/office/drawing/2014/main" id="{2D3B6E34-73D5-C6A6-D624-899C6C5F5054}"/>
-              </a:ext>
-            </a:extLst>
-          </p:cNvPr>
-          <p:cNvSpPr>
-            <a:spLocks noGrp="1"/>
-          </p:cNvSpPr>
-          <p:nvPr>
-            <p:ph idx="1"/>
-          </p:nvPr>
-        </p:nvSpPr>
-        <p:spPr/>
-        <p:txBody>
-          <a:bodyPr/>
-          <a:lstStyle/>
-          <a:p>
-            <a:r>
-              <a:rPr lang="en-GB" dirty="0"/>
-              <a:t>The bigger your sample size, the more likely you are to have a significant difference</a:t>
-            </a:r>
-          </a:p>
-        </p:txBody>
-      </p:sp>
-      <p:sp>
-        <p:nvSpPr>
-          <p:cNvPr id="4" name="Picture Placeholder 3">
-            <a:extLst>
-              <a:ext uri="{FF2B5EF4-FFF2-40B4-BE49-F238E27FC236}">
-                <a16:creationId xmlns:a16="http://schemas.microsoft.com/office/drawing/2014/main" id="{CE011D18-BA13-2BC1-30FE-5C4C6BC711F3}"/>
-              </a:ext>
-            </a:extLst>
-          </p:cNvPr>
-          <p:cNvSpPr>
-            <a:spLocks noGrp="1"/>
-          </p:cNvSpPr>
-          <p:nvPr>
-            <p:ph type="pic" sz="quarter" idx="10"/>
-          </p:nvPr>
-        </p:nvSpPr>
-        <p:spPr/>
-        <p:txBody>
-          <a:bodyPr/>
-          <a:lstStyle/>
-          <a:p>
-            <a:endParaRPr lang="en-GB"/>
-          </a:p>
-        </p:txBody>
-      </p:sp>
-    </p:spTree>
-    <p:extLst>
-      <p:ext uri="{BB962C8B-B14F-4D97-AF65-F5344CB8AC3E}">
-        <p14:creationId xmlns:p14="http://schemas.microsoft.com/office/powerpoint/2010/main" val="1812505173"/>
-      </p:ext>
-    </p:extLst>
-  </p:cSld>
-  <p:clrMapOvr>
-    <a:masterClrMapping/>
-  </p:clrMapOvr>
-</p:sld>
-</file>
-
-<file path=ppt/slides/slide37.xml><?xml version="1.0" encoding="utf-8"?>
-<p:sld xmlns:a="http://schemas.openxmlformats.org/drawingml/2006/main" xmlns:r="http://schemas.openxmlformats.org/officeDocument/2006/relationships" xmlns:p="http://schemas.openxmlformats.org/presentationml/2006/main">
-  <p:cSld>
-    <p:spTree>
-      <p:nvGrpSpPr>
-        <p:cNvPr id="1" name=""/>
-        <p:cNvGrpSpPr/>
-        <p:nvPr/>
-      </p:nvGrpSpPr>
-      <p:grpSpPr>
-        <a:xfrm>
-          <a:off x="0" y="0"/>
-          <a:ext cx="0" cy="0"/>
-          <a:chOff x="0" y="0"/>
-          <a:chExt cx="0" cy="0"/>
-        </a:xfrm>
-      </p:grpSpPr>
-      <p:sp>
-        <p:nvSpPr>
-          <p:cNvPr id="2" name="Title 1">
-            <a:extLst>
-              <a:ext uri="{FF2B5EF4-FFF2-40B4-BE49-F238E27FC236}">
-                <a16:creationId xmlns:a16="http://schemas.microsoft.com/office/drawing/2014/main" id="{4342F114-CC91-F42B-A4DE-2F6F542B3DF7}"/>
-              </a:ext>
-            </a:extLst>
-          </p:cNvPr>
-          <p:cNvSpPr>
-            <a:spLocks noGrp="1"/>
-          </p:cNvSpPr>
-          <p:nvPr>
-            <p:ph type="title"/>
-          </p:nvPr>
-        </p:nvSpPr>
-        <p:spPr/>
-        <p:txBody>
-          <a:bodyPr/>
-          <a:lstStyle/>
-          <a:p>
-            <a:r>
-              <a:rPr lang="en-GB" dirty="0"/>
-              <a:t>Significant does not mean effect</a:t>
-            </a:r>
-          </a:p>
-        </p:txBody>
-      </p:sp>
-      <p:sp>
-        <p:nvSpPr>
-          <p:cNvPr id="3" name="Content Placeholder 2">
-            <a:extLst>
-              <a:ext uri="{FF2B5EF4-FFF2-40B4-BE49-F238E27FC236}">
-                <a16:creationId xmlns:a16="http://schemas.microsoft.com/office/drawing/2014/main" id="{2D3B6E34-73D5-C6A6-D624-899C6C5F5054}"/>
-              </a:ext>
-            </a:extLst>
-          </p:cNvPr>
-          <p:cNvSpPr>
-            <a:spLocks noGrp="1"/>
-          </p:cNvSpPr>
-          <p:nvPr>
-            <p:ph idx="1"/>
-          </p:nvPr>
-        </p:nvSpPr>
-        <p:spPr/>
-        <p:txBody>
-          <a:bodyPr/>
-          <a:lstStyle/>
-          <a:p>
-            <a:r>
-              <a:rPr lang="en-GB" dirty="0"/>
-              <a:t>Just because a parameter is significant, does not mean there is an effect</a:t>
-            </a:r>
-          </a:p>
-          <a:p>
-            <a:r>
-              <a:rPr lang="en-GB" dirty="0"/>
-              <a:t>The relationship might be a confound</a:t>
-            </a:r>
-          </a:p>
-          <a:p>
-            <a:r>
-              <a:rPr lang="en-GB" dirty="0"/>
-              <a:t>Or just pure chance</a:t>
-            </a:r>
-          </a:p>
-        </p:txBody>
-      </p:sp>
-      <p:sp>
-        <p:nvSpPr>
-          <p:cNvPr id="4" name="Picture Placeholder 3">
-            <a:extLst>
-              <a:ext uri="{FF2B5EF4-FFF2-40B4-BE49-F238E27FC236}">
-                <a16:creationId xmlns:a16="http://schemas.microsoft.com/office/drawing/2014/main" id="{CE011D18-BA13-2BC1-30FE-5C4C6BC711F3}"/>
-              </a:ext>
-            </a:extLst>
-          </p:cNvPr>
-          <p:cNvSpPr>
-            <a:spLocks noGrp="1"/>
-          </p:cNvSpPr>
-          <p:nvPr>
-            <p:ph type="pic" sz="quarter" idx="10"/>
-          </p:nvPr>
-        </p:nvSpPr>
-        <p:spPr/>
-        <p:txBody>
-          <a:bodyPr/>
-          <a:lstStyle/>
-          <a:p>
-            <a:endParaRPr lang="en-GB"/>
-          </a:p>
-        </p:txBody>
-      </p:sp>
-    </p:spTree>
-    <p:extLst>
-      <p:ext uri="{BB962C8B-B14F-4D97-AF65-F5344CB8AC3E}">
-        <p14:creationId xmlns:p14="http://schemas.microsoft.com/office/powerpoint/2010/main" val="685561036"/>
-      </p:ext>
-    </p:extLst>
-  </p:cSld>
-  <p:clrMapOvr>
-    <a:masterClrMapping/>
-  </p:clrMapOvr>
-</p:sld>
-</file>
-
-<file path=ppt/slides/slide38.xml><?xml version="1.0" encoding="utf-8"?>
+<file path=ppt/slides/slide35.xml><?xml version="1.0" encoding="utf-8"?>
 <p:sld xmlns:a="http://schemas.openxmlformats.org/drawingml/2006/main" xmlns:r="http://schemas.openxmlformats.org/officeDocument/2006/relationships" xmlns:p="http://schemas.openxmlformats.org/presentationml/2006/main">
   <p:cSld>
     <p:spTree>
@@ -17740,7 +19475,419 @@
 </p:sld>
 </file>
 
-<file path=ppt/slides/slide39.xml><?xml version="1.0" encoding="utf-8"?>
+<file path=ppt/slides/slide36.xml><?xml version="1.0" encoding="utf-8"?>
+<p:sld xmlns:a="http://schemas.openxmlformats.org/drawingml/2006/main" xmlns:r="http://schemas.openxmlformats.org/officeDocument/2006/relationships" xmlns:p="http://schemas.openxmlformats.org/presentationml/2006/main">
+  <p:cSld>
+    <p:spTree>
+      <p:nvGrpSpPr>
+        <p:cNvPr id="1" name=""/>
+        <p:cNvGrpSpPr/>
+        <p:nvPr/>
+      </p:nvGrpSpPr>
+      <p:grpSpPr>
+        <a:xfrm>
+          <a:off x="0" y="0"/>
+          <a:ext cx="0" cy="0"/>
+          <a:chOff x="0" y="0"/>
+          <a:chExt cx="0" cy="0"/>
+        </a:xfrm>
+      </p:grpSpPr>
+      <p:sp>
+        <p:nvSpPr>
+          <p:cNvPr id="2" name="Title 1">
+            <a:extLst>
+              <a:ext uri="{FF2B5EF4-FFF2-40B4-BE49-F238E27FC236}">
+                <a16:creationId xmlns:a16="http://schemas.microsoft.com/office/drawing/2014/main" id="{4342F114-CC91-F42B-A4DE-2F6F542B3DF7}"/>
+              </a:ext>
+            </a:extLst>
+          </p:cNvPr>
+          <p:cNvSpPr>
+            <a:spLocks noGrp="1"/>
+          </p:cNvSpPr>
+          <p:nvPr>
+            <p:ph type="title"/>
+          </p:nvPr>
+        </p:nvSpPr>
+        <p:spPr/>
+        <p:txBody>
+          <a:bodyPr/>
+          <a:lstStyle/>
+          <a:p>
+            <a:r>
+              <a:rPr lang="en-GB" dirty="0"/>
+              <a:t>Additional oddities</a:t>
+            </a:r>
+          </a:p>
+        </p:txBody>
+      </p:sp>
+      <p:sp>
+        <p:nvSpPr>
+          <p:cNvPr id="3" name="Content Placeholder 2">
+            <a:extLst>
+              <a:ext uri="{FF2B5EF4-FFF2-40B4-BE49-F238E27FC236}">
+                <a16:creationId xmlns:a16="http://schemas.microsoft.com/office/drawing/2014/main" id="{2D3B6E34-73D5-C6A6-D624-899C6C5F5054}"/>
+              </a:ext>
+            </a:extLst>
+          </p:cNvPr>
+          <p:cNvSpPr>
+            <a:spLocks noGrp="1"/>
+          </p:cNvSpPr>
+          <p:nvPr>
+            <p:ph idx="1"/>
+          </p:nvPr>
+        </p:nvSpPr>
+        <p:spPr/>
+        <p:txBody>
+          <a:bodyPr/>
+          <a:lstStyle/>
+          <a:p>
+            <a:r>
+              <a:rPr lang="en-GB" dirty="0"/>
+              <a:t>The bigger your sample size, the more likely you are to have a significant difference</a:t>
+            </a:r>
+          </a:p>
+          <a:p>
+            <a:r>
+              <a:rPr lang="en-GB" dirty="0"/>
+              <a:t>You can get “false positives” (type 1 error) – significant P-values when there is no difference</a:t>
+            </a:r>
+          </a:p>
+          <a:p>
+            <a:r>
+              <a:rPr lang="en-GB" dirty="0"/>
+              <a:t>Doing multiple tests increases the chance of getting false positives (and negatives)</a:t>
+            </a:r>
+          </a:p>
+          <a:p>
+            <a:r>
+              <a:rPr lang="en-GB" dirty="0"/>
+              <a:t>P-values are highly sensitive to confounded relationships</a:t>
+            </a:r>
+          </a:p>
+        </p:txBody>
+      </p:sp>
+      <p:pic>
+        <p:nvPicPr>
+          <p:cNvPr id="6" name="Picture Placeholder 5" descr="A furry animal with orange eyes&#10;&#10;Description automatically generated">
+            <a:extLst>
+              <a:ext uri="{FF2B5EF4-FFF2-40B4-BE49-F238E27FC236}">
+                <a16:creationId xmlns:a16="http://schemas.microsoft.com/office/drawing/2014/main" id="{09AA78E9-F439-E155-81FD-AD83AA0E5EEE}"/>
+              </a:ext>
+            </a:extLst>
+          </p:cNvPr>
+          <p:cNvPicPr>
+            <a:picLocks noGrp="1" noChangeAspect="1"/>
+          </p:cNvPicPr>
+          <p:nvPr>
+            <p:ph type="pic" sz="quarter" idx="10"/>
+          </p:nvPr>
+        </p:nvPicPr>
+        <p:blipFill>
+          <a:blip r:embed="rId2">
+            <a:extLst>
+              <a:ext uri="{28A0092B-C50C-407E-A947-70E740481C1C}">
+                <a14:useLocalDpi xmlns:a14="http://schemas.microsoft.com/office/drawing/2010/main" val="0"/>
+              </a:ext>
+            </a:extLst>
+          </a:blip>
+          <a:srcRect l="19631" r="19631"/>
+          <a:stretch>
+            <a:fillRect/>
+          </a:stretch>
+        </p:blipFill>
+        <p:spPr/>
+      </p:pic>
+    </p:spTree>
+    <p:extLst>
+      <p:ext uri="{BB962C8B-B14F-4D97-AF65-F5344CB8AC3E}">
+        <p14:creationId xmlns:p14="http://schemas.microsoft.com/office/powerpoint/2010/main" val="1812505173"/>
+      </p:ext>
+    </p:extLst>
+  </p:cSld>
+  <p:clrMapOvr>
+    <a:masterClrMapping/>
+  </p:clrMapOvr>
+  <p:timing>
+    <p:tnLst>
+      <p:par>
+        <p:cTn id="1" dur="indefinite" restart="never" nodeType="tmRoot">
+          <p:childTnLst>
+            <p:seq concurrent="1" nextAc="seek">
+              <p:cTn id="2" dur="indefinite" nodeType="mainSeq">
+                <p:childTnLst>
+                  <p:par>
+                    <p:cTn id="3" fill="hold">
+                      <p:stCondLst>
+                        <p:cond delay="indefinite"/>
+                      </p:stCondLst>
+                      <p:childTnLst>
+                        <p:par>
+                          <p:cTn id="4" fill="hold">
+                            <p:stCondLst>
+                              <p:cond delay="0"/>
+                            </p:stCondLst>
+                            <p:childTnLst>
+                              <p:par>
+                                <p:cTn id="5" presetID="10" presetClass="entr" presetSubtype="0" fill="hold" grpId="0" nodeType="clickEffect">
+                                  <p:stCondLst>
+                                    <p:cond delay="0"/>
+                                  </p:stCondLst>
+                                  <p:childTnLst>
+                                    <p:set>
+                                      <p:cBhvr>
+                                        <p:cTn id="6" dur="1" fill="hold">
+                                          <p:stCondLst>
+                                            <p:cond delay="0"/>
+                                          </p:stCondLst>
+                                        </p:cTn>
+                                        <p:tgtEl>
+                                          <p:spTgt spid="3">
+                                            <p:txEl>
+                                              <p:pRg st="0" end="0"/>
+                                            </p:txEl>
+                                          </p:spTgt>
+                                        </p:tgtEl>
+                                        <p:attrNameLst>
+                                          <p:attrName>style.visibility</p:attrName>
+                                        </p:attrNameLst>
+                                      </p:cBhvr>
+                                      <p:to>
+                                        <p:strVal val="visible"/>
+                                      </p:to>
+                                    </p:set>
+                                    <p:animEffect transition="in" filter="fade">
+                                      <p:cBhvr>
+                                        <p:cTn id="7" dur="500"/>
+                                        <p:tgtEl>
+                                          <p:spTgt spid="3">
+                                            <p:txEl>
+                                              <p:pRg st="0" end="0"/>
+                                            </p:txEl>
+                                          </p:spTgt>
+                                        </p:tgtEl>
+                                      </p:cBhvr>
+                                    </p:animEffect>
+                                  </p:childTnLst>
+                                </p:cTn>
+                              </p:par>
+                            </p:childTnLst>
+                          </p:cTn>
+                        </p:par>
+                      </p:childTnLst>
+                    </p:cTn>
+                  </p:par>
+                  <p:par>
+                    <p:cTn id="8" fill="hold">
+                      <p:stCondLst>
+                        <p:cond delay="indefinite"/>
+                      </p:stCondLst>
+                      <p:childTnLst>
+                        <p:par>
+                          <p:cTn id="9" fill="hold">
+                            <p:stCondLst>
+                              <p:cond delay="0"/>
+                            </p:stCondLst>
+                            <p:childTnLst>
+                              <p:par>
+                                <p:cTn id="10" presetID="10" presetClass="entr" presetSubtype="0" fill="hold" grpId="0" nodeType="clickEffect">
+                                  <p:stCondLst>
+                                    <p:cond delay="0"/>
+                                  </p:stCondLst>
+                                  <p:childTnLst>
+                                    <p:set>
+                                      <p:cBhvr>
+                                        <p:cTn id="11" dur="1" fill="hold">
+                                          <p:stCondLst>
+                                            <p:cond delay="0"/>
+                                          </p:stCondLst>
+                                        </p:cTn>
+                                        <p:tgtEl>
+                                          <p:spTgt spid="3">
+                                            <p:txEl>
+                                              <p:pRg st="1" end="1"/>
+                                            </p:txEl>
+                                          </p:spTgt>
+                                        </p:tgtEl>
+                                        <p:attrNameLst>
+                                          <p:attrName>style.visibility</p:attrName>
+                                        </p:attrNameLst>
+                                      </p:cBhvr>
+                                      <p:to>
+                                        <p:strVal val="visible"/>
+                                      </p:to>
+                                    </p:set>
+                                    <p:animEffect transition="in" filter="fade">
+                                      <p:cBhvr>
+                                        <p:cTn id="12" dur="500"/>
+                                        <p:tgtEl>
+                                          <p:spTgt spid="3">
+                                            <p:txEl>
+                                              <p:pRg st="1" end="1"/>
+                                            </p:txEl>
+                                          </p:spTgt>
+                                        </p:tgtEl>
+                                      </p:cBhvr>
+                                    </p:animEffect>
+                                  </p:childTnLst>
+                                </p:cTn>
+                              </p:par>
+                            </p:childTnLst>
+                          </p:cTn>
+                        </p:par>
+                      </p:childTnLst>
+                    </p:cTn>
+                  </p:par>
+                  <p:par>
+                    <p:cTn id="13" fill="hold">
+                      <p:stCondLst>
+                        <p:cond delay="indefinite"/>
+                      </p:stCondLst>
+                      <p:childTnLst>
+                        <p:par>
+                          <p:cTn id="14" fill="hold">
+                            <p:stCondLst>
+                              <p:cond delay="0"/>
+                            </p:stCondLst>
+                            <p:childTnLst>
+                              <p:par>
+                                <p:cTn id="15" presetID="10" presetClass="entr" presetSubtype="0" fill="hold" grpId="0" nodeType="clickEffect">
+                                  <p:stCondLst>
+                                    <p:cond delay="0"/>
+                                  </p:stCondLst>
+                                  <p:childTnLst>
+                                    <p:set>
+                                      <p:cBhvr>
+                                        <p:cTn id="16" dur="1" fill="hold">
+                                          <p:stCondLst>
+                                            <p:cond delay="0"/>
+                                          </p:stCondLst>
+                                        </p:cTn>
+                                        <p:tgtEl>
+                                          <p:spTgt spid="3">
+                                            <p:txEl>
+                                              <p:pRg st="2" end="2"/>
+                                            </p:txEl>
+                                          </p:spTgt>
+                                        </p:tgtEl>
+                                        <p:attrNameLst>
+                                          <p:attrName>style.visibility</p:attrName>
+                                        </p:attrNameLst>
+                                      </p:cBhvr>
+                                      <p:to>
+                                        <p:strVal val="visible"/>
+                                      </p:to>
+                                    </p:set>
+                                    <p:animEffect transition="in" filter="fade">
+                                      <p:cBhvr>
+                                        <p:cTn id="17" dur="500"/>
+                                        <p:tgtEl>
+                                          <p:spTgt spid="3">
+                                            <p:txEl>
+                                              <p:pRg st="2" end="2"/>
+                                            </p:txEl>
+                                          </p:spTgt>
+                                        </p:tgtEl>
+                                      </p:cBhvr>
+                                    </p:animEffect>
+                                  </p:childTnLst>
+                                </p:cTn>
+                              </p:par>
+                            </p:childTnLst>
+                          </p:cTn>
+                        </p:par>
+                      </p:childTnLst>
+                    </p:cTn>
+                  </p:par>
+                  <p:par>
+                    <p:cTn id="18" fill="hold">
+                      <p:stCondLst>
+                        <p:cond delay="indefinite"/>
+                      </p:stCondLst>
+                      <p:childTnLst>
+                        <p:par>
+                          <p:cTn id="19" fill="hold">
+                            <p:stCondLst>
+                              <p:cond delay="0"/>
+                            </p:stCondLst>
+                            <p:childTnLst>
+                              <p:par>
+                                <p:cTn id="20" presetID="10" presetClass="entr" presetSubtype="0" fill="hold" grpId="0" nodeType="clickEffect">
+                                  <p:stCondLst>
+                                    <p:cond delay="0"/>
+                                  </p:stCondLst>
+                                  <p:childTnLst>
+                                    <p:set>
+                                      <p:cBhvr>
+                                        <p:cTn id="21" dur="1" fill="hold">
+                                          <p:stCondLst>
+                                            <p:cond delay="0"/>
+                                          </p:stCondLst>
+                                        </p:cTn>
+                                        <p:tgtEl>
+                                          <p:spTgt spid="3">
+                                            <p:txEl>
+                                              <p:pRg st="3" end="3"/>
+                                            </p:txEl>
+                                          </p:spTgt>
+                                        </p:tgtEl>
+                                        <p:attrNameLst>
+                                          <p:attrName>style.visibility</p:attrName>
+                                        </p:attrNameLst>
+                                      </p:cBhvr>
+                                      <p:to>
+                                        <p:strVal val="visible"/>
+                                      </p:to>
+                                    </p:set>
+                                    <p:animEffect transition="in" filter="fade">
+                                      <p:cBhvr>
+                                        <p:cTn id="22" dur="500"/>
+                                        <p:tgtEl>
+                                          <p:spTgt spid="3">
+                                            <p:txEl>
+                                              <p:pRg st="3" end="3"/>
+                                            </p:txEl>
+                                          </p:spTgt>
+                                        </p:tgtEl>
+                                      </p:cBhvr>
+                                    </p:animEffect>
+                                  </p:childTnLst>
+                                </p:cTn>
+                              </p:par>
+                            </p:childTnLst>
+                          </p:cTn>
+                        </p:par>
+                      </p:childTnLst>
+                    </p:cTn>
+                  </p:par>
+                </p:childTnLst>
+              </p:cTn>
+              <p:prevCondLst>
+                <p:cond evt="onPrev" delay="0">
+                  <p:tgtEl>
+                    <p:sldTgt/>
+                  </p:tgtEl>
+                </p:cond>
+              </p:prevCondLst>
+              <p:nextCondLst>
+                <p:cond evt="onNext" delay="0">
+                  <p:tgtEl>
+                    <p:sldTgt/>
+                  </p:tgtEl>
+                </p:cond>
+              </p:nextCondLst>
+            </p:seq>
+          </p:childTnLst>
+        </p:cTn>
+      </p:par>
+    </p:tnLst>
+    <p:bldLst>
+      <p:bldP spid="3" grpId="0" build="p"/>
+    </p:bldLst>
+  </p:timing>
+</p:sld>
+</file>
+
+<file path=ppt/slides/slide37.xml><?xml version="1.0" encoding="utf-8"?>
 <p:sld xmlns:a="http://schemas.openxmlformats.org/drawingml/2006/main" xmlns:r="http://schemas.openxmlformats.org/officeDocument/2006/relationships" xmlns:p="http://schemas.openxmlformats.org/presentationml/2006/main">
   <p:cSld>
     <p:spTree>
@@ -18226,601 +20373,6 @@
                                   </p:childTnLst>
                                 </p:cTn>
                               </p:par>
-                              <p:par>
-                                <p:cTn id="8" presetID="10" presetClass="entr" presetSubtype="0" fill="hold" grpId="0" nodeType="withEffect">
-                                  <p:stCondLst>
-                                    <p:cond delay="0"/>
-                                  </p:stCondLst>
-                                  <p:childTnLst>
-                                    <p:set>
-                                      <p:cBhvr>
-                                        <p:cTn id="9" dur="1" fill="hold">
-                                          <p:stCondLst>
-                                            <p:cond delay="0"/>
-                                          </p:stCondLst>
-                                        </p:cTn>
-                                        <p:tgtEl>
-                                          <p:spTgt spid="3">
-                                            <p:txEl>
-                                              <p:pRg st="1" end="1"/>
-                                            </p:txEl>
-                                          </p:spTgt>
-                                        </p:tgtEl>
-                                        <p:attrNameLst>
-                                          <p:attrName>style.visibility</p:attrName>
-                                        </p:attrNameLst>
-                                      </p:cBhvr>
-                                      <p:to>
-                                        <p:strVal val="visible"/>
-                                      </p:to>
-                                    </p:set>
-                                    <p:animEffect transition="in" filter="fade">
-                                      <p:cBhvr>
-                                        <p:cTn id="10" dur="500"/>
-                                        <p:tgtEl>
-                                          <p:spTgt spid="3">
-                                            <p:txEl>
-                                              <p:pRg st="1" end="1"/>
-                                            </p:txEl>
-                                          </p:spTgt>
-                                        </p:tgtEl>
-                                      </p:cBhvr>
-                                    </p:animEffect>
-                                  </p:childTnLst>
-                                </p:cTn>
-                              </p:par>
-                              <p:par>
-                                <p:cTn id="11" presetID="10" presetClass="entr" presetSubtype="0" fill="hold" grpId="0" nodeType="withEffect">
-                                  <p:stCondLst>
-                                    <p:cond delay="0"/>
-                                  </p:stCondLst>
-                                  <p:childTnLst>
-                                    <p:set>
-                                      <p:cBhvr>
-                                        <p:cTn id="12" dur="1" fill="hold">
-                                          <p:stCondLst>
-                                            <p:cond delay="0"/>
-                                          </p:stCondLst>
-                                        </p:cTn>
-                                        <p:tgtEl>
-                                          <p:spTgt spid="3">
-                                            <p:txEl>
-                                              <p:pRg st="2" end="2"/>
-                                            </p:txEl>
-                                          </p:spTgt>
-                                        </p:tgtEl>
-                                        <p:attrNameLst>
-                                          <p:attrName>style.visibility</p:attrName>
-                                        </p:attrNameLst>
-                                      </p:cBhvr>
-                                      <p:to>
-                                        <p:strVal val="visible"/>
-                                      </p:to>
-                                    </p:set>
-                                    <p:animEffect transition="in" filter="fade">
-                                      <p:cBhvr>
-                                        <p:cTn id="13" dur="500"/>
-                                        <p:tgtEl>
-                                          <p:spTgt spid="3">
-                                            <p:txEl>
-                                              <p:pRg st="2" end="2"/>
-                                            </p:txEl>
-                                          </p:spTgt>
-                                        </p:tgtEl>
-                                      </p:cBhvr>
-                                    </p:animEffect>
-                                  </p:childTnLst>
-                                </p:cTn>
-                              </p:par>
-                              <p:par>
-                                <p:cTn id="14" presetID="10" presetClass="entr" presetSubtype="0" fill="hold" grpId="0" nodeType="withEffect">
-                                  <p:stCondLst>
-                                    <p:cond delay="0"/>
-                                  </p:stCondLst>
-                                  <p:childTnLst>
-                                    <p:set>
-                                      <p:cBhvr>
-                                        <p:cTn id="15" dur="1" fill="hold">
-                                          <p:stCondLst>
-                                            <p:cond delay="0"/>
-                                          </p:stCondLst>
-                                        </p:cTn>
-                                        <p:tgtEl>
-                                          <p:spTgt spid="3">
-                                            <p:txEl>
-                                              <p:pRg st="3" end="3"/>
-                                            </p:txEl>
-                                          </p:spTgt>
-                                        </p:tgtEl>
-                                        <p:attrNameLst>
-                                          <p:attrName>style.visibility</p:attrName>
-                                        </p:attrNameLst>
-                                      </p:cBhvr>
-                                      <p:to>
-                                        <p:strVal val="visible"/>
-                                      </p:to>
-                                    </p:set>
-                                    <p:animEffect transition="in" filter="fade">
-                                      <p:cBhvr>
-                                        <p:cTn id="16" dur="500"/>
-                                        <p:tgtEl>
-                                          <p:spTgt spid="3">
-                                            <p:txEl>
-                                              <p:pRg st="3" end="3"/>
-                                            </p:txEl>
-                                          </p:spTgt>
-                                        </p:tgtEl>
-                                      </p:cBhvr>
-                                    </p:animEffect>
-                                  </p:childTnLst>
-                                </p:cTn>
-                              </p:par>
-                            </p:childTnLst>
-                          </p:cTn>
-                        </p:par>
-                      </p:childTnLst>
-                    </p:cTn>
-                  </p:par>
-                  <p:par>
-                    <p:cTn id="17" fill="hold">
-                      <p:stCondLst>
-                        <p:cond delay="indefinite"/>
-                      </p:stCondLst>
-                      <p:childTnLst>
-                        <p:par>
-                          <p:cTn id="18" fill="hold">
-                            <p:stCondLst>
-                              <p:cond delay="0"/>
-                            </p:stCondLst>
-                            <p:childTnLst>
-                              <p:par>
-                                <p:cTn id="19" presetID="10" presetClass="entr" presetSubtype="0" fill="hold" grpId="0" nodeType="clickEffect">
-                                  <p:stCondLst>
-                                    <p:cond delay="0"/>
-                                  </p:stCondLst>
-                                  <p:childTnLst>
-                                    <p:set>
-                                      <p:cBhvr>
-                                        <p:cTn id="20" dur="1" fill="hold">
-                                          <p:stCondLst>
-                                            <p:cond delay="0"/>
-                                          </p:stCondLst>
-                                        </p:cTn>
-                                        <p:tgtEl>
-                                          <p:spTgt spid="3">
-                                            <p:txEl>
-                                              <p:pRg st="4" end="4"/>
-                                            </p:txEl>
-                                          </p:spTgt>
-                                        </p:tgtEl>
-                                        <p:attrNameLst>
-                                          <p:attrName>style.visibility</p:attrName>
-                                        </p:attrNameLst>
-                                      </p:cBhvr>
-                                      <p:to>
-                                        <p:strVal val="visible"/>
-                                      </p:to>
-                                    </p:set>
-                                    <p:animEffect transition="in" filter="fade">
-                                      <p:cBhvr>
-                                        <p:cTn id="21" dur="500"/>
-                                        <p:tgtEl>
-                                          <p:spTgt spid="3">
-                                            <p:txEl>
-                                              <p:pRg st="4" end="4"/>
-                                            </p:txEl>
-                                          </p:spTgt>
-                                        </p:tgtEl>
-                                      </p:cBhvr>
-                                    </p:animEffect>
-                                  </p:childTnLst>
-                                </p:cTn>
-                              </p:par>
-                            </p:childTnLst>
-                          </p:cTn>
-                        </p:par>
-                      </p:childTnLst>
-                    </p:cTn>
-                  </p:par>
-                  <p:par>
-                    <p:cTn id="22" fill="hold">
-                      <p:stCondLst>
-                        <p:cond delay="indefinite"/>
-                      </p:stCondLst>
-                      <p:childTnLst>
-                        <p:par>
-                          <p:cTn id="23" fill="hold">
-                            <p:stCondLst>
-                              <p:cond delay="0"/>
-                            </p:stCondLst>
-                            <p:childTnLst>
-                              <p:par>
-                                <p:cTn id="24" presetID="10" presetClass="entr" presetSubtype="0" fill="hold" grpId="0" nodeType="clickEffect">
-                                  <p:stCondLst>
-                                    <p:cond delay="0"/>
-                                  </p:stCondLst>
-                                  <p:childTnLst>
-                                    <p:set>
-                                      <p:cBhvr>
-                                        <p:cTn id="25" dur="1" fill="hold">
-                                          <p:stCondLst>
-                                            <p:cond delay="0"/>
-                                          </p:stCondLst>
-                                        </p:cTn>
-                                        <p:tgtEl>
-                                          <p:spTgt spid="3">
-                                            <p:txEl>
-                                              <p:pRg st="5" end="5"/>
-                                            </p:txEl>
-                                          </p:spTgt>
-                                        </p:tgtEl>
-                                        <p:attrNameLst>
-                                          <p:attrName>style.visibility</p:attrName>
-                                        </p:attrNameLst>
-                                      </p:cBhvr>
-                                      <p:to>
-                                        <p:strVal val="visible"/>
-                                      </p:to>
-                                    </p:set>
-                                    <p:animEffect transition="in" filter="fade">
-                                      <p:cBhvr>
-                                        <p:cTn id="26" dur="500"/>
-                                        <p:tgtEl>
-                                          <p:spTgt spid="3">
-                                            <p:txEl>
-                                              <p:pRg st="5" end="5"/>
-                                            </p:txEl>
-                                          </p:spTgt>
-                                        </p:tgtEl>
-                                      </p:cBhvr>
-                                    </p:animEffect>
-                                  </p:childTnLst>
-                                </p:cTn>
-                              </p:par>
-                            </p:childTnLst>
-                          </p:cTn>
-                        </p:par>
-                      </p:childTnLst>
-                    </p:cTn>
-                  </p:par>
-                  <p:par>
-                    <p:cTn id="27" fill="hold">
-                      <p:stCondLst>
-                        <p:cond delay="indefinite"/>
-                      </p:stCondLst>
-                      <p:childTnLst>
-                        <p:par>
-                          <p:cTn id="28" fill="hold">
-                            <p:stCondLst>
-                              <p:cond delay="0"/>
-                            </p:stCondLst>
-                            <p:childTnLst>
-                              <p:par>
-                                <p:cTn id="29" presetID="10" presetClass="entr" presetSubtype="0" fill="hold" grpId="0" nodeType="clickEffect">
-                                  <p:stCondLst>
-                                    <p:cond delay="0"/>
-                                  </p:stCondLst>
-                                  <p:childTnLst>
-                                    <p:set>
-                                      <p:cBhvr>
-                                        <p:cTn id="30" dur="1" fill="hold">
-                                          <p:stCondLst>
-                                            <p:cond delay="0"/>
-                                          </p:stCondLst>
-                                        </p:cTn>
-                                        <p:tgtEl>
-                                          <p:spTgt spid="3">
-                                            <p:txEl>
-                                              <p:pRg st="6" end="6"/>
-                                            </p:txEl>
-                                          </p:spTgt>
-                                        </p:tgtEl>
-                                        <p:attrNameLst>
-                                          <p:attrName>style.visibility</p:attrName>
-                                        </p:attrNameLst>
-                                      </p:cBhvr>
-                                      <p:to>
-                                        <p:strVal val="visible"/>
-                                      </p:to>
-                                    </p:set>
-                                    <p:animEffect transition="in" filter="fade">
-                                      <p:cBhvr>
-                                        <p:cTn id="31" dur="500"/>
-                                        <p:tgtEl>
-                                          <p:spTgt spid="3">
-                                            <p:txEl>
-                                              <p:pRg st="6" end="6"/>
-                                            </p:txEl>
-                                          </p:spTgt>
-                                        </p:tgtEl>
-                                      </p:cBhvr>
-                                    </p:animEffect>
-                                  </p:childTnLst>
-                                </p:cTn>
-                              </p:par>
-                            </p:childTnLst>
-                          </p:cTn>
-                        </p:par>
-                      </p:childTnLst>
-                    </p:cTn>
-                  </p:par>
-                </p:childTnLst>
-              </p:cTn>
-              <p:prevCondLst>
-                <p:cond evt="onPrev" delay="0">
-                  <p:tgtEl>
-                    <p:sldTgt/>
-                  </p:tgtEl>
-                </p:cond>
-              </p:prevCondLst>
-              <p:nextCondLst>
-                <p:cond evt="onNext" delay="0">
-                  <p:tgtEl>
-                    <p:sldTgt/>
-                  </p:tgtEl>
-                </p:cond>
-              </p:nextCondLst>
-            </p:seq>
-          </p:childTnLst>
-        </p:cTn>
-      </p:par>
-    </p:tnLst>
-    <p:bldLst>
-      <p:bldP spid="3" grpId="0" build="p"/>
-    </p:bldLst>
-  </p:timing>
-</p:sld>
-</file>
-
-<file path=ppt/slides/slide4.xml><?xml version="1.0" encoding="utf-8"?>
-<p:sld xmlns:a="http://schemas.openxmlformats.org/drawingml/2006/main" xmlns:r="http://schemas.openxmlformats.org/officeDocument/2006/relationships" xmlns:p="http://schemas.openxmlformats.org/presentationml/2006/main">
-  <p:cSld>
-    <p:spTree>
-      <p:nvGrpSpPr>
-        <p:cNvPr id="1" name=""/>
-        <p:cNvGrpSpPr/>
-        <p:nvPr/>
-      </p:nvGrpSpPr>
-      <p:grpSpPr>
-        <a:xfrm>
-          <a:off x="0" y="0"/>
-          <a:ext cx="0" cy="0"/>
-          <a:chOff x="0" y="0"/>
-          <a:chExt cx="0" cy="0"/>
-        </a:xfrm>
-      </p:grpSpPr>
-      <p:sp>
-        <p:nvSpPr>
-          <p:cNvPr id="2" name="Title 1">
-            <a:extLst>
-              <a:ext uri="{FF2B5EF4-FFF2-40B4-BE49-F238E27FC236}">
-                <a16:creationId xmlns:a16="http://schemas.microsoft.com/office/drawing/2014/main" id="{38F966F4-61DB-2206-A799-D1DDD327F575}"/>
-              </a:ext>
-            </a:extLst>
-          </p:cNvPr>
-          <p:cNvSpPr>
-            <a:spLocks noGrp="1"/>
-          </p:cNvSpPr>
-          <p:nvPr>
-            <p:ph type="title"/>
-          </p:nvPr>
-        </p:nvSpPr>
-        <p:spPr/>
-        <p:txBody>
-          <a:bodyPr/>
-          <a:lstStyle/>
-          <a:p>
-            <a:r>
-              <a:rPr lang="en-GB" dirty="0"/>
-              <a:t>Question</a:t>
-            </a:r>
-          </a:p>
-        </p:txBody>
-      </p:sp>
-      <p:sp>
-        <p:nvSpPr>
-          <p:cNvPr id="3" name="Content Placeholder 2">
-            <a:extLst>
-              <a:ext uri="{FF2B5EF4-FFF2-40B4-BE49-F238E27FC236}">
-                <a16:creationId xmlns:a16="http://schemas.microsoft.com/office/drawing/2014/main" id="{BB765FC6-1568-023E-2E9F-E29AE7DD54EC}"/>
-              </a:ext>
-            </a:extLst>
-          </p:cNvPr>
-          <p:cNvSpPr>
-            <a:spLocks noGrp="1"/>
-          </p:cNvSpPr>
-          <p:nvPr>
-            <p:ph idx="1"/>
-          </p:nvPr>
-        </p:nvSpPr>
-        <p:spPr/>
-        <p:txBody>
-          <a:bodyPr>
-            <a:normAutofit/>
-          </a:bodyPr>
-          <a:lstStyle/>
-          <a:p>
-            <a:r>
-              <a:rPr lang="en-GB" dirty="0"/>
-              <a:t>Adelie penguins</a:t>
-            </a:r>
-          </a:p>
-          <a:p>
-            <a:r>
-              <a:rPr lang="en-GB" dirty="0"/>
-              <a:t>Diet varies according to what’s available (krill, </a:t>
-            </a:r>
-            <a:r>
-              <a:rPr lang="en-GB" dirty="0" err="1"/>
-              <a:t>laternfish</a:t>
-            </a:r>
-            <a:r>
-              <a:rPr lang="en-GB" dirty="0"/>
-              <a:t>, etc)</a:t>
-            </a:r>
-          </a:p>
-          <a:p>
-            <a:r>
-              <a:rPr lang="en-GB" dirty="0"/>
-              <a:t>Data from three islands</a:t>
-            </a:r>
-          </a:p>
-          <a:p>
-            <a:pPr lvl="1"/>
-            <a:r>
-              <a:rPr lang="en-GB" dirty="0"/>
-              <a:t>Biscoe, Dream and Torgersen</a:t>
-            </a:r>
-          </a:p>
-          <a:p>
-            <a:r>
-              <a:rPr lang="en-GB" dirty="0"/>
-              <a:t>Does </a:t>
-            </a:r>
-            <a:r>
-              <a:rPr lang="en-GB" dirty="0" err="1"/>
-              <a:t>Adélie</a:t>
-            </a:r>
-            <a:r>
-              <a:rPr lang="en-GB" dirty="0"/>
-              <a:t> penguin weight differ between the three islands?</a:t>
-            </a:r>
-          </a:p>
-        </p:txBody>
-      </p:sp>
-      <p:pic>
-        <p:nvPicPr>
-          <p:cNvPr id="6" name="Picture Placeholder 5" descr="A close up of a penguin&#10;&#10;Description automatically generated">
-            <a:extLst>
-              <a:ext uri="{FF2B5EF4-FFF2-40B4-BE49-F238E27FC236}">
-                <a16:creationId xmlns:a16="http://schemas.microsoft.com/office/drawing/2014/main" id="{4C52760D-41D4-CD89-AA4F-6BA10C432DAA}"/>
-              </a:ext>
-            </a:extLst>
-          </p:cNvPr>
-          <p:cNvPicPr>
-            <a:picLocks noGrp="1" noChangeAspect="1"/>
-          </p:cNvPicPr>
-          <p:nvPr>
-            <p:ph type="pic" sz="quarter" idx="10"/>
-          </p:nvPr>
-        </p:nvPicPr>
-        <p:blipFill>
-          <a:blip r:embed="rId2">
-            <a:extLst>
-              <a:ext uri="{28A0092B-C50C-407E-A947-70E740481C1C}">
-                <a14:useLocalDpi xmlns:a14="http://schemas.microsoft.com/office/drawing/2010/main" val="0"/>
-              </a:ext>
-            </a:extLst>
-          </a:blip>
-          <a:srcRect l="7477" r="7477"/>
-          <a:stretch>
-            <a:fillRect/>
-          </a:stretch>
-        </p:blipFill>
-        <p:spPr/>
-      </p:pic>
-      <p:pic>
-        <p:nvPicPr>
-          <p:cNvPr id="8" name="Picture 7">
-            <a:extLst>
-              <a:ext uri="{FF2B5EF4-FFF2-40B4-BE49-F238E27FC236}">
-                <a16:creationId xmlns:a16="http://schemas.microsoft.com/office/drawing/2014/main" id="{99B2E5D3-2E00-AA1E-E816-3A141811121A}"/>
-              </a:ext>
-            </a:extLst>
-          </p:cNvPr>
-          <p:cNvPicPr>
-            <a:picLocks noChangeAspect="1"/>
-          </p:cNvPicPr>
-          <p:nvPr/>
-        </p:nvPicPr>
-        <p:blipFill rotWithShape="1">
-          <a:blip r:embed="rId3"/>
-          <a:srcRect l="7891" r="-1"/>
-          <a:stretch/>
-        </p:blipFill>
-        <p:spPr>
-          <a:xfrm>
-            <a:off x="6359524" y="-1"/>
-            <a:ext cx="5832475" cy="6871001"/>
-          </a:xfrm>
-          <a:prstGeom prst="rect">
-            <a:avLst/>
-          </a:prstGeom>
-        </p:spPr>
-      </p:pic>
-    </p:spTree>
-    <p:extLst>
-      <p:ext uri="{BB962C8B-B14F-4D97-AF65-F5344CB8AC3E}">
-        <p14:creationId xmlns:p14="http://schemas.microsoft.com/office/powerpoint/2010/main" val="2641753881"/>
-      </p:ext>
-    </p:extLst>
-  </p:cSld>
-  <p:clrMapOvr>
-    <a:masterClrMapping/>
-  </p:clrMapOvr>
-  <p:timing>
-    <p:tnLst>
-      <p:par>
-        <p:cTn id="1" dur="indefinite" restart="never" nodeType="tmRoot">
-          <p:childTnLst>
-            <p:seq concurrent="1" nextAc="seek">
-              <p:cTn id="2" dur="indefinite" nodeType="mainSeq">
-                <p:childTnLst>
-                  <p:par>
-                    <p:cTn id="3" fill="hold">
-                      <p:stCondLst>
-                        <p:cond delay="indefinite"/>
-                      </p:stCondLst>
-                      <p:childTnLst>
-                        <p:par>
-                          <p:cTn id="4" fill="hold">
-                            <p:stCondLst>
-                              <p:cond delay="0"/>
-                            </p:stCondLst>
-                            <p:childTnLst>
-                              <p:par>
-                                <p:cTn id="5" presetID="10" presetClass="entr" presetSubtype="0" fill="hold" grpId="0" nodeType="clickEffect">
-                                  <p:stCondLst>
-                                    <p:cond delay="0"/>
-                                  </p:stCondLst>
-                                  <p:childTnLst>
-                                    <p:set>
-                                      <p:cBhvr>
-                                        <p:cTn id="6" dur="1" fill="hold">
-                                          <p:stCondLst>
-                                            <p:cond delay="0"/>
-                                          </p:stCondLst>
-                                        </p:cTn>
-                                        <p:tgtEl>
-                                          <p:spTgt spid="3">
-                                            <p:txEl>
-                                              <p:pRg st="0" end="0"/>
-                                            </p:txEl>
-                                          </p:spTgt>
-                                        </p:tgtEl>
-                                        <p:attrNameLst>
-                                          <p:attrName>style.visibility</p:attrName>
-                                        </p:attrNameLst>
-                                      </p:cBhvr>
-                                      <p:to>
-                                        <p:strVal val="visible"/>
-                                      </p:to>
-                                    </p:set>
-                                    <p:animEffect transition="in" filter="fade">
-                                      <p:cBhvr>
-                                        <p:cTn id="7" dur="500"/>
-                                        <p:tgtEl>
-                                          <p:spTgt spid="3">
-                                            <p:txEl>
-                                              <p:pRg st="0" end="0"/>
-                                            </p:txEl>
-                                          </p:spTgt>
-                                        </p:tgtEl>
-                                      </p:cBhvr>
-                                    </p:animEffect>
-                                  </p:childTnLst>
-                                </p:cTn>
-                              </p:par>
                             </p:childTnLst>
                           </p:cTn>
                         </p:par>
@@ -18943,15 +20495,33 @@
                                   </p:childTnLst>
                                 </p:cTn>
                               </p:par>
+                            </p:childTnLst>
+                          </p:cTn>
+                        </p:par>
+                      </p:childTnLst>
+                    </p:cTn>
+                  </p:par>
+                  <p:par>
+                    <p:cTn id="18" fill="hold">
+                      <p:stCondLst>
+                        <p:cond delay="indefinite"/>
+                      </p:stCondLst>
+                      <p:childTnLst>
+                        <p:par>
+                          <p:cTn id="19" fill="hold">
+                            <p:stCondLst>
+                              <p:cond delay="0"/>
+                            </p:stCondLst>
+                            <p:childTnLst>
                               <p:par>
-                                <p:cTn id="18" presetID="10" presetClass="entr" presetSubtype="0" fill="hold" grpId="0" nodeType="withEffect">
+                                <p:cTn id="20" presetID="10" presetClass="entr" presetSubtype="0" fill="hold" grpId="0" nodeType="clickEffect">
                                   <p:stCondLst>
                                     <p:cond delay="0"/>
                                   </p:stCondLst>
                                   <p:childTnLst>
                                     <p:set>
                                       <p:cBhvr>
-                                        <p:cTn id="19" dur="1" fill="hold">
+                                        <p:cTn id="21" dur="1" fill="hold">
                                           <p:stCondLst>
                                             <p:cond delay="0"/>
                                           </p:stCondLst>
@@ -18973,48 +20543,13 @@
                                     </p:set>
                                     <p:animEffect transition="in" filter="fade">
                                       <p:cBhvr>
-                                        <p:cTn id="20" dur="500"/>
+                                        <p:cTn id="22" dur="500"/>
                                         <p:tgtEl>
                                           <p:spTgt spid="3">
                                             <p:txEl>
                                               <p:pRg st="3" end="3"/>
                                             </p:txEl>
                                           </p:spTgt>
-                                        </p:tgtEl>
-                                      </p:cBhvr>
-                                    </p:animEffect>
-                                  </p:childTnLst>
-                                </p:cTn>
-                              </p:par>
-                              <p:par>
-                                <p:cTn id="21" presetID="10" presetClass="entr" presetSubtype="0" fill="hold" nodeType="withEffect">
-                                  <p:stCondLst>
-                                    <p:cond delay="0"/>
-                                  </p:stCondLst>
-                                  <p:childTnLst>
-                                    <p:set>
-                                      <p:cBhvr>
-                                        <p:cTn id="22" dur="1" fill="hold">
-                                          <p:stCondLst>
-                                            <p:cond delay="0"/>
-                                          </p:stCondLst>
-                                        </p:cTn>
-                                        <p:tgtEl>
-                                          <p:spTgt spid="8"/>
-                                        </p:tgtEl>
-                                        <p:attrNameLst>
-                                          <p:attrName>style.visibility</p:attrName>
-                                        </p:attrNameLst>
-                                      </p:cBhvr>
-                                      <p:to>
-                                        <p:strVal val="visible"/>
-                                      </p:to>
-                                    </p:set>
-                                    <p:animEffect transition="in" filter="fade">
-                                      <p:cBhvr>
-                                        <p:cTn id="23" dur="500"/>
-                                        <p:tgtEl>
-                                          <p:spTgt spid="8"/>
                                         </p:tgtEl>
                                       </p:cBhvr>
                                     </p:animEffect>
@@ -19028,26 +20563,26 @@
                     </p:cTn>
                   </p:par>
                   <p:par>
-                    <p:cTn id="24" fill="hold">
+                    <p:cTn id="23" fill="hold">
                       <p:stCondLst>
                         <p:cond delay="indefinite"/>
                       </p:stCondLst>
                       <p:childTnLst>
                         <p:par>
-                          <p:cTn id="25" fill="hold">
+                          <p:cTn id="24" fill="hold">
                             <p:stCondLst>
                               <p:cond delay="0"/>
                             </p:stCondLst>
                             <p:childTnLst>
                               <p:par>
-                                <p:cTn id="26" presetID="10" presetClass="entr" presetSubtype="0" fill="hold" grpId="0" nodeType="clickEffect">
+                                <p:cTn id="25" presetID="10" presetClass="entr" presetSubtype="0" fill="hold" grpId="0" nodeType="clickEffect">
                                   <p:stCondLst>
                                     <p:cond delay="0"/>
                                   </p:stCondLst>
                                   <p:childTnLst>
                                     <p:set>
                                       <p:cBhvr>
-                                        <p:cTn id="27" dur="1" fill="hold">
+                                        <p:cTn id="26" dur="1" fill="hold">
                                           <p:stCondLst>
                                             <p:cond delay="0"/>
                                           </p:stCondLst>
@@ -19069,7 +20604,7 @@
                                     </p:set>
                                     <p:animEffect transition="in" filter="fade">
                                       <p:cBhvr>
-                                        <p:cTn id="28" dur="500"/>
+                                        <p:cTn id="27" dur="500"/>
                                         <p:tgtEl>
                                           <p:spTgt spid="3">
                                             <p:txEl>
@@ -19082,38 +20617,125 @@
                                   </p:childTnLst>
                                 </p:cTn>
                               </p:par>
+                            </p:childTnLst>
+                          </p:cTn>
+                        </p:par>
+                      </p:childTnLst>
+                    </p:cTn>
+                  </p:par>
+                  <p:par>
+                    <p:cTn id="28" fill="hold">
+                      <p:stCondLst>
+                        <p:cond delay="indefinite"/>
+                      </p:stCondLst>
+                      <p:childTnLst>
+                        <p:par>
+                          <p:cTn id="29" fill="hold">
+                            <p:stCondLst>
+                              <p:cond delay="0"/>
+                            </p:stCondLst>
+                            <p:childTnLst>
                               <p:par>
-                                <p:cTn id="29" presetID="10" presetClass="exit" presetSubtype="0" fill="hold" nodeType="withEffect">
+                                <p:cTn id="30" presetID="10" presetClass="entr" presetSubtype="0" fill="hold" grpId="0" nodeType="clickEffect">
                                   <p:stCondLst>
                                     <p:cond delay="0"/>
                                   </p:stCondLst>
                                   <p:childTnLst>
-                                    <p:animEffect transition="out" filter="fade">
-                                      <p:cBhvr>
-                                        <p:cTn id="30" dur="500"/>
-                                        <p:tgtEl>
-                                          <p:spTgt spid="8"/>
-                                        </p:tgtEl>
-                                      </p:cBhvr>
-                                    </p:animEffect>
                                     <p:set>
                                       <p:cBhvr>
                                         <p:cTn id="31" dur="1" fill="hold">
                                           <p:stCondLst>
-                                            <p:cond delay="499"/>
+                                            <p:cond delay="0"/>
                                           </p:stCondLst>
                                         </p:cTn>
                                         <p:tgtEl>
-                                          <p:spTgt spid="8"/>
+                                          <p:spTgt spid="3">
+                                            <p:txEl>
+                                              <p:pRg st="5" end="5"/>
+                                            </p:txEl>
+                                          </p:spTgt>
                                         </p:tgtEl>
                                         <p:attrNameLst>
                                           <p:attrName>style.visibility</p:attrName>
                                         </p:attrNameLst>
                                       </p:cBhvr>
                                       <p:to>
-                                        <p:strVal val="hidden"/>
+                                        <p:strVal val="visible"/>
                                       </p:to>
                                     </p:set>
+                                    <p:animEffect transition="in" filter="fade">
+                                      <p:cBhvr>
+                                        <p:cTn id="32" dur="500"/>
+                                        <p:tgtEl>
+                                          <p:spTgt spid="3">
+                                            <p:txEl>
+                                              <p:pRg st="5" end="5"/>
+                                            </p:txEl>
+                                          </p:spTgt>
+                                        </p:tgtEl>
+                                      </p:cBhvr>
+                                    </p:animEffect>
+                                  </p:childTnLst>
+                                </p:cTn>
+                              </p:par>
+                            </p:childTnLst>
+                          </p:cTn>
+                        </p:par>
+                      </p:childTnLst>
+                    </p:cTn>
+                  </p:par>
+                  <p:par>
+                    <p:cTn id="33" fill="hold">
+                      <p:stCondLst>
+                        <p:cond delay="indefinite"/>
+                      </p:stCondLst>
+                      <p:childTnLst>
+                        <p:par>
+                          <p:cTn id="34" fill="hold">
+                            <p:stCondLst>
+                              <p:cond delay="0"/>
+                            </p:stCondLst>
+                            <p:childTnLst>
+                              <p:par>
+                                <p:cTn id="35" presetID="10" presetClass="entr" presetSubtype="0" fill="hold" grpId="0" nodeType="clickEffect">
+                                  <p:stCondLst>
+                                    <p:cond delay="0"/>
+                                  </p:stCondLst>
+                                  <p:childTnLst>
+                                    <p:set>
+                                      <p:cBhvr>
+                                        <p:cTn id="36" dur="1" fill="hold">
+                                          <p:stCondLst>
+                                            <p:cond delay="0"/>
+                                          </p:stCondLst>
+                                        </p:cTn>
+                                        <p:tgtEl>
+                                          <p:spTgt spid="3">
+                                            <p:txEl>
+                                              <p:pRg st="6" end="6"/>
+                                            </p:txEl>
+                                          </p:spTgt>
+                                        </p:tgtEl>
+                                        <p:attrNameLst>
+                                          <p:attrName>style.visibility</p:attrName>
+                                        </p:attrNameLst>
+                                      </p:cBhvr>
+                                      <p:to>
+                                        <p:strVal val="visible"/>
+                                      </p:to>
+                                    </p:set>
+                                    <p:animEffect transition="in" filter="fade">
+                                      <p:cBhvr>
+                                        <p:cTn id="37" dur="500"/>
+                                        <p:tgtEl>
+                                          <p:spTgt spid="3">
+                                            <p:txEl>
+                                              <p:pRg st="6" end="6"/>
+                                            </p:txEl>
+                                          </p:spTgt>
+                                        </p:tgtEl>
+                                      </p:cBhvr>
+                                    </p:animEffect>
                                   </p:childTnLst>
                                 </p:cTn>
                               </p:par>
@@ -19151,478 +20773,7 @@
 </p:sld>
 </file>
 
-<file path=ppt/slides/slide5.xml><?xml version="1.0" encoding="utf-8"?>
-<p:sld xmlns:a="http://schemas.openxmlformats.org/drawingml/2006/main" xmlns:r="http://schemas.openxmlformats.org/officeDocument/2006/relationships" xmlns:p="http://schemas.openxmlformats.org/presentationml/2006/main">
-  <p:cSld>
-    <p:spTree>
-      <p:nvGrpSpPr>
-        <p:cNvPr id="1" name=""/>
-        <p:cNvGrpSpPr/>
-        <p:nvPr/>
-      </p:nvGrpSpPr>
-      <p:grpSpPr>
-        <a:xfrm>
-          <a:off x="0" y="0"/>
-          <a:ext cx="0" cy="0"/>
-          <a:chOff x="0" y="0"/>
-          <a:chExt cx="0" cy="0"/>
-        </a:xfrm>
-      </p:grpSpPr>
-      <p:sp>
-        <p:nvSpPr>
-          <p:cNvPr id="2" name="Title 1">
-            <a:extLst>
-              <a:ext uri="{FF2B5EF4-FFF2-40B4-BE49-F238E27FC236}">
-                <a16:creationId xmlns:a16="http://schemas.microsoft.com/office/drawing/2014/main" id="{38F966F4-61DB-2206-A799-D1DDD327F575}"/>
-              </a:ext>
-            </a:extLst>
-          </p:cNvPr>
-          <p:cNvSpPr>
-            <a:spLocks noGrp="1"/>
-          </p:cNvSpPr>
-          <p:nvPr>
-            <p:ph type="title"/>
-          </p:nvPr>
-        </p:nvSpPr>
-        <p:spPr/>
-        <p:txBody>
-          <a:bodyPr/>
-          <a:lstStyle/>
-          <a:p>
-            <a:r>
-              <a:rPr lang="en-GB" dirty="0"/>
-              <a:t>Question</a:t>
-            </a:r>
-          </a:p>
-        </p:txBody>
-      </p:sp>
-      <p:sp>
-        <p:nvSpPr>
-          <p:cNvPr id="3" name="Content Placeholder 2">
-            <a:extLst>
-              <a:ext uri="{FF2B5EF4-FFF2-40B4-BE49-F238E27FC236}">
-                <a16:creationId xmlns:a16="http://schemas.microsoft.com/office/drawing/2014/main" id="{BB765FC6-1568-023E-2E9F-E29AE7DD54EC}"/>
-              </a:ext>
-            </a:extLst>
-          </p:cNvPr>
-          <p:cNvSpPr>
-            <a:spLocks noGrp="1"/>
-          </p:cNvSpPr>
-          <p:nvPr>
-            <p:ph idx="1"/>
-          </p:nvPr>
-        </p:nvSpPr>
-        <p:spPr/>
-        <p:txBody>
-          <a:bodyPr>
-            <a:normAutofit/>
-          </a:bodyPr>
-          <a:lstStyle/>
-          <a:p>
-            <a:r>
-              <a:rPr lang="en-GB" dirty="0"/>
-              <a:t>Does </a:t>
-            </a:r>
-            <a:r>
-              <a:rPr lang="en-GB" dirty="0" err="1"/>
-              <a:t>Adélie</a:t>
-            </a:r>
-            <a:r>
-              <a:rPr lang="en-GB" dirty="0"/>
-              <a:t> penguin weight differ between the three islands?</a:t>
-            </a:r>
-          </a:p>
-          <a:p>
-            <a:r>
-              <a:rPr lang="en-GB" dirty="0"/>
-              <a:t>Under NHST, we rephrase our question to a hypothesis (or statement) that we attempt to reject</a:t>
-            </a:r>
-          </a:p>
-          <a:p>
-            <a:r>
-              <a:rPr lang="en-GB" dirty="0"/>
-              <a:t>“There is </a:t>
-            </a:r>
-            <a:r>
-              <a:rPr lang="en-GB" b="1" dirty="0">
-                <a:solidFill>
-                  <a:srgbClr val="FFFF00"/>
-                </a:solidFill>
-              </a:rPr>
-              <a:t>no</a:t>
-            </a:r>
-            <a:r>
-              <a:rPr lang="en-GB" dirty="0"/>
-              <a:t> difference in </a:t>
-            </a:r>
-            <a:r>
-              <a:rPr lang="en-GB" dirty="0" err="1"/>
-              <a:t>Adélie</a:t>
-            </a:r>
-            <a:r>
-              <a:rPr lang="en-GB" dirty="0"/>
-              <a:t> size between the three islands”</a:t>
-            </a:r>
-          </a:p>
-          <a:p>
-            <a:r>
-              <a:rPr lang="en-GB" dirty="0"/>
-              <a:t>We now set out to disprove this</a:t>
-            </a:r>
-          </a:p>
-        </p:txBody>
-      </p:sp>
-      <p:pic>
-        <p:nvPicPr>
-          <p:cNvPr id="6" name="Picture Placeholder 5" descr="A close up of a penguin&#10;&#10;Description automatically generated">
-            <a:extLst>
-              <a:ext uri="{FF2B5EF4-FFF2-40B4-BE49-F238E27FC236}">
-                <a16:creationId xmlns:a16="http://schemas.microsoft.com/office/drawing/2014/main" id="{4C52760D-41D4-CD89-AA4F-6BA10C432DAA}"/>
-              </a:ext>
-            </a:extLst>
-          </p:cNvPr>
-          <p:cNvPicPr>
-            <a:picLocks noGrp="1" noChangeAspect="1"/>
-          </p:cNvPicPr>
-          <p:nvPr>
-            <p:ph type="pic" sz="quarter" idx="10"/>
-          </p:nvPr>
-        </p:nvPicPr>
-        <p:blipFill>
-          <a:blip r:embed="rId2">
-            <a:extLst>
-              <a:ext uri="{28A0092B-C50C-407E-A947-70E740481C1C}">
-                <a14:useLocalDpi xmlns:a14="http://schemas.microsoft.com/office/drawing/2010/main" val="0"/>
-              </a:ext>
-            </a:extLst>
-          </a:blip>
-          <a:srcRect l="7477" r="7477"/>
-          <a:stretch>
-            <a:fillRect/>
-          </a:stretch>
-        </p:blipFill>
-        <p:spPr/>
-      </p:pic>
-      <p:pic>
-        <p:nvPicPr>
-          <p:cNvPr id="8" name="Picture 7">
-            <a:extLst>
-              <a:ext uri="{FF2B5EF4-FFF2-40B4-BE49-F238E27FC236}">
-                <a16:creationId xmlns:a16="http://schemas.microsoft.com/office/drawing/2014/main" id="{99B2E5D3-2E00-AA1E-E816-3A141811121A}"/>
-              </a:ext>
-            </a:extLst>
-          </p:cNvPr>
-          <p:cNvPicPr>
-            <a:picLocks noChangeAspect="1"/>
-          </p:cNvPicPr>
-          <p:nvPr/>
-        </p:nvPicPr>
-        <p:blipFill rotWithShape="1">
-          <a:blip r:embed="rId3"/>
-          <a:srcRect l="7891" r="-1"/>
-          <a:stretch/>
-        </p:blipFill>
-        <p:spPr>
-          <a:xfrm>
-            <a:off x="6359524" y="-1"/>
-            <a:ext cx="5832475" cy="6871001"/>
-          </a:xfrm>
-          <a:prstGeom prst="rect">
-            <a:avLst/>
-          </a:prstGeom>
-        </p:spPr>
-      </p:pic>
-    </p:spTree>
-    <p:extLst>
-      <p:ext uri="{BB962C8B-B14F-4D97-AF65-F5344CB8AC3E}">
-        <p14:creationId xmlns:p14="http://schemas.microsoft.com/office/powerpoint/2010/main" val="2852315099"/>
-      </p:ext>
-    </p:extLst>
-  </p:cSld>
-  <p:clrMapOvr>
-    <a:masterClrMapping/>
-  </p:clrMapOvr>
-  <p:timing>
-    <p:tnLst>
-      <p:par>
-        <p:cTn id="1" dur="indefinite" restart="never" nodeType="tmRoot">
-          <p:childTnLst>
-            <p:seq concurrent="1" nextAc="seek">
-              <p:cTn id="2" dur="indefinite" nodeType="mainSeq">
-                <p:childTnLst>
-                  <p:par>
-                    <p:cTn id="3" fill="hold">
-                      <p:stCondLst>
-                        <p:cond delay="indefinite"/>
-                      </p:stCondLst>
-                      <p:childTnLst>
-                        <p:par>
-                          <p:cTn id="4" fill="hold">
-                            <p:stCondLst>
-                              <p:cond delay="0"/>
-                            </p:stCondLst>
-                            <p:childTnLst>
-                              <p:par>
-                                <p:cTn id="5" presetID="10" presetClass="entr" presetSubtype="0" fill="hold" grpId="0" nodeType="clickEffect">
-                                  <p:stCondLst>
-                                    <p:cond delay="0"/>
-                                  </p:stCondLst>
-                                  <p:childTnLst>
-                                    <p:set>
-                                      <p:cBhvr>
-                                        <p:cTn id="6" dur="1" fill="hold">
-                                          <p:stCondLst>
-                                            <p:cond delay="0"/>
-                                          </p:stCondLst>
-                                        </p:cTn>
-                                        <p:tgtEl>
-                                          <p:spTgt spid="3">
-                                            <p:txEl>
-                                              <p:pRg st="0" end="0"/>
-                                            </p:txEl>
-                                          </p:spTgt>
-                                        </p:tgtEl>
-                                        <p:attrNameLst>
-                                          <p:attrName>style.visibility</p:attrName>
-                                        </p:attrNameLst>
-                                      </p:cBhvr>
-                                      <p:to>
-                                        <p:strVal val="visible"/>
-                                      </p:to>
-                                    </p:set>
-                                    <p:animEffect transition="in" filter="fade">
-                                      <p:cBhvr>
-                                        <p:cTn id="7" dur="500"/>
-                                        <p:tgtEl>
-                                          <p:spTgt spid="3">
-                                            <p:txEl>
-                                              <p:pRg st="0" end="0"/>
-                                            </p:txEl>
-                                          </p:spTgt>
-                                        </p:tgtEl>
-                                      </p:cBhvr>
-                                    </p:animEffect>
-                                  </p:childTnLst>
-                                </p:cTn>
-                              </p:par>
-                            </p:childTnLst>
-                          </p:cTn>
-                        </p:par>
-                      </p:childTnLst>
-                    </p:cTn>
-                  </p:par>
-                  <p:par>
-                    <p:cTn id="8" fill="hold">
-                      <p:stCondLst>
-                        <p:cond delay="indefinite"/>
-                      </p:stCondLst>
-                      <p:childTnLst>
-                        <p:par>
-                          <p:cTn id="9" fill="hold">
-                            <p:stCondLst>
-                              <p:cond delay="0"/>
-                            </p:stCondLst>
-                            <p:childTnLst>
-                              <p:par>
-                                <p:cTn id="10" presetID="10" presetClass="entr" presetSubtype="0" fill="hold" grpId="0" nodeType="clickEffect">
-                                  <p:stCondLst>
-                                    <p:cond delay="0"/>
-                                  </p:stCondLst>
-                                  <p:childTnLst>
-                                    <p:set>
-                                      <p:cBhvr>
-                                        <p:cTn id="11" dur="1" fill="hold">
-                                          <p:stCondLst>
-                                            <p:cond delay="0"/>
-                                          </p:stCondLst>
-                                        </p:cTn>
-                                        <p:tgtEl>
-                                          <p:spTgt spid="3">
-                                            <p:txEl>
-                                              <p:pRg st="1" end="1"/>
-                                            </p:txEl>
-                                          </p:spTgt>
-                                        </p:tgtEl>
-                                        <p:attrNameLst>
-                                          <p:attrName>style.visibility</p:attrName>
-                                        </p:attrNameLst>
-                                      </p:cBhvr>
-                                      <p:to>
-                                        <p:strVal val="visible"/>
-                                      </p:to>
-                                    </p:set>
-                                    <p:animEffect transition="in" filter="fade">
-                                      <p:cBhvr>
-                                        <p:cTn id="12" dur="500"/>
-                                        <p:tgtEl>
-                                          <p:spTgt spid="3">
-                                            <p:txEl>
-                                              <p:pRg st="1" end="1"/>
-                                            </p:txEl>
-                                          </p:spTgt>
-                                        </p:tgtEl>
-                                      </p:cBhvr>
-                                    </p:animEffect>
-                                  </p:childTnLst>
-                                </p:cTn>
-                              </p:par>
-                            </p:childTnLst>
-                          </p:cTn>
-                        </p:par>
-                      </p:childTnLst>
-                    </p:cTn>
-                  </p:par>
-                  <p:par>
-                    <p:cTn id="13" fill="hold">
-                      <p:stCondLst>
-                        <p:cond delay="indefinite"/>
-                      </p:stCondLst>
-                      <p:childTnLst>
-                        <p:par>
-                          <p:cTn id="14" fill="hold">
-                            <p:stCondLst>
-                              <p:cond delay="0"/>
-                            </p:stCondLst>
-                            <p:childTnLst>
-                              <p:par>
-                                <p:cTn id="15" presetID="10" presetClass="entr" presetSubtype="0" fill="hold" grpId="0" nodeType="clickEffect">
-                                  <p:stCondLst>
-                                    <p:cond delay="0"/>
-                                  </p:stCondLst>
-                                  <p:childTnLst>
-                                    <p:set>
-                                      <p:cBhvr>
-                                        <p:cTn id="16" dur="1" fill="hold">
-                                          <p:stCondLst>
-                                            <p:cond delay="0"/>
-                                          </p:stCondLst>
-                                        </p:cTn>
-                                        <p:tgtEl>
-                                          <p:spTgt spid="3">
-                                            <p:txEl>
-                                              <p:pRg st="2" end="2"/>
-                                            </p:txEl>
-                                          </p:spTgt>
-                                        </p:tgtEl>
-                                        <p:attrNameLst>
-                                          <p:attrName>style.visibility</p:attrName>
-                                        </p:attrNameLst>
-                                      </p:cBhvr>
-                                      <p:to>
-                                        <p:strVal val="visible"/>
-                                      </p:to>
-                                    </p:set>
-                                    <p:animEffect transition="in" filter="fade">
-                                      <p:cBhvr>
-                                        <p:cTn id="17" dur="500"/>
-                                        <p:tgtEl>
-                                          <p:spTgt spid="3">
-                                            <p:txEl>
-                                              <p:pRg st="2" end="2"/>
-                                            </p:txEl>
-                                          </p:spTgt>
-                                        </p:tgtEl>
-                                      </p:cBhvr>
-                                    </p:animEffect>
-                                  </p:childTnLst>
-                                </p:cTn>
-                              </p:par>
-                            </p:childTnLst>
-                          </p:cTn>
-                        </p:par>
-                      </p:childTnLst>
-                    </p:cTn>
-                  </p:par>
-                  <p:par>
-                    <p:cTn id="18" fill="hold">
-                      <p:stCondLst>
-                        <p:cond delay="indefinite"/>
-                      </p:stCondLst>
-                      <p:childTnLst>
-                        <p:par>
-                          <p:cTn id="19" fill="hold">
-                            <p:stCondLst>
-                              <p:cond delay="0"/>
-                            </p:stCondLst>
-                            <p:childTnLst>
-                              <p:par>
-                                <p:cTn id="20" presetID="10" presetClass="entr" presetSubtype="0" fill="hold" grpId="0" nodeType="clickEffect">
-                                  <p:stCondLst>
-                                    <p:cond delay="0"/>
-                                  </p:stCondLst>
-                                  <p:childTnLst>
-                                    <p:set>
-                                      <p:cBhvr>
-                                        <p:cTn id="21" dur="1" fill="hold">
-                                          <p:stCondLst>
-                                            <p:cond delay="0"/>
-                                          </p:stCondLst>
-                                        </p:cTn>
-                                        <p:tgtEl>
-                                          <p:spTgt spid="3">
-                                            <p:txEl>
-                                              <p:pRg st="3" end="3"/>
-                                            </p:txEl>
-                                          </p:spTgt>
-                                        </p:tgtEl>
-                                        <p:attrNameLst>
-                                          <p:attrName>style.visibility</p:attrName>
-                                        </p:attrNameLst>
-                                      </p:cBhvr>
-                                      <p:to>
-                                        <p:strVal val="visible"/>
-                                      </p:to>
-                                    </p:set>
-                                    <p:animEffect transition="in" filter="fade">
-                                      <p:cBhvr>
-                                        <p:cTn id="22" dur="500"/>
-                                        <p:tgtEl>
-                                          <p:spTgt spid="3">
-                                            <p:txEl>
-                                              <p:pRg st="3" end="3"/>
-                                            </p:txEl>
-                                          </p:spTgt>
-                                        </p:tgtEl>
-                                      </p:cBhvr>
-                                    </p:animEffect>
-                                  </p:childTnLst>
-                                </p:cTn>
-                              </p:par>
-                            </p:childTnLst>
-                          </p:cTn>
-                        </p:par>
-                      </p:childTnLst>
-                    </p:cTn>
-                  </p:par>
-                </p:childTnLst>
-              </p:cTn>
-              <p:prevCondLst>
-                <p:cond evt="onPrev" delay="0">
-                  <p:tgtEl>
-                    <p:sldTgt/>
-                  </p:tgtEl>
-                </p:cond>
-              </p:prevCondLst>
-              <p:nextCondLst>
-                <p:cond evt="onNext" delay="0">
-                  <p:tgtEl>
-                    <p:sldTgt/>
-                  </p:tgtEl>
-                </p:cond>
-              </p:nextCondLst>
-            </p:seq>
-          </p:childTnLst>
-        </p:cTn>
-      </p:par>
-    </p:tnLst>
-    <p:bldLst>
-      <p:bldP spid="3" grpId="0" build="p"/>
-    </p:bldLst>
-  </p:timing>
-</p:sld>
-</file>
-
-<file path=ppt/slides/slide6.xml><?xml version="1.0" encoding="utf-8"?>
+<file path=ppt/slides/slide4.xml><?xml version="1.0" encoding="utf-8"?>
 <p:sld xmlns:a="http://schemas.openxmlformats.org/drawingml/2006/main" xmlns:r="http://schemas.openxmlformats.org/officeDocument/2006/relationships" xmlns:p="http://schemas.openxmlformats.org/presentationml/2006/main">
   <p:cSld>
     <p:spTree>
@@ -19680,7 +20831,7 @@
 </p:sld>
 </file>
 
-<file path=ppt/slides/slide7.xml><?xml version="1.0" encoding="utf-8"?>
+<file path=ppt/slides/slide5.xml><?xml version="1.0" encoding="utf-8"?>
 <p:sld xmlns:a="http://schemas.openxmlformats.org/drawingml/2006/main" xmlns:r="http://schemas.openxmlformats.org/officeDocument/2006/relationships" xmlns:p="http://schemas.openxmlformats.org/presentationml/2006/main">
   <p:cSld>
     <p:spTree>
@@ -20161,7 +21312,7 @@
 </p:sld>
 </file>
 
-<file path=ppt/slides/slide8.xml><?xml version="1.0" encoding="utf-8"?>
+<file path=ppt/slides/slide6.xml><?xml version="1.0" encoding="utf-8"?>
 <p:sld xmlns:a="http://schemas.openxmlformats.org/drawingml/2006/main" xmlns:r="http://schemas.openxmlformats.org/officeDocument/2006/relationships" xmlns:p="http://schemas.openxmlformats.org/presentationml/2006/main">
   <p:cSld>
     <p:spTree>
@@ -20587,7 +21738,7 @@
 </p:sld>
 </file>
 
-<file path=ppt/slides/slide9.xml><?xml version="1.0" encoding="utf-8"?>
+<file path=ppt/slides/slide7.xml><?xml version="1.0" encoding="utf-8"?>
 <p:sld xmlns:a="http://schemas.openxmlformats.org/drawingml/2006/main" xmlns:r="http://schemas.openxmlformats.org/officeDocument/2006/relationships" xmlns:p="http://schemas.openxmlformats.org/presentationml/2006/main">
   <p:cSld>
     <p:spTree>
@@ -20632,8 +21783,8 @@
           </a:p>
         </p:txBody>
       </p:sp>
-      <mc:AlternateContent xmlns:mc="http://schemas.openxmlformats.org/markup-compatibility/2006" xmlns:a14="http://schemas.microsoft.com/office/drawing/2010/main">
-        <mc:Choice Requires="a14">
+      <mc:AlternateContent xmlns:mc="http://schemas.openxmlformats.org/markup-compatibility/2006">
+        <mc:Choice xmlns:a14="http://schemas.microsoft.com/office/drawing/2010/main" Requires="a14">
           <p:sp>
             <p:nvSpPr>
               <p:cNvPr id="3" name="Content Placeholder 2">
@@ -20725,6 +21876,13 @@
                 <a:endParaRPr lang="en-GB" dirty="0"/>
               </a:p>
               <a:p>
+                <a:pPr lvl="1"/>
+                <a:r>
+                  <a:rPr lang="en-GB" dirty="0"/>
+                  <a:t>Or “no difference”</a:t>
+                </a:r>
+              </a:p>
+              <a:p>
                 <a:r>
                   <a:rPr lang="en-GB" dirty="0"/>
                   <a:t>“Does something” is the Alternative hypothesis </a:t>
@@ -20773,6 +21931,13 @@
                 <a:endParaRPr lang="en-GB" dirty="0"/>
               </a:p>
               <a:p>
+                <a:pPr lvl="1"/>
+                <a:r>
+                  <a:rPr lang="en-GB" dirty="0"/>
+                  <a:t>Or “difference”</a:t>
+                </a:r>
+              </a:p>
+              <a:p>
                 <a:r>
                   <a:rPr lang="en-GB" dirty="0"/>
                   <a:t>Note: you still use hypotheses even if not using NHST</a:t>
@@ -20781,7 +21946,7 @@
             </p:txBody>
           </p:sp>
         </mc:Choice>
-        <mc:Fallback xmlns="">
+        <mc:Fallback>
           <p:sp>
             <p:nvSpPr>
               <p:cNvPr id="3" name="Content Placeholder 2">
@@ -20991,33 +22156,15 @@
                                   </p:childTnLst>
                                 </p:cTn>
                               </p:par>
-                            </p:childTnLst>
-                          </p:cTn>
-                        </p:par>
-                      </p:childTnLst>
-                    </p:cTn>
-                  </p:par>
-                  <p:par>
-                    <p:cTn id="13" fill="hold">
-                      <p:stCondLst>
-                        <p:cond delay="indefinite"/>
-                      </p:stCondLst>
-                      <p:childTnLst>
-                        <p:par>
-                          <p:cTn id="14" fill="hold">
-                            <p:stCondLst>
-                              <p:cond delay="0"/>
-                            </p:stCondLst>
-                            <p:childTnLst>
                               <p:par>
-                                <p:cTn id="15" presetID="10" presetClass="entr" presetSubtype="0" fill="hold" grpId="0" nodeType="clickEffect">
+                                <p:cTn id="13" presetID="10" presetClass="entr" presetSubtype="0" fill="hold" grpId="0" nodeType="withEffect">
                                   <p:stCondLst>
                                     <p:cond delay="0"/>
                                   </p:stCondLst>
                                   <p:childTnLst>
                                     <p:set>
                                       <p:cBhvr>
-                                        <p:cTn id="16" dur="1" fill="hold">
+                                        <p:cTn id="14" dur="1" fill="hold">
                                           <p:stCondLst>
                                             <p:cond delay="0"/>
                                           </p:stCondLst>
@@ -21039,7 +22186,7 @@
                                     </p:set>
                                     <p:animEffect transition="in" filter="fade">
                                       <p:cBhvr>
-                                        <p:cTn id="17" dur="500"/>
+                                        <p:cTn id="15" dur="500"/>
                                         <p:tgtEl>
                                           <p:spTgt spid="3">
                                             <p:txEl>
@@ -21059,26 +22206,26 @@
                     </p:cTn>
                   </p:par>
                   <p:par>
-                    <p:cTn id="18" fill="hold">
+                    <p:cTn id="16" fill="hold">
                       <p:stCondLst>
                         <p:cond delay="indefinite"/>
                       </p:stCondLst>
                       <p:childTnLst>
                         <p:par>
-                          <p:cTn id="19" fill="hold">
+                          <p:cTn id="17" fill="hold">
                             <p:stCondLst>
                               <p:cond delay="0"/>
                             </p:stCondLst>
                             <p:childTnLst>
                               <p:par>
-                                <p:cTn id="20" presetID="10" presetClass="entr" presetSubtype="0" fill="hold" grpId="0" nodeType="clickEffect">
+                                <p:cTn id="18" presetID="10" presetClass="entr" presetSubtype="0" fill="hold" grpId="0" nodeType="clickEffect">
                                   <p:stCondLst>
                                     <p:cond delay="0"/>
                                   </p:stCondLst>
                                   <p:childTnLst>
                                     <p:set>
                                       <p:cBhvr>
-                                        <p:cTn id="21" dur="1" fill="hold">
+                                        <p:cTn id="19" dur="1" fill="hold">
                                           <p:stCondLst>
                                             <p:cond delay="0"/>
                                           </p:stCondLst>
@@ -21100,11 +22247,115 @@
                                     </p:set>
                                     <p:animEffect transition="in" filter="fade">
                                       <p:cBhvr>
-                                        <p:cTn id="22" dur="500"/>
+                                        <p:cTn id="20" dur="500"/>
                                         <p:tgtEl>
                                           <p:spTgt spid="3">
                                             <p:txEl>
                                               <p:pRg st="3" end="3"/>
+                                            </p:txEl>
+                                          </p:spTgt>
+                                        </p:tgtEl>
+                                      </p:cBhvr>
+                                    </p:animEffect>
+                                  </p:childTnLst>
+                                </p:cTn>
+                              </p:par>
+                              <p:par>
+                                <p:cTn id="21" presetID="10" presetClass="entr" presetSubtype="0" fill="hold" grpId="0" nodeType="withEffect">
+                                  <p:stCondLst>
+                                    <p:cond delay="0"/>
+                                  </p:stCondLst>
+                                  <p:childTnLst>
+                                    <p:set>
+                                      <p:cBhvr>
+                                        <p:cTn id="22" dur="1" fill="hold">
+                                          <p:stCondLst>
+                                            <p:cond delay="0"/>
+                                          </p:stCondLst>
+                                        </p:cTn>
+                                        <p:tgtEl>
+                                          <p:spTgt spid="3">
+                                            <p:txEl>
+                                              <p:pRg st="4" end="4"/>
+                                            </p:txEl>
+                                          </p:spTgt>
+                                        </p:tgtEl>
+                                        <p:attrNameLst>
+                                          <p:attrName>style.visibility</p:attrName>
+                                        </p:attrNameLst>
+                                      </p:cBhvr>
+                                      <p:to>
+                                        <p:strVal val="visible"/>
+                                      </p:to>
+                                    </p:set>
+                                    <p:animEffect transition="in" filter="fade">
+                                      <p:cBhvr>
+                                        <p:cTn id="23" dur="500"/>
+                                        <p:tgtEl>
+                                          <p:spTgt spid="3">
+                                            <p:txEl>
+                                              <p:pRg st="4" end="4"/>
+                                            </p:txEl>
+                                          </p:spTgt>
+                                        </p:tgtEl>
+                                      </p:cBhvr>
+                                    </p:animEffect>
+                                  </p:childTnLst>
+                                </p:cTn>
+                              </p:par>
+                            </p:childTnLst>
+                          </p:cTn>
+                        </p:par>
+                      </p:childTnLst>
+                    </p:cTn>
+                  </p:par>
+                  <p:par>
+                    <p:cTn id="24" fill="hold">
+                      <p:stCondLst>
+                        <p:cond delay="indefinite"/>
+                      </p:stCondLst>
+                      <p:childTnLst>
+                        <p:par>
+                          <p:cTn id="25" fill="hold">
+                            <p:stCondLst>
+                              <p:cond delay="0"/>
+                            </p:stCondLst>
+                            <p:childTnLst>
+                              <p:par>
+                                <p:cTn id="26" presetID="10" presetClass="entr" presetSubtype="0" fill="hold" grpId="0" nodeType="clickEffect">
+                                  <p:stCondLst>
+                                    <p:cond delay="0"/>
+                                  </p:stCondLst>
+                                  <p:childTnLst>
+                                    <p:set>
+                                      <p:cBhvr>
+                                        <p:cTn id="27" dur="1" fill="hold">
+                                          <p:stCondLst>
+                                            <p:cond delay="0"/>
+                                          </p:stCondLst>
+                                        </p:cTn>
+                                        <p:tgtEl>
+                                          <p:spTgt spid="3">
+                                            <p:txEl>
+                                              <p:pRg st="5" end="5"/>
+                                            </p:txEl>
+                                          </p:spTgt>
+                                        </p:tgtEl>
+                                        <p:attrNameLst>
+                                          <p:attrName>style.visibility</p:attrName>
+                                        </p:attrNameLst>
+                                      </p:cBhvr>
+                                      <p:to>
+                                        <p:strVal val="visible"/>
+                                      </p:to>
+                                    </p:set>
+                                    <p:animEffect transition="in" filter="fade">
+                                      <p:cBhvr>
+                                        <p:cTn id="28" dur="500"/>
+                                        <p:tgtEl>
+                                          <p:spTgt spid="3">
+                                            <p:txEl>
+                                              <p:pRg st="5" end="5"/>
                                             </p:txEl>
                                           </p:spTgt>
                                         </p:tgtEl>
@@ -21142,6 +22393,478 @@
     </p:tnLst>
     <p:bldLst>
       <p:bldP spid="3" grpId="0" build="p"/>
+    </p:bldLst>
+  </p:timing>
+</p:sld>
+</file>
+
+<file path=ppt/slides/slide8.xml><?xml version="1.0" encoding="utf-8"?>
+<p:sld xmlns:a="http://schemas.openxmlformats.org/drawingml/2006/main" xmlns:r="http://schemas.openxmlformats.org/officeDocument/2006/relationships" xmlns:p="http://schemas.openxmlformats.org/presentationml/2006/main">
+  <p:cSld>
+    <p:spTree>
+      <p:nvGrpSpPr>
+        <p:cNvPr id="1" name=""/>
+        <p:cNvGrpSpPr/>
+        <p:nvPr/>
+      </p:nvGrpSpPr>
+      <p:grpSpPr>
+        <a:xfrm>
+          <a:off x="0" y="0"/>
+          <a:ext cx="0" cy="0"/>
+          <a:chOff x="0" y="0"/>
+          <a:chExt cx="0" cy="0"/>
+        </a:xfrm>
+      </p:grpSpPr>
+      <p:sp>
+        <p:nvSpPr>
+          <p:cNvPr id="2" name="Title 1">
+            <a:extLst>
+              <a:ext uri="{FF2B5EF4-FFF2-40B4-BE49-F238E27FC236}">
+                <a16:creationId xmlns:a16="http://schemas.microsoft.com/office/drawing/2014/main" id="{6764EA13-FE06-B285-FA0C-362784FD6A06}"/>
+              </a:ext>
+            </a:extLst>
+          </p:cNvPr>
+          <p:cNvSpPr>
+            <a:spLocks noGrp="1"/>
+          </p:cNvSpPr>
+          <p:nvPr>
+            <p:ph type="title"/>
+          </p:nvPr>
+        </p:nvSpPr>
+        <p:spPr/>
+        <p:txBody>
+          <a:bodyPr/>
+          <a:lstStyle/>
+          <a:p>
+            <a:r>
+              <a:rPr lang="en-GB" dirty="0"/>
+              <a:t>P-values</a:t>
+            </a:r>
+          </a:p>
+        </p:txBody>
+      </p:sp>
+    </p:spTree>
+    <p:extLst>
+      <p:ext uri="{BB962C8B-B14F-4D97-AF65-F5344CB8AC3E}">
+        <p14:creationId xmlns:p14="http://schemas.microsoft.com/office/powerpoint/2010/main" val="1159134408"/>
+      </p:ext>
+    </p:extLst>
+  </p:cSld>
+  <p:clrMapOvr>
+    <a:masterClrMapping/>
+  </p:clrMapOvr>
+</p:sld>
+</file>
+
+<file path=ppt/slides/slide9.xml><?xml version="1.0" encoding="utf-8"?>
+<p:sld xmlns:a="http://schemas.openxmlformats.org/drawingml/2006/main" xmlns:r="http://schemas.openxmlformats.org/officeDocument/2006/relationships" xmlns:p="http://schemas.openxmlformats.org/presentationml/2006/main">
+  <p:cSld>
+    <p:spTree>
+      <p:nvGrpSpPr>
+        <p:cNvPr id="1" name=""/>
+        <p:cNvGrpSpPr/>
+        <p:nvPr/>
+      </p:nvGrpSpPr>
+      <p:grpSpPr>
+        <a:xfrm>
+          <a:off x="0" y="0"/>
+          <a:ext cx="0" cy="0"/>
+          <a:chOff x="0" y="0"/>
+          <a:chExt cx="0" cy="0"/>
+        </a:xfrm>
+      </p:grpSpPr>
+      <p:sp>
+        <p:nvSpPr>
+          <p:cNvPr id="2" name="Title 1">
+            <a:extLst>
+              <a:ext uri="{FF2B5EF4-FFF2-40B4-BE49-F238E27FC236}">
+                <a16:creationId xmlns:a16="http://schemas.microsoft.com/office/drawing/2014/main" id="{38145EB2-422E-8273-202C-3C5DAC6103EB}"/>
+              </a:ext>
+            </a:extLst>
+          </p:cNvPr>
+          <p:cNvSpPr>
+            <a:spLocks noGrp="1"/>
+          </p:cNvSpPr>
+          <p:nvPr>
+            <p:ph type="title"/>
+          </p:nvPr>
+        </p:nvSpPr>
+        <p:spPr/>
+        <p:txBody>
+          <a:bodyPr/>
+          <a:lstStyle/>
+          <a:p>
+            <a:r>
+              <a:rPr lang="en-GB" dirty="0"/>
+              <a:t>P-values</a:t>
+            </a:r>
+          </a:p>
+        </p:txBody>
+      </p:sp>
+      <p:sp>
+        <p:nvSpPr>
+          <p:cNvPr id="3" name="Content Placeholder 2">
+            <a:extLst>
+              <a:ext uri="{FF2B5EF4-FFF2-40B4-BE49-F238E27FC236}">
+                <a16:creationId xmlns:a16="http://schemas.microsoft.com/office/drawing/2014/main" id="{AD82DED4-73A4-3A8D-43CE-F31AE46782DB}"/>
+              </a:ext>
+            </a:extLst>
+          </p:cNvPr>
+          <p:cNvSpPr>
+            <a:spLocks noGrp="1"/>
+          </p:cNvSpPr>
+          <p:nvPr>
+            <p:ph idx="1"/>
+          </p:nvPr>
+        </p:nvSpPr>
+        <p:spPr/>
+        <p:txBody>
+          <a:bodyPr/>
+          <a:lstStyle/>
+          <a:p>
+            <a:r>
+              <a:rPr lang="en-GB" dirty="0"/>
+              <a:t>Crudely:</a:t>
+            </a:r>
+          </a:p>
+          <a:p>
+            <a:pPr lvl="1"/>
+            <a:r>
+              <a:rPr lang="en-GB" dirty="0"/>
+              <a:t>What is the probability that the thing you just observed could have happened just by pure chance?</a:t>
+            </a:r>
+          </a:p>
+          <a:p>
+            <a:pPr lvl="1"/>
+            <a:r>
+              <a:rPr lang="en-GB" dirty="0"/>
+              <a:t>I.e. How likely is it that there is “no difference”, given there is variation?</a:t>
+            </a:r>
+          </a:p>
+          <a:p>
+            <a:r>
+              <a:rPr lang="en-GB" dirty="0"/>
+              <a:t>E.g. how likely is it to see a 1.7 m tall Emperor penguin, given the average is 1.1 m?</a:t>
+            </a:r>
+          </a:p>
+        </p:txBody>
+      </p:sp>
+      <p:pic>
+        <p:nvPicPr>
+          <p:cNvPr id="6" name="Picture Placeholder 5" descr="A person standing next to a penguin&#10;&#10;Description automatically generated">
+            <a:extLst>
+              <a:ext uri="{FF2B5EF4-FFF2-40B4-BE49-F238E27FC236}">
+                <a16:creationId xmlns:a16="http://schemas.microsoft.com/office/drawing/2014/main" id="{DB3CC2F4-7297-B269-85E2-1EA3B6E6ABA6}"/>
+              </a:ext>
+            </a:extLst>
+          </p:cNvPr>
+          <p:cNvPicPr>
+            <a:picLocks noGrp="1" noChangeAspect="1"/>
+          </p:cNvPicPr>
+          <p:nvPr>
+            <p:ph type="pic" sz="quarter" idx="10"/>
+          </p:nvPr>
+        </p:nvPicPr>
+        <p:blipFill>
+          <a:blip r:embed="rId2">
+            <a:extLst>
+              <a:ext uri="{28A0092B-C50C-407E-A947-70E740481C1C}">
+                <a14:useLocalDpi xmlns:a14="http://schemas.microsoft.com/office/drawing/2010/main" val="0"/>
+              </a:ext>
+            </a:extLst>
+          </a:blip>
+          <a:srcRect l="6001" r="6001"/>
+          <a:stretch>
+            <a:fillRect/>
+          </a:stretch>
+        </p:blipFill>
+        <p:spPr/>
+      </p:pic>
+    </p:spTree>
+    <p:extLst>
+      <p:ext uri="{BB962C8B-B14F-4D97-AF65-F5344CB8AC3E}">
+        <p14:creationId xmlns:p14="http://schemas.microsoft.com/office/powerpoint/2010/main" val="1496607656"/>
+      </p:ext>
+    </p:extLst>
+  </p:cSld>
+  <p:clrMapOvr>
+    <a:masterClrMapping/>
+  </p:clrMapOvr>
+  <p:timing>
+    <p:tnLst>
+      <p:par>
+        <p:cTn id="1" dur="indefinite" restart="never" nodeType="tmRoot">
+          <p:childTnLst>
+            <p:seq concurrent="1" nextAc="seek">
+              <p:cTn id="2" dur="indefinite" nodeType="mainSeq">
+                <p:childTnLst>
+                  <p:par>
+                    <p:cTn id="3" fill="hold">
+                      <p:stCondLst>
+                        <p:cond delay="indefinite"/>
+                      </p:stCondLst>
+                      <p:childTnLst>
+                        <p:par>
+                          <p:cTn id="4" fill="hold">
+                            <p:stCondLst>
+                              <p:cond delay="0"/>
+                            </p:stCondLst>
+                            <p:childTnLst>
+                              <p:par>
+                                <p:cTn id="5" presetID="10" presetClass="entr" presetSubtype="0" fill="hold" grpId="0" nodeType="clickEffect">
+                                  <p:stCondLst>
+                                    <p:cond delay="0"/>
+                                  </p:stCondLst>
+                                  <p:childTnLst>
+                                    <p:set>
+                                      <p:cBhvr>
+                                        <p:cTn id="6" dur="1" fill="hold">
+                                          <p:stCondLst>
+                                            <p:cond delay="0"/>
+                                          </p:stCondLst>
+                                        </p:cTn>
+                                        <p:tgtEl>
+                                          <p:spTgt spid="3">
+                                            <p:txEl>
+                                              <p:pRg st="0" end="0"/>
+                                            </p:txEl>
+                                          </p:spTgt>
+                                        </p:tgtEl>
+                                        <p:attrNameLst>
+                                          <p:attrName>style.visibility</p:attrName>
+                                        </p:attrNameLst>
+                                      </p:cBhvr>
+                                      <p:to>
+                                        <p:strVal val="visible"/>
+                                      </p:to>
+                                    </p:set>
+                                    <p:animEffect transition="in" filter="fade">
+                                      <p:cBhvr>
+                                        <p:cTn id="7" dur="500"/>
+                                        <p:tgtEl>
+                                          <p:spTgt spid="3">
+                                            <p:txEl>
+                                              <p:pRg st="0" end="0"/>
+                                            </p:txEl>
+                                          </p:spTgt>
+                                        </p:tgtEl>
+                                      </p:cBhvr>
+                                    </p:animEffect>
+                                  </p:childTnLst>
+                                </p:cTn>
+                              </p:par>
+                            </p:childTnLst>
+                          </p:cTn>
+                        </p:par>
+                      </p:childTnLst>
+                    </p:cTn>
+                  </p:par>
+                  <p:par>
+                    <p:cTn id="8" fill="hold">
+                      <p:stCondLst>
+                        <p:cond delay="indefinite"/>
+                      </p:stCondLst>
+                      <p:childTnLst>
+                        <p:par>
+                          <p:cTn id="9" fill="hold">
+                            <p:stCondLst>
+                              <p:cond delay="0"/>
+                            </p:stCondLst>
+                            <p:childTnLst>
+                              <p:par>
+                                <p:cTn id="10" presetID="10" presetClass="entr" presetSubtype="0" fill="hold" grpId="0" nodeType="clickEffect">
+                                  <p:stCondLst>
+                                    <p:cond delay="0"/>
+                                  </p:stCondLst>
+                                  <p:childTnLst>
+                                    <p:set>
+                                      <p:cBhvr>
+                                        <p:cTn id="11" dur="1" fill="hold">
+                                          <p:stCondLst>
+                                            <p:cond delay="0"/>
+                                          </p:stCondLst>
+                                        </p:cTn>
+                                        <p:tgtEl>
+                                          <p:spTgt spid="3">
+                                            <p:txEl>
+                                              <p:pRg st="1" end="1"/>
+                                            </p:txEl>
+                                          </p:spTgt>
+                                        </p:tgtEl>
+                                        <p:attrNameLst>
+                                          <p:attrName>style.visibility</p:attrName>
+                                        </p:attrNameLst>
+                                      </p:cBhvr>
+                                      <p:to>
+                                        <p:strVal val="visible"/>
+                                      </p:to>
+                                    </p:set>
+                                    <p:animEffect transition="in" filter="fade">
+                                      <p:cBhvr>
+                                        <p:cTn id="12" dur="500"/>
+                                        <p:tgtEl>
+                                          <p:spTgt spid="3">
+                                            <p:txEl>
+                                              <p:pRg st="1" end="1"/>
+                                            </p:txEl>
+                                          </p:spTgt>
+                                        </p:tgtEl>
+                                      </p:cBhvr>
+                                    </p:animEffect>
+                                  </p:childTnLst>
+                                </p:cTn>
+                              </p:par>
+                            </p:childTnLst>
+                          </p:cTn>
+                        </p:par>
+                      </p:childTnLst>
+                    </p:cTn>
+                  </p:par>
+                  <p:par>
+                    <p:cTn id="13" fill="hold">
+                      <p:stCondLst>
+                        <p:cond delay="indefinite"/>
+                      </p:stCondLst>
+                      <p:childTnLst>
+                        <p:par>
+                          <p:cTn id="14" fill="hold">
+                            <p:stCondLst>
+                              <p:cond delay="0"/>
+                            </p:stCondLst>
+                            <p:childTnLst>
+                              <p:par>
+                                <p:cTn id="15" presetID="10" presetClass="entr" presetSubtype="0" fill="hold" grpId="0" nodeType="clickEffect">
+                                  <p:stCondLst>
+                                    <p:cond delay="0"/>
+                                  </p:stCondLst>
+                                  <p:childTnLst>
+                                    <p:set>
+                                      <p:cBhvr>
+                                        <p:cTn id="16" dur="1" fill="hold">
+                                          <p:stCondLst>
+                                            <p:cond delay="0"/>
+                                          </p:stCondLst>
+                                        </p:cTn>
+                                        <p:tgtEl>
+                                          <p:spTgt spid="3">
+                                            <p:txEl>
+                                              <p:pRg st="2" end="2"/>
+                                            </p:txEl>
+                                          </p:spTgt>
+                                        </p:tgtEl>
+                                        <p:attrNameLst>
+                                          <p:attrName>style.visibility</p:attrName>
+                                        </p:attrNameLst>
+                                      </p:cBhvr>
+                                      <p:to>
+                                        <p:strVal val="visible"/>
+                                      </p:to>
+                                    </p:set>
+                                    <p:animEffect transition="in" filter="fade">
+                                      <p:cBhvr>
+                                        <p:cTn id="17" dur="500"/>
+                                        <p:tgtEl>
+                                          <p:spTgt spid="3">
+                                            <p:txEl>
+                                              <p:pRg st="2" end="2"/>
+                                            </p:txEl>
+                                          </p:spTgt>
+                                        </p:tgtEl>
+                                      </p:cBhvr>
+                                    </p:animEffect>
+                                  </p:childTnLst>
+                                </p:cTn>
+                              </p:par>
+                            </p:childTnLst>
+                          </p:cTn>
+                        </p:par>
+                      </p:childTnLst>
+                    </p:cTn>
+                  </p:par>
+                  <p:par>
+                    <p:cTn id="18" fill="hold">
+                      <p:stCondLst>
+                        <p:cond delay="indefinite"/>
+                      </p:stCondLst>
+                      <p:childTnLst>
+                        <p:par>
+                          <p:cTn id="19" fill="hold">
+                            <p:stCondLst>
+                              <p:cond delay="0"/>
+                            </p:stCondLst>
+                            <p:childTnLst>
+                              <p:par>
+                                <p:cTn id="20" presetID="10" presetClass="entr" presetSubtype="0" fill="hold" grpId="0" nodeType="clickEffect">
+                                  <p:stCondLst>
+                                    <p:cond delay="0"/>
+                                  </p:stCondLst>
+                                  <p:childTnLst>
+                                    <p:set>
+                                      <p:cBhvr>
+                                        <p:cTn id="21" dur="1" fill="hold">
+                                          <p:stCondLst>
+                                            <p:cond delay="0"/>
+                                          </p:stCondLst>
+                                        </p:cTn>
+                                        <p:tgtEl>
+                                          <p:spTgt spid="3">
+                                            <p:txEl>
+                                              <p:pRg st="3" end="3"/>
+                                            </p:txEl>
+                                          </p:spTgt>
+                                        </p:tgtEl>
+                                        <p:attrNameLst>
+                                          <p:attrName>style.visibility</p:attrName>
+                                        </p:attrNameLst>
+                                      </p:cBhvr>
+                                      <p:to>
+                                        <p:strVal val="visible"/>
+                                      </p:to>
+                                    </p:set>
+                                    <p:animEffect transition="in" filter="fade">
+                                      <p:cBhvr>
+                                        <p:cTn id="22" dur="500"/>
+                                        <p:tgtEl>
+                                          <p:spTgt spid="3">
+                                            <p:txEl>
+                                              <p:pRg st="3" end="3"/>
+                                            </p:txEl>
+                                          </p:spTgt>
+                                        </p:tgtEl>
+                                      </p:cBhvr>
+                                    </p:animEffect>
+                                  </p:childTnLst>
+                                </p:cTn>
+                              </p:par>
+                            </p:childTnLst>
+                          </p:cTn>
+                        </p:par>
+                      </p:childTnLst>
+                    </p:cTn>
+                  </p:par>
+                </p:childTnLst>
+              </p:cTn>
+              <p:prevCondLst>
+                <p:cond evt="onPrev" delay="0">
+                  <p:tgtEl>
+                    <p:sldTgt/>
+                  </p:tgtEl>
+                </p:cond>
+              </p:prevCondLst>
+              <p:nextCondLst>
+                <p:cond evt="onNext" delay="0">
+                  <p:tgtEl>
+                    <p:sldTgt/>
+                  </p:tgtEl>
+                </p:cond>
+              </p:nextCondLst>
+            </p:seq>
+          </p:childTnLst>
+        </p:cTn>
+      </p:par>
+    </p:tnLst>
+    <p:bldLst>
+      <p:bldP spid="3" grpId="0" uiExpand="1" build="p"/>
     </p:bldLst>
   </p:timing>
 </p:sld>
